--- a/SoftwarePP.pptx
+++ b/SoftwarePP.pptx
@@ -1,11 +1,11 @@
 
 <file path=ppt/presentation.xml><?xml version="1.0" encoding="utf-8"?>
-<p:presentation xmlns:a="http://schemas.openxmlformats.org/drawingml/2006/main" xmlns:r="http://schemas.openxmlformats.org/officeDocument/2006/relationships" xmlns:p="http://schemas.openxmlformats.org/presentationml/2006/main" saveSubsetFonts="1">
+<p:presentation xmlns:a="http://schemas.openxmlformats.org/drawingml/2006/main" xmlns:r="http://schemas.openxmlformats.org/officeDocument/2006/relationships" xmlns:mc="http://schemas.openxmlformats.org/markup-compatibility/2006" xmlns:mv="urn:schemas-microsoft-com:mac:vml" xmlns:p="http://schemas.openxmlformats.org/presentationml/2006/main" mc:Ignorable="mv" mc:PreserveAttributes="mv:*" saveSubsetFonts="1">
   <p:sldMasterIdLst>
     <p:sldMasterId id="2147483948" r:id="rId1"/>
   </p:sldMasterIdLst>
   <p:notesMasterIdLst>
-    <p:notesMasterId r:id="rId11"/>
+    <p:notesMasterId r:id="rId12"/>
   </p:notesMasterIdLst>
   <p:sldIdLst>
     <p:sldId id="259" r:id="rId2"/>
@@ -14,9 +14,10 @@
     <p:sldId id="262" r:id="rId5"/>
     <p:sldId id="263" r:id="rId6"/>
     <p:sldId id="264" r:id="rId7"/>
-    <p:sldId id="265" r:id="rId8"/>
-    <p:sldId id="268" r:id="rId9"/>
-    <p:sldId id="267" r:id="rId10"/>
+    <p:sldId id="269" r:id="rId8"/>
+    <p:sldId id="265" r:id="rId9"/>
+    <p:sldId id="268" r:id="rId10"/>
+    <p:sldId id="267" r:id="rId11"/>
   </p:sldIdLst>
   <p:sldSz cx="9144000" cy="6858000" type="screen4x3"/>
   <p:notesSz cx="6858000" cy="9144000"/>
@@ -119,7 +120,7 @@
 </file>
 
 <file path=ppt/notesMasters/notesMaster1.xml><?xml version="1.0" encoding="utf-8"?>
-<p:notesMaster xmlns:a="http://schemas.openxmlformats.org/drawingml/2006/main" xmlns:r="http://schemas.openxmlformats.org/officeDocument/2006/relationships" xmlns:p="http://schemas.openxmlformats.org/presentationml/2006/main">
+<p:notesMaster xmlns:a="http://schemas.openxmlformats.org/drawingml/2006/main" xmlns:r="http://schemas.openxmlformats.org/officeDocument/2006/relationships" xmlns:mc="http://schemas.openxmlformats.org/markup-compatibility/2006" xmlns:mv="urn:schemas-microsoft-com:mac:vml" xmlns:p="http://schemas.openxmlformats.org/presentationml/2006/main" mc:Ignorable="mv" mc:PreserveAttributes="mv:*">
   <p:cSld>
     <p:bg>
       <p:bgRef idx="1001">
@@ -200,7 +201,8 @@
           <a:p>
             <a:fld id="{6805F63A-2BC8-42FC-94E0-0499EC944574}" type="datetimeFigureOut">
               <a:rPr kumimoji="1" lang="ja-JP" altLang="en-US" smtClean="0"/>
-              <a:t>2013/7/3</a:t>
+              <a:pPr/>
+              <a:t>13.7.4</a:t>
             </a:fld>
             <a:endParaRPr kumimoji="1" lang="ja-JP" altLang="en-US"/>
           </a:p>
@@ -391,6 +393,7 @@
           <a:p>
             <a:fld id="{1BB1F7E6-F5FD-470B-966E-8B22AC4CE3F8}" type="slidenum">
               <a:rPr kumimoji="1" lang="ja-JP" altLang="en-US" smtClean="0"/>
+              <a:pPr/>
               <a:t>‹#›</a:t>
             </a:fld>
             <a:endParaRPr kumimoji="1" lang="ja-JP" altLang="en-US"/>
@@ -400,7 +403,7 @@
     </p:spTree>
     <p:extLst>
       <p:ext uri="{BB962C8B-B14F-4D97-AF65-F5344CB8AC3E}">
-        <p14:creationId xmlns:p14="http://schemas.microsoft.com/office/powerpoint/2010/main" val="2643348307"/>
+        <p14:creationId xmlns:p14="http://schemas.microsoft.com/office/powerpoint/2010/main" xmlns:p="http://schemas.openxmlformats.org/presentationml/2006/main" xmlns:r="http://schemas.openxmlformats.org/officeDocument/2006/relationships" xmlns:a="http://schemas.openxmlformats.org/drawingml/2006/main" xmlns="" val="2643348307"/>
       </p:ext>
     </p:extLst>
   </p:cSld>
@@ -501,7 +504,7 @@
 </file>
 
 <file path=ppt/notesSlides/notesSlide1.xml><?xml version="1.0" encoding="utf-8"?>
-<p:notes xmlns:a="http://schemas.openxmlformats.org/drawingml/2006/main" xmlns:r="http://schemas.openxmlformats.org/officeDocument/2006/relationships" xmlns:p="http://schemas.openxmlformats.org/presentationml/2006/main">
+<p:notes xmlns:a="http://schemas.openxmlformats.org/drawingml/2006/main" xmlns:r="http://schemas.openxmlformats.org/officeDocument/2006/relationships" xmlns:mc="http://schemas.openxmlformats.org/markup-compatibility/2006" xmlns:mv="urn:schemas-microsoft-com:mac:vml" xmlns:p="http://schemas.openxmlformats.org/presentationml/2006/main" mc:Ignorable="mv" mc:PreserveAttributes="mv:*">
   <p:cSld>
     <p:spTree>
       <p:nvGrpSpPr>
@@ -580,6 +583,7 @@
           <a:p>
             <a:fld id="{1BB1F7E6-F5FD-470B-966E-8B22AC4CE3F8}" type="slidenum">
               <a:rPr kumimoji="1" lang="ja-JP" altLang="en-US" smtClean="0"/>
+              <a:pPr/>
               <a:t>3</a:t>
             </a:fld>
             <a:endParaRPr kumimoji="1" lang="ja-JP" altLang="en-US"/>
@@ -589,7 +593,7 @@
     </p:spTree>
     <p:extLst>
       <p:ext uri="{BB962C8B-B14F-4D97-AF65-F5344CB8AC3E}">
-        <p14:creationId xmlns:p14="http://schemas.microsoft.com/office/powerpoint/2010/main" val="623824376"/>
+        <p14:creationId xmlns:p14="http://schemas.microsoft.com/office/powerpoint/2010/main" xmlns:p="http://schemas.openxmlformats.org/presentationml/2006/main" xmlns:r="http://schemas.openxmlformats.org/officeDocument/2006/relationships" xmlns:a="http://schemas.openxmlformats.org/drawingml/2006/main" xmlns="" val="623824376"/>
       </p:ext>
     </p:extLst>
   </p:cSld>
@@ -600,7 +604,7 @@
 </file>
 
 <file path=ppt/notesSlides/notesSlide2.xml><?xml version="1.0" encoding="utf-8"?>
-<p:notes xmlns:a="http://schemas.openxmlformats.org/drawingml/2006/main" xmlns:r="http://schemas.openxmlformats.org/officeDocument/2006/relationships" xmlns:p="http://schemas.openxmlformats.org/presentationml/2006/main">
+<p:notes xmlns:a="http://schemas.openxmlformats.org/drawingml/2006/main" xmlns:r="http://schemas.openxmlformats.org/officeDocument/2006/relationships" xmlns:mc="http://schemas.openxmlformats.org/markup-compatibility/2006" xmlns:mv="urn:schemas-microsoft-com:mac:vml" xmlns:p="http://schemas.openxmlformats.org/presentationml/2006/main" mc:Ignorable="mv" mc:PreserveAttributes="mv:*">
   <p:cSld>
     <p:spTree>
       <p:nvGrpSpPr>
@@ -664,6 +668,7 @@
           <a:p>
             <a:fld id="{1BB1F7E6-F5FD-470B-966E-8B22AC4CE3F8}" type="slidenum">
               <a:rPr kumimoji="1" lang="ja-JP" altLang="en-US" smtClean="0"/>
+              <a:pPr/>
               <a:t>4</a:t>
             </a:fld>
             <a:endParaRPr kumimoji="1" lang="ja-JP" altLang="en-US"/>
@@ -673,7 +678,7 @@
     </p:spTree>
     <p:extLst>
       <p:ext uri="{BB962C8B-B14F-4D97-AF65-F5344CB8AC3E}">
-        <p14:creationId xmlns:p14="http://schemas.microsoft.com/office/powerpoint/2010/main" val="957240415"/>
+        <p14:creationId xmlns:p14="http://schemas.microsoft.com/office/powerpoint/2010/main" xmlns:p="http://schemas.openxmlformats.org/presentationml/2006/main" xmlns:r="http://schemas.openxmlformats.org/officeDocument/2006/relationships" xmlns:a="http://schemas.openxmlformats.org/drawingml/2006/main" xmlns="" val="957240415"/>
       </p:ext>
     </p:extLst>
   </p:cSld>
@@ -684,7 +689,7 @@
 </file>
 
 <file path=ppt/notesSlides/notesSlide3.xml><?xml version="1.0" encoding="utf-8"?>
-<p:notes xmlns:a="http://schemas.openxmlformats.org/drawingml/2006/main" xmlns:r="http://schemas.openxmlformats.org/officeDocument/2006/relationships" xmlns:p="http://schemas.openxmlformats.org/presentationml/2006/main">
+<p:notes xmlns:a="http://schemas.openxmlformats.org/drawingml/2006/main" xmlns:r="http://schemas.openxmlformats.org/officeDocument/2006/relationships" xmlns:mc="http://schemas.openxmlformats.org/markup-compatibility/2006" xmlns:mv="urn:schemas-microsoft-com:mac:vml" xmlns:p="http://schemas.openxmlformats.org/presentationml/2006/main" mc:Ignorable="mv" mc:PreserveAttributes="mv:*">
   <p:cSld>
     <p:spTree>
       <p:nvGrpSpPr>
@@ -775,6 +780,7 @@
           <a:p>
             <a:fld id="{1BB1F7E6-F5FD-470B-966E-8B22AC4CE3F8}" type="slidenum">
               <a:rPr kumimoji="1" lang="ja-JP" altLang="en-US" smtClean="0"/>
+              <a:pPr/>
               <a:t>5</a:t>
             </a:fld>
             <a:endParaRPr kumimoji="1" lang="ja-JP" altLang="en-US"/>
@@ -784,7 +790,7 @@
     </p:spTree>
     <p:extLst>
       <p:ext uri="{BB962C8B-B14F-4D97-AF65-F5344CB8AC3E}">
-        <p14:creationId xmlns:p14="http://schemas.microsoft.com/office/powerpoint/2010/main" val="2906374244"/>
+        <p14:creationId xmlns:p14="http://schemas.microsoft.com/office/powerpoint/2010/main" xmlns:p="http://schemas.openxmlformats.org/presentationml/2006/main" xmlns:r="http://schemas.openxmlformats.org/officeDocument/2006/relationships" xmlns:a="http://schemas.openxmlformats.org/drawingml/2006/main" xmlns="" val="2906374244"/>
       </p:ext>
     </p:extLst>
   </p:cSld>
@@ -795,7 +801,7 @@
 </file>
 
 <file path=ppt/notesSlides/notesSlide4.xml><?xml version="1.0" encoding="utf-8"?>
-<p:notes xmlns:a="http://schemas.openxmlformats.org/drawingml/2006/main" xmlns:r="http://schemas.openxmlformats.org/officeDocument/2006/relationships" xmlns:p="http://schemas.openxmlformats.org/presentationml/2006/main">
+<p:notes xmlns:a="http://schemas.openxmlformats.org/drawingml/2006/main" xmlns:r="http://schemas.openxmlformats.org/officeDocument/2006/relationships" xmlns:mc="http://schemas.openxmlformats.org/markup-compatibility/2006" xmlns:mv="urn:schemas-microsoft-com:mac:vml" xmlns:p="http://schemas.openxmlformats.org/presentationml/2006/main" mc:Ignorable="mv" mc:PreserveAttributes="mv:*">
   <p:cSld>
     <p:spTree>
       <p:nvGrpSpPr>
@@ -859,6 +865,7 @@
           <a:p>
             <a:fld id="{1BB1F7E6-F5FD-470B-966E-8B22AC4CE3F8}" type="slidenum">
               <a:rPr kumimoji="1" lang="ja-JP" altLang="en-US" smtClean="0"/>
+              <a:pPr/>
               <a:t>6</a:t>
             </a:fld>
             <a:endParaRPr kumimoji="1" lang="ja-JP" altLang="en-US"/>
@@ -868,7 +875,7 @@
     </p:spTree>
     <p:extLst>
       <p:ext uri="{BB962C8B-B14F-4D97-AF65-F5344CB8AC3E}">
-        <p14:creationId xmlns:p14="http://schemas.microsoft.com/office/powerpoint/2010/main" val="3818340779"/>
+        <p14:creationId xmlns:p14="http://schemas.microsoft.com/office/powerpoint/2010/main" xmlns:p="http://schemas.openxmlformats.org/presentationml/2006/main" xmlns:r="http://schemas.openxmlformats.org/officeDocument/2006/relationships" xmlns:a="http://schemas.openxmlformats.org/drawingml/2006/main" xmlns="" val="3818340779"/>
       </p:ext>
     </p:extLst>
   </p:cSld>
@@ -879,7 +886,7 @@
 </file>
 
 <file path=ppt/notesSlides/notesSlide5.xml><?xml version="1.0" encoding="utf-8"?>
-<p:notes xmlns:a="http://schemas.openxmlformats.org/drawingml/2006/main" xmlns:r="http://schemas.openxmlformats.org/officeDocument/2006/relationships" xmlns:p="http://schemas.openxmlformats.org/presentationml/2006/main">
+<p:notes xmlns:a="http://schemas.openxmlformats.org/drawingml/2006/main" xmlns:r="http://schemas.openxmlformats.org/officeDocument/2006/relationships" xmlns:mc="http://schemas.openxmlformats.org/markup-compatibility/2006" xmlns:mv="urn:schemas-microsoft-com:mac:vml" xmlns:p="http://schemas.openxmlformats.org/presentationml/2006/main" mc:Ignorable="mv" mc:PreserveAttributes="mv:*">
   <p:cSld>
     <p:spTree>
       <p:nvGrpSpPr>
@@ -951,7 +958,8 @@
           <a:p>
             <a:fld id="{1BB1F7E6-F5FD-470B-966E-8B22AC4CE3F8}" type="slidenum">
               <a:rPr kumimoji="1" lang="ja-JP" altLang="en-US" smtClean="0"/>
-              <a:t>7</a:t>
+              <a:pPr/>
+              <a:t>8</a:t>
             </a:fld>
             <a:endParaRPr kumimoji="1" lang="ja-JP" altLang="en-US"/>
           </a:p>
@@ -960,7 +968,7 @@
     </p:spTree>
     <p:extLst>
       <p:ext uri="{BB962C8B-B14F-4D97-AF65-F5344CB8AC3E}">
-        <p14:creationId xmlns:p14="http://schemas.microsoft.com/office/powerpoint/2010/main" val="1135668797"/>
+        <p14:creationId xmlns:p14="http://schemas.microsoft.com/office/powerpoint/2010/main" xmlns:p="http://schemas.openxmlformats.org/presentationml/2006/main" xmlns:r="http://schemas.openxmlformats.org/officeDocument/2006/relationships" xmlns:a="http://schemas.openxmlformats.org/drawingml/2006/main" xmlns="" val="1135668797"/>
       </p:ext>
     </p:extLst>
   </p:cSld>
@@ -971,7 +979,7 @@
 </file>
 
 <file path=ppt/notesSlides/notesSlide6.xml><?xml version="1.0" encoding="utf-8"?>
-<p:notes xmlns:a="http://schemas.openxmlformats.org/drawingml/2006/main" xmlns:r="http://schemas.openxmlformats.org/officeDocument/2006/relationships" xmlns:p="http://schemas.openxmlformats.org/presentationml/2006/main">
+<p:notes xmlns:a="http://schemas.openxmlformats.org/drawingml/2006/main" xmlns:r="http://schemas.openxmlformats.org/officeDocument/2006/relationships" xmlns:mc="http://schemas.openxmlformats.org/markup-compatibility/2006" xmlns:mv="urn:schemas-microsoft-com:mac:vml" xmlns:p="http://schemas.openxmlformats.org/presentationml/2006/main" mc:Ignorable="mv" mc:PreserveAttributes="mv:*">
   <p:cSld>
     <p:spTree>
       <p:nvGrpSpPr>
@@ -1068,7 +1076,8 @@
           <a:p>
             <a:fld id="{1BB1F7E6-F5FD-470B-966E-8B22AC4CE3F8}" type="slidenum">
               <a:rPr kumimoji="1" lang="ja-JP" altLang="en-US" smtClean="0"/>
-              <a:t>8</a:t>
+              <a:pPr/>
+              <a:t>9</a:t>
             </a:fld>
             <a:endParaRPr kumimoji="1" lang="ja-JP" altLang="en-US"/>
           </a:p>
@@ -1077,7 +1086,7 @@
     </p:spTree>
     <p:extLst>
       <p:ext uri="{BB962C8B-B14F-4D97-AF65-F5344CB8AC3E}">
-        <p14:creationId xmlns:p14="http://schemas.microsoft.com/office/powerpoint/2010/main" val="46341869"/>
+        <p14:creationId xmlns:p14="http://schemas.microsoft.com/office/powerpoint/2010/main" xmlns:p="http://schemas.openxmlformats.org/presentationml/2006/main" xmlns:r="http://schemas.openxmlformats.org/officeDocument/2006/relationships" xmlns:a="http://schemas.openxmlformats.org/drawingml/2006/main" xmlns="" val="46341869"/>
       </p:ext>
     </p:extLst>
   </p:cSld>
@@ -1088,7 +1097,7 @@
 </file>
 
 <file path=ppt/notesSlides/notesSlide7.xml><?xml version="1.0" encoding="utf-8"?>
-<p:notes xmlns:a="http://schemas.openxmlformats.org/drawingml/2006/main" xmlns:r="http://schemas.openxmlformats.org/officeDocument/2006/relationships" xmlns:p="http://schemas.openxmlformats.org/presentationml/2006/main">
+<p:notes xmlns:a="http://schemas.openxmlformats.org/drawingml/2006/main" xmlns:r="http://schemas.openxmlformats.org/officeDocument/2006/relationships" xmlns:mc="http://schemas.openxmlformats.org/markup-compatibility/2006" xmlns:mv="urn:schemas-microsoft-com:mac:vml" xmlns:p="http://schemas.openxmlformats.org/presentationml/2006/main" mc:Ignorable="mv" mc:PreserveAttributes="mv:*">
   <p:cSld>
     <p:spTree>
       <p:nvGrpSpPr>
@@ -1160,7 +1169,8 @@
           <a:p>
             <a:fld id="{1BB1F7E6-F5FD-470B-966E-8B22AC4CE3F8}" type="slidenum">
               <a:rPr kumimoji="1" lang="ja-JP" altLang="en-US" smtClean="0"/>
-              <a:t>9</a:t>
+              <a:pPr/>
+              <a:t>10</a:t>
             </a:fld>
             <a:endParaRPr kumimoji="1" lang="ja-JP" altLang="en-US"/>
           </a:p>
@@ -1169,7 +1179,7 @@
     </p:spTree>
     <p:extLst>
       <p:ext uri="{BB962C8B-B14F-4D97-AF65-F5344CB8AC3E}">
-        <p14:creationId xmlns:p14="http://schemas.microsoft.com/office/powerpoint/2010/main" val="1752321282"/>
+        <p14:creationId xmlns:p14="http://schemas.microsoft.com/office/powerpoint/2010/main" xmlns:p="http://schemas.openxmlformats.org/presentationml/2006/main" xmlns:r="http://schemas.openxmlformats.org/officeDocument/2006/relationships" xmlns:a="http://schemas.openxmlformats.org/drawingml/2006/main" xmlns="" val="1752321282"/>
       </p:ext>
     </p:extLst>
   </p:cSld>
@@ -1180,7 +1190,7 @@
 </file>
 
 <file path=ppt/slideLayouts/slideLayout1.xml><?xml version="1.0" encoding="utf-8"?>
-<p:sldLayout xmlns:a="http://schemas.openxmlformats.org/drawingml/2006/main" xmlns:r="http://schemas.openxmlformats.org/officeDocument/2006/relationships" xmlns:p="http://schemas.openxmlformats.org/presentationml/2006/main" showMasterSp="0" type="title" preserve="1">
+<p:sldLayout xmlns:a="http://schemas.openxmlformats.org/drawingml/2006/main" xmlns:r="http://schemas.openxmlformats.org/officeDocument/2006/relationships" xmlns:mc="http://schemas.openxmlformats.org/markup-compatibility/2006" xmlns:mv="urn:schemas-microsoft-com:mac:vml" xmlns:p="http://schemas.openxmlformats.org/presentationml/2006/main" mc:Ignorable="mv" mc:PreserveAttributes="mv:*" showMasterSp="0" type="title" preserve="1">
   <p:cSld name="タイトル スライド">
     <p:bg>
       <p:bgRef idx="1002">
@@ -1563,7 +1573,8 @@
           <a:p>
             <a:fld id="{D6EB1B4E-27AF-46E3-AC1C-02E606E0D850}" type="datetimeFigureOut">
               <a:rPr kumimoji="1" lang="ja-JP" altLang="en-US" smtClean="0"/>
-              <a:t>2013/7/3</a:t>
+              <a:pPr/>
+              <a:t>13.7.4</a:t>
             </a:fld>
             <a:endParaRPr kumimoji="1" lang="ja-JP" altLang="en-US"/>
           </a:p>
@@ -1605,6 +1616,7 @@
           <a:p>
             <a:fld id="{335B7E18-3D1B-485C-A758-E2E41F09EBCC}" type="slidenum">
               <a:rPr kumimoji="1" lang="ja-JP" altLang="en-US" smtClean="0"/>
+              <a:pPr/>
               <a:t>‹#›</a:t>
             </a:fld>
             <a:endParaRPr kumimoji="1" lang="ja-JP" altLang="en-US"/>
@@ -1620,7 +1632,7 @@
 </file>
 
 <file path=ppt/slideLayouts/slideLayout10.xml><?xml version="1.0" encoding="utf-8"?>
-<p:sldLayout xmlns:a="http://schemas.openxmlformats.org/drawingml/2006/main" xmlns:r="http://schemas.openxmlformats.org/officeDocument/2006/relationships" xmlns:p="http://schemas.openxmlformats.org/presentationml/2006/main" type="vertTx" preserve="1">
+<p:sldLayout xmlns:a="http://schemas.openxmlformats.org/drawingml/2006/main" xmlns:r="http://schemas.openxmlformats.org/officeDocument/2006/relationships" xmlns:mc="http://schemas.openxmlformats.org/markup-compatibility/2006" xmlns:mv="urn:schemas-microsoft-com:mac:vml" xmlns:p="http://schemas.openxmlformats.org/presentationml/2006/main" mc:Ignorable="mv" mc:PreserveAttributes="mv:*" type="vertTx" preserve="1">
   <p:cSld name="タイトルと&#10;縦書きテキスト">
     <p:spTree>
       <p:nvGrpSpPr>
@@ -1760,7 +1772,8 @@
           <a:p>
             <a:fld id="{D6EB1B4E-27AF-46E3-AC1C-02E606E0D850}" type="datetimeFigureOut">
               <a:rPr kumimoji="1" lang="ja-JP" altLang="en-US" smtClean="0"/>
-              <a:t>2013/7/3</a:t>
+              <a:pPr/>
+              <a:t>13.7.4</a:t>
             </a:fld>
             <a:endParaRPr kumimoji="1" lang="ja-JP" altLang="en-US"/>
           </a:p>
@@ -1802,6 +1815,7 @@
           <a:p>
             <a:fld id="{335B7E18-3D1B-485C-A758-E2E41F09EBCC}" type="slidenum">
               <a:rPr kumimoji="1" lang="ja-JP" altLang="en-US" smtClean="0"/>
+              <a:pPr/>
               <a:t>‹#›</a:t>
             </a:fld>
             <a:endParaRPr kumimoji="1" lang="ja-JP" altLang="en-US"/>
@@ -1817,7 +1831,7 @@
 </file>
 
 <file path=ppt/slideLayouts/slideLayout11.xml><?xml version="1.0" encoding="utf-8"?>
-<p:sldLayout xmlns:a="http://schemas.openxmlformats.org/drawingml/2006/main" xmlns:r="http://schemas.openxmlformats.org/officeDocument/2006/relationships" xmlns:p="http://schemas.openxmlformats.org/presentationml/2006/main" type="vertTitleAndTx" preserve="1">
+<p:sldLayout xmlns:a="http://schemas.openxmlformats.org/drawingml/2006/main" xmlns:r="http://schemas.openxmlformats.org/officeDocument/2006/relationships" xmlns:mc="http://schemas.openxmlformats.org/markup-compatibility/2006" xmlns:mv="urn:schemas-microsoft-com:mac:vml" xmlns:p="http://schemas.openxmlformats.org/presentationml/2006/main" mc:Ignorable="mv" mc:PreserveAttributes="mv:*" type="vertTitleAndTx" preserve="1">
   <p:cSld name="縦書きタイトルと&#10;縦書きテキスト">
     <p:spTree>
       <p:nvGrpSpPr>
@@ -1967,7 +1981,8 @@
           <a:p>
             <a:fld id="{D6EB1B4E-27AF-46E3-AC1C-02E606E0D850}" type="datetimeFigureOut">
               <a:rPr kumimoji="1" lang="ja-JP" altLang="en-US" smtClean="0"/>
-              <a:t>2013/7/3</a:t>
+              <a:pPr/>
+              <a:t>13.7.4</a:t>
             </a:fld>
             <a:endParaRPr kumimoji="1" lang="ja-JP" altLang="en-US"/>
           </a:p>
@@ -2009,6 +2024,7 @@
           <a:p>
             <a:fld id="{335B7E18-3D1B-485C-A758-E2E41F09EBCC}" type="slidenum">
               <a:rPr kumimoji="1" lang="ja-JP" altLang="en-US" smtClean="0"/>
+              <a:pPr/>
               <a:t>‹#›</a:t>
             </a:fld>
             <a:endParaRPr kumimoji="1" lang="ja-JP" altLang="en-US"/>
@@ -2024,7 +2040,7 @@
 </file>
 
 <file path=ppt/slideLayouts/slideLayout2.xml><?xml version="1.0" encoding="utf-8"?>
-<p:sldLayout xmlns:a="http://schemas.openxmlformats.org/drawingml/2006/main" xmlns:r="http://schemas.openxmlformats.org/officeDocument/2006/relationships" xmlns:p="http://schemas.openxmlformats.org/presentationml/2006/main" type="obj" preserve="1">
+<p:sldLayout xmlns:a="http://schemas.openxmlformats.org/drawingml/2006/main" xmlns:r="http://schemas.openxmlformats.org/officeDocument/2006/relationships" xmlns:mc="http://schemas.openxmlformats.org/markup-compatibility/2006" xmlns:mv="urn:schemas-microsoft-com:mac:vml" xmlns:p="http://schemas.openxmlformats.org/presentationml/2006/main" mc:Ignorable="mv" mc:PreserveAttributes="mv:*" type="obj" preserve="1">
   <p:cSld name="タイトルとコンテンツ">
     <p:spTree>
       <p:nvGrpSpPr>
@@ -2168,7 +2184,8 @@
           <a:p>
             <a:fld id="{D6EB1B4E-27AF-46E3-AC1C-02E606E0D850}" type="datetimeFigureOut">
               <a:rPr kumimoji="1" lang="ja-JP" altLang="en-US" smtClean="0"/>
-              <a:t>2013/7/3</a:t>
+              <a:pPr/>
+              <a:t>13.7.4</a:t>
             </a:fld>
             <a:endParaRPr kumimoji="1" lang="ja-JP" altLang="en-US"/>
           </a:p>
@@ -2210,6 +2227,7 @@
           <a:p>
             <a:fld id="{335B7E18-3D1B-485C-A758-E2E41F09EBCC}" type="slidenum">
               <a:rPr kumimoji="1" lang="ja-JP" altLang="en-US" smtClean="0"/>
+              <a:pPr/>
               <a:t>‹#›</a:t>
             </a:fld>
             <a:endParaRPr kumimoji="1" lang="ja-JP" altLang="en-US"/>
@@ -2225,7 +2243,7 @@
 </file>
 
 <file path=ppt/slideLayouts/slideLayout3.xml><?xml version="1.0" encoding="utf-8"?>
-<p:sldLayout xmlns:a="http://schemas.openxmlformats.org/drawingml/2006/main" xmlns:r="http://schemas.openxmlformats.org/officeDocument/2006/relationships" xmlns:p="http://schemas.openxmlformats.org/presentationml/2006/main" showMasterSp="0" type="secHead" preserve="1">
+<p:sldLayout xmlns:a="http://schemas.openxmlformats.org/drawingml/2006/main" xmlns:r="http://schemas.openxmlformats.org/officeDocument/2006/relationships" xmlns:mc="http://schemas.openxmlformats.org/markup-compatibility/2006" xmlns:mv="urn:schemas-microsoft-com:mac:vml" xmlns:p="http://schemas.openxmlformats.org/presentationml/2006/main" mc:Ignorable="mv" mc:PreserveAttributes="mv:*" showMasterSp="0" type="secHead" preserve="1">
   <p:cSld name="セクション見出し">
     <p:bg>
       <p:bgRef idx="1002">
@@ -2623,7 +2641,8 @@
           <a:p>
             <a:fld id="{D6EB1B4E-27AF-46E3-AC1C-02E606E0D850}" type="datetimeFigureOut">
               <a:rPr kumimoji="1" lang="ja-JP" altLang="en-US" smtClean="0"/>
-              <a:t>2013/7/3</a:t>
+              <a:pPr/>
+              <a:t>13.7.4</a:t>
             </a:fld>
             <a:endParaRPr kumimoji="1" lang="ja-JP" altLang="en-US"/>
           </a:p>
@@ -2665,6 +2684,7 @@
           <a:p>
             <a:fld id="{335B7E18-3D1B-485C-A758-E2E41F09EBCC}" type="slidenum">
               <a:rPr kumimoji="1" lang="ja-JP" altLang="en-US" smtClean="0"/>
+              <a:pPr/>
               <a:t>‹#›</a:t>
             </a:fld>
             <a:endParaRPr kumimoji="1" lang="ja-JP" altLang="en-US"/>
@@ -2680,7 +2700,7 @@
 </file>
 
 <file path=ppt/slideLayouts/slideLayout4.xml><?xml version="1.0" encoding="utf-8"?>
-<p:sldLayout xmlns:a="http://schemas.openxmlformats.org/drawingml/2006/main" xmlns:r="http://schemas.openxmlformats.org/officeDocument/2006/relationships" xmlns:p="http://schemas.openxmlformats.org/presentationml/2006/main" type="twoObj" preserve="1">
+<p:sldLayout xmlns:a="http://schemas.openxmlformats.org/drawingml/2006/main" xmlns:r="http://schemas.openxmlformats.org/officeDocument/2006/relationships" xmlns:mc="http://schemas.openxmlformats.org/markup-compatibility/2006" xmlns:mv="urn:schemas-microsoft-com:mac:vml" xmlns:p="http://schemas.openxmlformats.org/presentationml/2006/main" mc:Ignorable="mv" mc:PreserveAttributes="mv:*" type="twoObj" preserve="1">
   <p:cSld name="2 つのコンテンツ">
     <p:spTree>
       <p:nvGrpSpPr>
@@ -2951,7 +2971,8 @@
           <a:p>
             <a:fld id="{D6EB1B4E-27AF-46E3-AC1C-02E606E0D850}" type="datetimeFigureOut">
               <a:rPr kumimoji="1" lang="ja-JP" altLang="en-US" smtClean="0"/>
-              <a:t>2013/7/3</a:t>
+              <a:pPr/>
+              <a:t>13.7.4</a:t>
             </a:fld>
             <a:endParaRPr kumimoji="1" lang="ja-JP" altLang="en-US"/>
           </a:p>
@@ -2993,6 +3014,7 @@
           <a:p>
             <a:fld id="{335B7E18-3D1B-485C-A758-E2E41F09EBCC}" type="slidenum">
               <a:rPr kumimoji="1" lang="ja-JP" altLang="en-US" smtClean="0"/>
+              <a:pPr/>
               <a:t>‹#›</a:t>
             </a:fld>
             <a:endParaRPr kumimoji="1" lang="ja-JP" altLang="en-US"/>
@@ -3008,7 +3030,7 @@
 </file>
 
 <file path=ppt/slideLayouts/slideLayout5.xml><?xml version="1.0" encoding="utf-8"?>
-<p:sldLayout xmlns:a="http://schemas.openxmlformats.org/drawingml/2006/main" xmlns:r="http://schemas.openxmlformats.org/officeDocument/2006/relationships" xmlns:p="http://schemas.openxmlformats.org/presentationml/2006/main" showMasterSp="0" type="twoTxTwoObj" preserve="1">
+<p:sldLayout xmlns:a="http://schemas.openxmlformats.org/drawingml/2006/main" xmlns:r="http://schemas.openxmlformats.org/officeDocument/2006/relationships" xmlns:mc="http://schemas.openxmlformats.org/markup-compatibility/2006" xmlns:mv="urn:schemas-microsoft-com:mac:vml" xmlns:p="http://schemas.openxmlformats.org/presentationml/2006/main" mc:Ignorable="mv" mc:PreserveAttributes="mv:*" showMasterSp="0" type="twoTxTwoObj" preserve="1">
   <p:cSld name="比較">
     <p:spTree>
       <p:nvGrpSpPr>
@@ -3389,7 +3411,8 @@
           <a:p>
             <a:fld id="{D6EB1B4E-27AF-46E3-AC1C-02E606E0D850}" type="datetimeFigureOut">
               <a:rPr kumimoji="1" lang="ja-JP" altLang="en-US" smtClean="0"/>
-              <a:t>2013/7/3</a:t>
+              <a:pPr/>
+              <a:t>13.7.4</a:t>
             </a:fld>
             <a:endParaRPr kumimoji="1" lang="ja-JP" altLang="en-US"/>
           </a:p>
@@ -3431,6 +3454,7 @@
           <a:p>
             <a:fld id="{335B7E18-3D1B-485C-A758-E2E41F09EBCC}" type="slidenum">
               <a:rPr kumimoji="1" lang="ja-JP" altLang="en-US" smtClean="0"/>
+              <a:pPr/>
               <a:t>‹#›</a:t>
             </a:fld>
             <a:endParaRPr kumimoji="1" lang="ja-JP" altLang="en-US"/>
@@ -3446,7 +3470,7 @@
 </file>
 
 <file path=ppt/slideLayouts/slideLayout6.xml><?xml version="1.0" encoding="utf-8"?>
-<p:sldLayout xmlns:a="http://schemas.openxmlformats.org/drawingml/2006/main" xmlns:r="http://schemas.openxmlformats.org/officeDocument/2006/relationships" xmlns:p="http://schemas.openxmlformats.org/presentationml/2006/main" type="titleOnly" preserve="1">
+<p:sldLayout xmlns:a="http://schemas.openxmlformats.org/drawingml/2006/main" xmlns:r="http://schemas.openxmlformats.org/officeDocument/2006/relationships" xmlns:mc="http://schemas.openxmlformats.org/markup-compatibility/2006" xmlns:mv="urn:schemas-microsoft-com:mac:vml" xmlns:p="http://schemas.openxmlformats.org/presentationml/2006/main" mc:Ignorable="mv" mc:PreserveAttributes="mv:*" type="titleOnly" preserve="1">
   <p:cSld name="タイトルのみ">
     <p:spTree>
       <p:nvGrpSpPr>
@@ -3511,7 +3535,8 @@
           <a:p>
             <a:fld id="{D6EB1B4E-27AF-46E3-AC1C-02E606E0D850}" type="datetimeFigureOut">
               <a:rPr kumimoji="1" lang="ja-JP" altLang="en-US" smtClean="0"/>
-              <a:t>2013/7/3</a:t>
+              <a:pPr/>
+              <a:t>13.7.4</a:t>
             </a:fld>
             <a:endParaRPr kumimoji="1" lang="ja-JP" altLang="en-US"/>
           </a:p>
@@ -3534,6 +3559,7 @@
           <a:p>
             <a:fld id="{335B7E18-3D1B-485C-A758-E2E41F09EBCC}" type="slidenum">
               <a:rPr kumimoji="1" lang="ja-JP" altLang="en-US" smtClean="0"/>
+              <a:pPr/>
               <a:t>‹#›</a:t>
             </a:fld>
             <a:endParaRPr kumimoji="1" lang="ja-JP" altLang="en-US"/>
@@ -3568,7 +3594,7 @@
 </file>
 
 <file path=ppt/slideLayouts/slideLayout7.xml><?xml version="1.0" encoding="utf-8"?>
-<p:sldLayout xmlns:a="http://schemas.openxmlformats.org/drawingml/2006/main" xmlns:r="http://schemas.openxmlformats.org/officeDocument/2006/relationships" xmlns:p="http://schemas.openxmlformats.org/presentationml/2006/main" type="blank" preserve="1">
+<p:sldLayout xmlns:a="http://schemas.openxmlformats.org/drawingml/2006/main" xmlns:r="http://schemas.openxmlformats.org/officeDocument/2006/relationships" xmlns:mc="http://schemas.openxmlformats.org/markup-compatibility/2006" xmlns:mv="urn:schemas-microsoft-com:mac:vml" xmlns:p="http://schemas.openxmlformats.org/presentationml/2006/main" mc:Ignorable="mv" mc:PreserveAttributes="mv:*" type="blank" preserve="1">
   <p:cSld name="白紙">
     <p:spTree>
       <p:nvGrpSpPr>
@@ -3601,7 +3627,8 @@
           <a:p>
             <a:fld id="{D6EB1B4E-27AF-46E3-AC1C-02E606E0D850}" type="datetimeFigureOut">
               <a:rPr kumimoji="1" lang="ja-JP" altLang="en-US" smtClean="0"/>
-              <a:t>2013/7/3</a:t>
+              <a:pPr/>
+              <a:t>13.7.4</a:t>
             </a:fld>
             <a:endParaRPr kumimoji="1" lang="ja-JP" altLang="en-US"/>
           </a:p>
@@ -3643,6 +3670,7 @@
           <a:p>
             <a:fld id="{335B7E18-3D1B-485C-A758-E2E41F09EBCC}" type="slidenum">
               <a:rPr kumimoji="1" lang="ja-JP" altLang="en-US" smtClean="0"/>
+              <a:pPr/>
               <a:t>‹#›</a:t>
             </a:fld>
             <a:endParaRPr kumimoji="1" lang="ja-JP" altLang="en-US"/>
@@ -3658,7 +3686,7 @@
 </file>
 
 <file path=ppt/slideLayouts/slideLayout8.xml><?xml version="1.0" encoding="utf-8"?>
-<p:sldLayout xmlns:a="http://schemas.openxmlformats.org/drawingml/2006/main" xmlns:r="http://schemas.openxmlformats.org/officeDocument/2006/relationships" xmlns:p="http://schemas.openxmlformats.org/presentationml/2006/main" type="objTx" preserve="1">
+<p:sldLayout xmlns:a="http://schemas.openxmlformats.org/drawingml/2006/main" xmlns:r="http://schemas.openxmlformats.org/officeDocument/2006/relationships" xmlns:mc="http://schemas.openxmlformats.org/markup-compatibility/2006" xmlns:mv="urn:schemas-microsoft-com:mac:vml" xmlns:p="http://schemas.openxmlformats.org/presentationml/2006/main" mc:Ignorable="mv" mc:PreserveAttributes="mv:*" type="objTx" preserve="1">
   <p:cSld name="タイトル付きの&#10;コンテンツ">
     <p:spTree>
       <p:nvGrpSpPr>
@@ -3882,7 +3910,8 @@
           <a:p>
             <a:fld id="{D6EB1B4E-27AF-46E3-AC1C-02E606E0D850}" type="datetimeFigureOut">
               <a:rPr kumimoji="1" lang="ja-JP" altLang="en-US" smtClean="0"/>
-              <a:t>2013/7/3</a:t>
+              <a:pPr/>
+              <a:t>13.7.4</a:t>
             </a:fld>
             <a:endParaRPr kumimoji="1" lang="ja-JP" altLang="en-US"/>
           </a:p>
@@ -3929,6 +3958,7 @@
           <a:p>
             <a:fld id="{335B7E18-3D1B-485C-A758-E2E41F09EBCC}" type="slidenum">
               <a:rPr kumimoji="1" lang="ja-JP" altLang="en-US" smtClean="0"/>
+              <a:pPr/>
               <a:t>‹#›</a:t>
             </a:fld>
             <a:endParaRPr kumimoji="1" lang="ja-JP" altLang="en-US"/>
@@ -3944,7 +3974,7 @@
 </file>
 
 <file path=ppt/slideLayouts/slideLayout9.xml><?xml version="1.0" encoding="utf-8"?>
-<p:sldLayout xmlns:a="http://schemas.openxmlformats.org/drawingml/2006/main" xmlns:r="http://schemas.openxmlformats.org/officeDocument/2006/relationships" xmlns:p="http://schemas.openxmlformats.org/presentationml/2006/main" showMasterSp="0" type="picTx" preserve="1">
+<p:sldLayout xmlns:a="http://schemas.openxmlformats.org/drawingml/2006/main" xmlns:r="http://schemas.openxmlformats.org/officeDocument/2006/relationships" xmlns:mc="http://schemas.openxmlformats.org/markup-compatibility/2006" xmlns:mv="urn:schemas-microsoft-com:mac:vml" xmlns:p="http://schemas.openxmlformats.org/presentationml/2006/main" mc:Ignorable="mv" mc:PreserveAttributes="mv:*" showMasterSp="0" type="picTx" preserve="1">
   <p:cSld name="タイトル付きの図">
     <p:spTree>
       <p:nvGrpSpPr>
@@ -4141,7 +4171,8 @@
           <a:p>
             <a:fld id="{D6EB1B4E-27AF-46E3-AC1C-02E606E0D850}" type="datetimeFigureOut">
               <a:rPr kumimoji="1" lang="ja-JP" altLang="en-US" smtClean="0"/>
-              <a:t>2013/7/3</a:t>
+              <a:pPr/>
+              <a:t>13.7.4</a:t>
             </a:fld>
             <a:endParaRPr kumimoji="1" lang="ja-JP" altLang="en-US"/>
           </a:p>
@@ -4183,6 +4214,7 @@
           <a:p>
             <a:fld id="{335B7E18-3D1B-485C-A758-E2E41F09EBCC}" type="slidenum">
               <a:rPr kumimoji="1" lang="ja-JP" altLang="en-US" smtClean="0"/>
+              <a:pPr/>
               <a:t>‹#›</a:t>
             </a:fld>
             <a:endParaRPr kumimoji="1" lang="ja-JP" altLang="en-US"/>
@@ -4198,7 +4230,7 @@
 </file>
 
 <file path=ppt/slideMasters/slideMaster1.xml><?xml version="1.0" encoding="utf-8"?>
-<p:sldMaster xmlns:a="http://schemas.openxmlformats.org/drawingml/2006/main" xmlns:r="http://schemas.openxmlformats.org/officeDocument/2006/relationships" xmlns:p="http://schemas.openxmlformats.org/presentationml/2006/main">
+<p:sldMaster xmlns:a="http://schemas.openxmlformats.org/drawingml/2006/main" xmlns:r="http://schemas.openxmlformats.org/officeDocument/2006/relationships" xmlns:mc="http://schemas.openxmlformats.org/markup-compatibility/2006" xmlns:mv="urn:schemas-microsoft-com:mac:vml" xmlns:p="http://schemas.openxmlformats.org/presentationml/2006/main" mc:Ignorable="mv" mc:PreserveAttributes="mv:*">
   <p:cSld>
     <p:bg>
       <p:bgRef idx="1001">
@@ -4577,7 +4609,8 @@
           <a:p>
             <a:fld id="{D6EB1B4E-27AF-46E3-AC1C-02E606E0D850}" type="datetimeFigureOut">
               <a:rPr kumimoji="1" lang="ja-JP" altLang="en-US" smtClean="0"/>
-              <a:t>2013/7/3</a:t>
+              <a:pPr/>
+              <a:t>13.7.4</a:t>
             </a:fld>
             <a:endParaRPr kumimoji="1" lang="ja-JP" altLang="en-US"/>
           </a:p>
@@ -4655,6 +4688,7 @@
           <a:p>
             <a:fld id="{335B7E18-3D1B-485C-A758-E2E41F09EBCC}" type="slidenum">
               <a:rPr kumimoji="1" lang="ja-JP" altLang="en-US" smtClean="0"/>
+              <a:pPr/>
               <a:t>‹#›</a:t>
             </a:fld>
             <a:endParaRPr kumimoji="1" lang="ja-JP" altLang="en-US"/>
@@ -4961,7 +4995,7 @@
 </file>
 
 <file path=ppt/slides/slide1.xml><?xml version="1.0" encoding="utf-8"?>
-<p:sld xmlns:a="http://schemas.openxmlformats.org/drawingml/2006/main" xmlns:r="http://schemas.openxmlformats.org/officeDocument/2006/relationships" xmlns:p="http://schemas.openxmlformats.org/presentationml/2006/main">
+<p:sld xmlns:a="http://schemas.openxmlformats.org/drawingml/2006/main" xmlns:r="http://schemas.openxmlformats.org/officeDocument/2006/relationships" xmlns:mc="http://schemas.openxmlformats.org/markup-compatibility/2006" xmlns:mv="urn:schemas-microsoft-com:mac:vml" xmlns:p="http://schemas.openxmlformats.org/presentationml/2006/main" mc:Ignorable="mv" mc:PreserveAttributes="mv:*">
   <p:cSld>
     <p:spTree>
       <p:nvGrpSpPr>
@@ -5124,7 +5158,118 @@
     </p:spTree>
     <p:extLst>
       <p:ext uri="{BB962C8B-B14F-4D97-AF65-F5344CB8AC3E}">
-        <p14:creationId xmlns:p14="http://schemas.microsoft.com/office/powerpoint/2010/main" val="1642438883"/>
+        <p14:creationId xmlns:p14="http://schemas.microsoft.com/office/powerpoint/2010/main" xmlns:p="http://schemas.openxmlformats.org/presentationml/2006/main" xmlns:r="http://schemas.openxmlformats.org/officeDocument/2006/relationships" xmlns:a="http://schemas.openxmlformats.org/drawingml/2006/main" xmlns="" val="1642438883"/>
+      </p:ext>
+    </p:extLst>
+  </p:cSld>
+  <p:clrMapOvr>
+    <a:masterClrMapping/>
+  </p:clrMapOvr>
+  <p:timing>
+    <p:tnLst>
+      <p:par>
+        <p:cTn id="1" dur="indefinite" restart="never" nodeType="tmRoot"/>
+      </p:par>
+    </p:tnLst>
+  </p:timing>
+</p:sld>
+</file>
+
+<file path=ppt/slides/slide10.xml><?xml version="1.0" encoding="utf-8"?>
+<p:sld xmlns:a="http://schemas.openxmlformats.org/drawingml/2006/main" xmlns:r="http://schemas.openxmlformats.org/officeDocument/2006/relationships" xmlns:mc="http://schemas.openxmlformats.org/markup-compatibility/2006" xmlns:mv="urn:schemas-microsoft-com:mac:vml" xmlns:p="http://schemas.openxmlformats.org/presentationml/2006/main" mc:Ignorable="mv" mc:PreserveAttributes="mv:*">
+  <p:cSld>
+    <p:spTree>
+      <p:nvGrpSpPr>
+        <p:cNvPr id="1" name=""/>
+        <p:cNvGrpSpPr/>
+        <p:nvPr/>
+      </p:nvGrpSpPr>
+      <p:grpSpPr>
+        <a:xfrm>
+          <a:off x="0" y="0"/>
+          <a:ext cx="0" cy="0"/>
+          <a:chOff x="0" y="0"/>
+          <a:chExt cx="0" cy="0"/>
+        </a:xfrm>
+      </p:grpSpPr>
+      <p:sp>
+        <p:nvSpPr>
+          <p:cNvPr id="2" name="タイトル 1"/>
+          <p:cNvSpPr>
+            <a:spLocks noGrp="1"/>
+          </p:cNvSpPr>
+          <p:nvPr>
+            <p:ph type="title"/>
+          </p:nvPr>
+        </p:nvSpPr>
+        <p:spPr/>
+        <p:txBody>
+          <a:bodyPr/>
+          <a:lstStyle/>
+          <a:p>
+            <a:r>
+              <a:rPr kumimoji="1" lang="ja-JP" altLang="en-US" dirty="0" smtClean="0"/>
+              <a:t>終わりに</a:t>
+            </a:r>
+            <a:endParaRPr kumimoji="1" lang="ja-JP" altLang="en-US" dirty="0"/>
+          </a:p>
+        </p:txBody>
+      </p:sp>
+      <p:sp>
+        <p:nvSpPr>
+          <p:cNvPr id="3" name="コンテンツ プレースホルダー 2"/>
+          <p:cNvSpPr>
+            <a:spLocks noGrp="1"/>
+          </p:cNvSpPr>
+          <p:nvPr>
+            <p:ph idx="1"/>
+          </p:nvPr>
+        </p:nvSpPr>
+        <p:spPr/>
+        <p:txBody>
+          <a:bodyPr/>
+          <a:lstStyle/>
+          <a:p>
+            <a:r>
+              <a:rPr lang="ja-JP" altLang="en-US" dirty="0" smtClean="0"/>
+              <a:t>プレイ画面中のキャラクター絵を応用数学科の釜野君に提供して頂きました。</a:t>
+            </a:r>
+            <a:r>
+              <a:rPr lang="en-US" altLang="ja-JP" dirty="0" smtClean="0"/>
+              <a:t>♪♪♪ </a:t>
+            </a:r>
+            <a:r>
+              <a:rPr lang="en-US" altLang="ja-JP" dirty="0" err="1" smtClean="0"/>
+              <a:t>d</a:t>
+            </a:r>
+            <a:r>
+              <a:rPr lang="en-US" altLang="ja-JP" dirty="0" smtClean="0"/>
+              <a:t>(</a:t>
+            </a:r>
+            <a:r>
+              <a:rPr lang="ja-JP" altLang="en-US" dirty="0" smtClean="0"/>
+              <a:t>｀</a:t>
+            </a:r>
+            <a:r>
+              <a:rPr lang="en-US" altLang="ja-JP" dirty="0" err="1" smtClean="0"/>
+              <a:t>Д´)b</a:t>
+            </a:r>
+            <a:r>
+              <a:rPr lang="en-US" altLang="ja-JP" dirty="0" smtClean="0"/>
+              <a:t>♪♪♪</a:t>
+            </a:r>
+            <a:r>
+              <a:rPr lang="ja-JP" altLang="en-US" dirty="0" smtClean="0"/>
+              <a:t>ｻﾝｷｭｰ</a:t>
+            </a:r>
+            <a:endParaRPr kumimoji="1" lang="ja-JP" altLang="en-US" dirty="0"/>
+          </a:p>
+        </p:txBody>
+      </p:sp>
+    </p:spTree>
+    <p:extLst>
+      <p:ext uri="{BB962C8B-B14F-4D97-AF65-F5344CB8AC3E}">
+        <p14:creationId xmlns:p14="http://schemas.microsoft.com/office/powerpoint/2010/main" xmlns:p="http://schemas.openxmlformats.org/presentationml/2006/main" xmlns:r="http://schemas.openxmlformats.org/officeDocument/2006/relationships" xmlns:a="http://schemas.openxmlformats.org/drawingml/2006/main" xmlns="" val="1922142013"/>
       </p:ext>
     </p:extLst>
   </p:cSld>
@@ -5142,7 +5287,7 @@
 </file>
 
 <file path=ppt/slides/slide2.xml><?xml version="1.0" encoding="utf-8"?>
-<p:sld xmlns:a="http://schemas.openxmlformats.org/drawingml/2006/main" xmlns:r="http://schemas.openxmlformats.org/officeDocument/2006/relationships" xmlns:p="http://schemas.openxmlformats.org/presentationml/2006/main">
+<p:sld xmlns:a="http://schemas.openxmlformats.org/drawingml/2006/main" xmlns:r="http://schemas.openxmlformats.org/officeDocument/2006/relationships" xmlns:mc="http://schemas.openxmlformats.org/markup-compatibility/2006" xmlns:mv="urn:schemas-microsoft-com:mac:vml" xmlns:p="http://schemas.openxmlformats.org/presentationml/2006/main" mc:Ignorable="mv" mc:PreserveAttributes="mv:*">
   <p:cSld>
     <p:spTree>
       <p:nvGrpSpPr>
@@ -5263,7 +5408,7 @@
     </p:spTree>
     <p:extLst>
       <p:ext uri="{BB962C8B-B14F-4D97-AF65-F5344CB8AC3E}">
-        <p14:creationId xmlns:p14="http://schemas.microsoft.com/office/powerpoint/2010/main" val="1454503547"/>
+        <p14:creationId xmlns:p14="http://schemas.microsoft.com/office/powerpoint/2010/main" xmlns:p="http://schemas.openxmlformats.org/presentationml/2006/main" xmlns:r="http://schemas.openxmlformats.org/officeDocument/2006/relationships" xmlns:a="http://schemas.openxmlformats.org/drawingml/2006/main" xmlns="" val="1454503547"/>
       </p:ext>
     </p:extLst>
   </p:cSld>
@@ -5281,7 +5426,7 @@
 </file>
 
 <file path=ppt/slides/slide3.xml><?xml version="1.0" encoding="utf-8"?>
-<p:sld xmlns:a="http://schemas.openxmlformats.org/drawingml/2006/main" xmlns:r="http://schemas.openxmlformats.org/officeDocument/2006/relationships" xmlns:p="http://schemas.openxmlformats.org/presentationml/2006/main">
+<p:sld xmlns:a="http://schemas.openxmlformats.org/drawingml/2006/main" xmlns:r="http://schemas.openxmlformats.org/officeDocument/2006/relationships" xmlns:mc="http://schemas.openxmlformats.org/markup-compatibility/2006" xmlns:mv="urn:schemas-microsoft-com:mac:vml" xmlns:p="http://schemas.openxmlformats.org/presentationml/2006/main" mc:Ignorable="mv" mc:PreserveAttributes="mv:*">
   <p:cSld>
     <p:spTree>
       <p:nvGrpSpPr>
@@ -5348,26 +5493,59 @@
             </a:r>
             <a:r>
               <a:rPr lang="ja-JP" altLang="en-US" dirty="0" smtClean="0"/>
-              <a:t>に決定したか？</a:t>
+              <a:t>に決定したか</a:t>
+            </a:r>
+            <a:r>
+              <a:rPr lang="ja-JP" altLang="en-US" dirty="0" smtClean="0"/>
+              <a:t>？</a:t>
             </a:r>
             <a:endParaRPr lang="en-US" altLang="ja-JP" dirty="0" smtClean="0"/>
           </a:p>
           <a:p>
+            <a:pPr lvl="1"/>
+            <a:r>
+              <a:rPr lang="ja-JP" altLang="en-US" dirty="0" smtClean="0"/>
+              <a:t>ソケット通信を利用した複数人で遊べるゲーム・・・</a:t>
+            </a:r>
+            <a:endParaRPr lang="en-US" altLang="ja-JP" dirty="0" smtClean="0"/>
+          </a:p>
+          <a:p>
+            <a:pPr lvl="1"/>
+            <a:r>
+              <a:rPr lang="ja-JP" altLang="en-US" dirty="0" smtClean="0"/>
+              <a:t>なるべく他と被らないように・・・</a:t>
+            </a:r>
+            <a:r>
+              <a:rPr lang="en-US" altLang="ja-JP" dirty="0" smtClean="0"/>
+              <a:t/>
+            </a:r>
             <a:endParaRPr kumimoji="1" lang="en-US" altLang="ja-JP" dirty="0" smtClean="0"/>
           </a:p>
           <a:p>
             <a:r>
               <a:rPr lang="ja-JP" altLang="en-US" dirty="0" smtClean="0"/>
-              <a:t>設定した課題内容</a:t>
-            </a:r>
-            <a:endParaRPr kumimoji="1" lang="en-US" altLang="ja-JP" dirty="0"/>
+              <a:t>設定した</a:t>
+            </a:r>
+            <a:r>
+              <a:rPr lang="ja-JP" altLang="en-US" dirty="0" smtClean="0"/>
+              <a:t>課題内容</a:t>
+            </a:r>
+            <a:endParaRPr lang="en-US" altLang="ja-JP" dirty="0" smtClean="0"/>
+          </a:p>
+          <a:p>
+            <a:pPr lvl="1"/>
+            <a:r>
+              <a:rPr lang="ja-JP" altLang="en-US" dirty="0" smtClean="0"/>
+              <a:t>「対戦型クイズゲーム」</a:t>
+            </a:r>
+            <a:endParaRPr lang="en-US" altLang="ja-JP" dirty="0" smtClean="0"/>
           </a:p>
         </p:txBody>
       </p:sp>
     </p:spTree>
     <p:extLst>
       <p:ext uri="{BB962C8B-B14F-4D97-AF65-F5344CB8AC3E}">
-        <p14:creationId xmlns:p14="http://schemas.microsoft.com/office/powerpoint/2010/main" val="1249865465"/>
+        <p14:creationId xmlns:p14="http://schemas.microsoft.com/office/powerpoint/2010/main" xmlns:p="http://schemas.openxmlformats.org/presentationml/2006/main" xmlns:r="http://schemas.openxmlformats.org/officeDocument/2006/relationships" xmlns:a="http://schemas.openxmlformats.org/drawingml/2006/main" xmlns="" val="1249865465"/>
       </p:ext>
     </p:extLst>
   </p:cSld>
@@ -5385,7 +5563,7 @@
 </file>
 
 <file path=ppt/slides/slide4.xml><?xml version="1.0" encoding="utf-8"?>
-<p:sld xmlns:a="http://schemas.openxmlformats.org/drawingml/2006/main" xmlns:r="http://schemas.openxmlformats.org/officeDocument/2006/relationships" xmlns:p="http://schemas.openxmlformats.org/presentationml/2006/main">
+<p:sld xmlns:a="http://schemas.openxmlformats.org/drawingml/2006/main" xmlns:r="http://schemas.openxmlformats.org/officeDocument/2006/relationships" xmlns:mc="http://schemas.openxmlformats.org/markup-compatibility/2006" xmlns:mv="urn:schemas-microsoft-com:mac:vml" xmlns:p="http://schemas.openxmlformats.org/presentationml/2006/main" mc:Ignorable="mv" mc:PreserveAttributes="mv:*">
   <p:cSld>
     <p:spTree>
       <p:nvGrpSpPr>
@@ -5439,6 +5617,39 @@
           <a:bodyPr/>
           <a:lstStyle/>
           <a:p>
+            <a:r>
+              <a:rPr kumimoji="1" lang="ja-JP" altLang="en-US" dirty="0" smtClean="0"/>
+              <a:t>サーバー側</a:t>
+            </a:r>
+            <a:r>
+              <a:rPr lang="ja-JP" altLang="en-US" dirty="0" smtClean="0"/>
+              <a:t>・・・丸岡</a:t>
+            </a:r>
+            <a:endParaRPr kumimoji="1" lang="en-US" altLang="ja-JP" dirty="0" smtClean="0"/>
+          </a:p>
+          <a:p>
+            <a:r>
+              <a:rPr lang="ja-JP" altLang="en-US" dirty="0" smtClean="0"/>
+              <a:t>クライアント側・・・渡辺</a:t>
+            </a:r>
+            <a:endParaRPr lang="en-US" altLang="ja-JP" dirty="0" smtClean="0"/>
+          </a:p>
+          <a:p>
+            <a:r>
+              <a:rPr kumimoji="1" lang="en-US" altLang="ja-JP" dirty="0" smtClean="0"/>
+              <a:t>GUI</a:t>
+            </a:r>
+            <a:r>
+              <a:rPr kumimoji="1" lang="ja-JP" altLang="en-US" dirty="0" smtClean="0"/>
+              <a:t>・・・横倉</a:t>
+            </a:r>
+            <a:endParaRPr kumimoji="1" lang="en-US" altLang="ja-JP" dirty="0" smtClean="0"/>
+          </a:p>
+          <a:p>
+            <a:r>
+              <a:rPr lang="ja-JP" altLang="en-US" dirty="0" smtClean="0"/>
+              <a:t>データ形式・・・室田</a:t>
+            </a:r>
             <a:endParaRPr kumimoji="1" lang="ja-JP" altLang="en-US" dirty="0"/>
           </a:p>
         </p:txBody>
@@ -5446,7 +5657,7 @@
     </p:spTree>
     <p:extLst>
       <p:ext uri="{BB962C8B-B14F-4D97-AF65-F5344CB8AC3E}">
-        <p14:creationId xmlns:p14="http://schemas.microsoft.com/office/powerpoint/2010/main" val="4170371339"/>
+        <p14:creationId xmlns:p14="http://schemas.microsoft.com/office/powerpoint/2010/main" xmlns:p="http://schemas.openxmlformats.org/presentationml/2006/main" xmlns:r="http://schemas.openxmlformats.org/officeDocument/2006/relationships" xmlns:a="http://schemas.openxmlformats.org/drawingml/2006/main" xmlns="" val="4170371339"/>
       </p:ext>
     </p:extLst>
   </p:cSld>
@@ -5464,7 +5675,7 @@
 </file>
 
 <file path=ppt/slides/slide5.xml><?xml version="1.0" encoding="utf-8"?>
-<p:sld xmlns:a="http://schemas.openxmlformats.org/drawingml/2006/main" xmlns:r="http://schemas.openxmlformats.org/officeDocument/2006/relationships" xmlns:p="http://schemas.openxmlformats.org/presentationml/2006/main">
+<p:sld xmlns:a="http://schemas.openxmlformats.org/drawingml/2006/main" xmlns:r="http://schemas.openxmlformats.org/officeDocument/2006/relationships" xmlns:mc="http://schemas.openxmlformats.org/markup-compatibility/2006" xmlns:mv="urn:schemas-microsoft-com:mac:vml" xmlns:p="http://schemas.openxmlformats.org/presentationml/2006/main" mc:Ignorable="mv" mc:PreserveAttributes="mv:*">
   <p:cSld>
     <p:spTree>
       <p:nvGrpSpPr>
@@ -5515,7 +5726,9 @@
         </p:nvSpPr>
         <p:spPr/>
         <p:txBody>
-          <a:bodyPr/>
+          <a:bodyPr>
+            <a:normAutofit fontScale="92500" lnSpcReduction="10000"/>
+          </a:bodyPr>
           <a:lstStyle/>
           <a:p>
             <a:endParaRPr kumimoji="1" lang="en-US" altLang="ja-JP" dirty="0" smtClean="0"/>
@@ -5549,11 +5762,40 @@
             </a:r>
             <a:r>
               <a:rPr lang="ja-JP" altLang="en-US" dirty="0" smtClean="0"/>
-              <a:t>とは？</a:t>
-            </a:r>
-            <a:endParaRPr lang="en-US" altLang="ja-JP" dirty="0"/>
-          </a:p>
-          <a:p>
+              <a:t>とは</a:t>
+            </a:r>
+            <a:r>
+              <a:rPr lang="ja-JP" altLang="en-US" dirty="0" smtClean="0"/>
+              <a:t>？</a:t>
+            </a:r>
+            <a:endParaRPr lang="en-US" altLang="ja-JP" dirty="0" smtClean="0"/>
+          </a:p>
+          <a:p>
+            <a:pPr lvl="1"/>
+            <a:r>
+              <a:rPr kumimoji="1" lang="ja-JP" altLang="en-US" dirty="0" smtClean="0"/>
+              <a:t>ソフトウェア開発プロジェクトのための共有ウェブサービス</a:t>
+            </a:r>
+            <a:endParaRPr kumimoji="1" lang="en-US" altLang="ja-JP" dirty="0" smtClean="0"/>
+          </a:p>
+          <a:p>
+            <a:pPr lvl="1"/>
+            <a:r>
+              <a:rPr lang="en-US" altLang="ja-JP" dirty="0" err="1" smtClean="0"/>
+              <a:t>Git</a:t>
+            </a:r>
+            <a:r>
+              <a:rPr lang="ja-JP" altLang="en-US" dirty="0" smtClean="0"/>
+              <a:t>を使用してバージョン管理</a:t>
+            </a:r>
+            <a:endParaRPr lang="en-US" altLang="ja-JP" dirty="0" smtClean="0"/>
+          </a:p>
+          <a:p>
+            <a:pPr lvl="1"/>
+            <a:r>
+              <a:rPr kumimoji="1" lang="ja-JP" altLang="en-US" dirty="0" smtClean="0"/>
+              <a:t>複数人でソースコードを共有して開発可能</a:t>
+            </a:r>
             <a:endParaRPr kumimoji="1" lang="en-US" altLang="ja-JP" dirty="0" smtClean="0"/>
           </a:p>
           <a:p>
@@ -5577,7 +5819,7 @@
     </p:spTree>
     <p:extLst>
       <p:ext uri="{BB962C8B-B14F-4D97-AF65-F5344CB8AC3E}">
-        <p14:creationId xmlns:p14="http://schemas.microsoft.com/office/powerpoint/2010/main" val="34401730"/>
+        <p14:creationId xmlns:p14="http://schemas.microsoft.com/office/powerpoint/2010/main" xmlns:p="http://schemas.openxmlformats.org/presentationml/2006/main" xmlns:r="http://schemas.openxmlformats.org/officeDocument/2006/relationships" xmlns:a="http://schemas.openxmlformats.org/drawingml/2006/main" xmlns="" val="34401730"/>
       </p:ext>
     </p:extLst>
   </p:cSld>
@@ -5595,7 +5837,7 @@
 </file>
 
 <file path=ppt/slides/slide6.xml><?xml version="1.0" encoding="utf-8"?>
-<p:sld xmlns:a="http://schemas.openxmlformats.org/drawingml/2006/main" xmlns:r="http://schemas.openxmlformats.org/officeDocument/2006/relationships" xmlns:p="http://schemas.openxmlformats.org/presentationml/2006/main">
+<p:sld xmlns:a="http://schemas.openxmlformats.org/drawingml/2006/main" xmlns:r="http://schemas.openxmlformats.org/officeDocument/2006/relationships" xmlns:mc="http://schemas.openxmlformats.org/markup-compatibility/2006" xmlns:mv="urn:schemas-microsoft-com:mac:vml" xmlns:p="http://schemas.openxmlformats.org/presentationml/2006/main" mc:Ignorable="mv" mc:PreserveAttributes="mv:*">
   <p:cSld>
     <p:spTree>
       <p:nvGrpSpPr>
@@ -5628,7 +5870,23 @@
           <a:p>
             <a:r>
               <a:rPr kumimoji="1" lang="ja-JP" altLang="en-US" dirty="0" smtClean="0"/>
-              <a:t>プログラム概要</a:t>
+              <a:t>プログラム</a:t>
+            </a:r>
+            <a:r>
+              <a:rPr kumimoji="1" lang="ja-JP" altLang="en-US" dirty="0" smtClean="0"/>
+              <a:t>概要</a:t>
+            </a:r>
+            <a:r>
+              <a:rPr kumimoji="1" lang="ja-JP" altLang="en-US" dirty="0" smtClean="0"/>
+              <a:t>（</a:t>
+            </a:r>
+            <a:r>
+              <a:rPr kumimoji="1" lang="en-US" altLang="ja-JP" dirty="0" smtClean="0"/>
+              <a:t>1</a:t>
+            </a:r>
+            <a:r>
+              <a:rPr kumimoji="1" lang="ja-JP" altLang="en-US" dirty="0" smtClean="0"/>
+              <a:t>）</a:t>
             </a:r>
             <a:endParaRPr kumimoji="1" lang="ja-JP" altLang="en-US" dirty="0"/>
           </a:p>
@@ -5646,17 +5904,135 @@
         </p:nvSpPr>
         <p:spPr/>
         <p:txBody>
-          <a:bodyPr/>
-          <a:lstStyle/>
-          <a:p>
-            <a:endParaRPr kumimoji="1" lang="ja-JP" altLang="en-US" dirty="0"/>
+          <a:bodyPr>
+            <a:normAutofit fontScale="92500" lnSpcReduction="10000"/>
+          </a:bodyPr>
+          <a:lstStyle/>
+          <a:p>
+            <a:r>
+              <a:rPr kumimoji="1" lang="ja-JP" altLang="en-US" dirty="0" smtClean="0"/>
+              <a:t>サーバー側</a:t>
+            </a:r>
+            <a:endParaRPr kumimoji="1" lang="en-US" altLang="ja-JP" dirty="0" smtClean="0"/>
+          </a:p>
+          <a:p>
+            <a:pPr lvl="1"/>
+            <a:r>
+              <a:rPr lang="ja-JP" altLang="en-US" dirty="0" smtClean="0"/>
+              <a:t>クライアントからの通信を待ち受ける</a:t>
+            </a:r>
+            <a:endParaRPr lang="en-US" altLang="ja-JP" dirty="0" smtClean="0"/>
+          </a:p>
+          <a:p>
+            <a:pPr lvl="1"/>
+            <a:r>
+              <a:rPr kumimoji="1" lang="ja-JP" altLang="en-US" dirty="0" smtClean="0"/>
+              <a:t>ゲームを開始する</a:t>
+            </a:r>
+            <a:endParaRPr kumimoji="1" lang="en-US" altLang="ja-JP" dirty="0" smtClean="0"/>
+          </a:p>
+          <a:p>
+            <a:pPr lvl="2"/>
+            <a:r>
+              <a:rPr lang="ja-JP" altLang="en-US" dirty="0" smtClean="0"/>
+              <a:t>問題を選択する</a:t>
+            </a:r>
+            <a:endParaRPr lang="en-US" altLang="ja-JP" dirty="0" smtClean="0"/>
+          </a:p>
+          <a:p>
+            <a:pPr lvl="2"/>
+            <a:r>
+              <a:rPr kumimoji="1" lang="ja-JP" altLang="en-US" dirty="0" smtClean="0"/>
+              <a:t>問題，選択肢，プレイヤーのステータス，</a:t>
+            </a:r>
+            <a:r>
+              <a:rPr kumimoji="1" lang="en-US" altLang="ja-JP" dirty="0" smtClean="0"/>
+              <a:t>HP</a:t>
+            </a:r>
+            <a:r>
+              <a:rPr lang="ja-JP" altLang="en-US" dirty="0" smtClean="0"/>
+              <a:t>のデータをクライアントに送信</a:t>
+            </a:r>
+            <a:endParaRPr lang="en-US" altLang="ja-JP" dirty="0" smtClean="0"/>
+          </a:p>
+          <a:p>
+            <a:pPr lvl="2"/>
+            <a:r>
+              <a:rPr kumimoji="1" lang="ja-JP" altLang="en-US" dirty="0" smtClean="0"/>
+              <a:t>クライアントの解答</a:t>
+            </a:r>
+            <a:r>
+              <a:rPr lang="ja-JP" altLang="en-US" dirty="0" smtClean="0"/>
+              <a:t>を待ち受ける</a:t>
+            </a:r>
+            <a:endParaRPr lang="en-US" altLang="ja-JP" dirty="0" smtClean="0"/>
+          </a:p>
+          <a:p>
+            <a:pPr lvl="2"/>
+            <a:r>
+              <a:rPr lang="ja-JP" altLang="en-US" dirty="0" smtClean="0"/>
+              <a:t>解答の正誤判定をする</a:t>
+            </a:r>
+            <a:endParaRPr lang="en-US" altLang="ja-JP" dirty="0" smtClean="0"/>
+          </a:p>
+          <a:p>
+            <a:pPr lvl="2"/>
+            <a:r>
+              <a:rPr lang="ja-JP" altLang="en-US" dirty="0" smtClean="0"/>
+              <a:t>プレイヤーの</a:t>
+            </a:r>
+            <a:r>
+              <a:rPr lang="en-US" altLang="ja-JP" dirty="0" smtClean="0"/>
+              <a:t>HP</a:t>
+            </a:r>
+            <a:r>
+              <a:rPr lang="ja-JP" altLang="en-US" dirty="0" smtClean="0"/>
+              <a:t>を計算する</a:t>
+            </a:r>
+            <a:endParaRPr lang="en-US" altLang="ja-JP" dirty="0" smtClean="0"/>
+          </a:p>
+          <a:p>
+            <a:pPr lvl="2"/>
+            <a:r>
+              <a:rPr kumimoji="1" lang="ja-JP" altLang="en-US" dirty="0" smtClean="0"/>
+              <a:t>以上とプレイヤーの</a:t>
+            </a:r>
+            <a:r>
+              <a:rPr kumimoji="1" lang="en-US" altLang="ja-JP" dirty="0" smtClean="0"/>
+              <a:t>HP</a:t>
+            </a:r>
+            <a:r>
+              <a:rPr kumimoji="1" lang="ja-JP" altLang="en-US" dirty="0" smtClean="0"/>
+              <a:t>が</a:t>
+            </a:r>
+            <a:r>
+              <a:rPr kumimoji="1" lang="en-US" altLang="ja-JP" dirty="0" smtClean="0"/>
+              <a:t>0</a:t>
+            </a:r>
+            <a:r>
+              <a:rPr kumimoji="1" lang="ja-JP" altLang="en-US" dirty="0" smtClean="0"/>
+              <a:t>になるまで繰り返す</a:t>
+            </a:r>
+            <a:endParaRPr kumimoji="1" lang="en-US" altLang="ja-JP" dirty="0" smtClean="0"/>
+          </a:p>
+          <a:p>
+            <a:pPr lvl="1"/>
+            <a:r>
+              <a:rPr lang="ja-JP" altLang="en-US" dirty="0" smtClean="0"/>
+              <a:t>ゲームを終了する</a:t>
+            </a:r>
+            <a:endParaRPr kumimoji="1" lang="en-US" altLang="ja-JP" dirty="0" smtClean="0"/>
+          </a:p>
+          <a:p>
+            <a:pPr lvl="2"/>
+            <a:endParaRPr kumimoji="1" lang="en-US" altLang="ja-JP" dirty="0" smtClean="0"/>
           </a:p>
         </p:txBody>
       </p:sp>
     </p:spTree>
     <p:extLst>
       <p:ext uri="{BB962C8B-B14F-4D97-AF65-F5344CB8AC3E}">
-        <p14:creationId xmlns:p14="http://schemas.microsoft.com/office/powerpoint/2010/main" val="1506247886"/>
+        <p14:creationId xmlns:p14="http://schemas.microsoft.com/office/powerpoint/2010/main" xmlns:p="http://schemas.openxmlformats.org/presentationml/2006/main" xmlns:r="http://schemas.openxmlformats.org/officeDocument/2006/relationships" xmlns:a="http://schemas.openxmlformats.org/drawingml/2006/main" xmlns="" val="1506247886"/>
       </p:ext>
     </p:extLst>
   </p:cSld>
@@ -5674,7 +6050,7 @@
 </file>
 
 <file path=ppt/slides/slide7.xml><?xml version="1.0" encoding="utf-8"?>
-<p:sld xmlns:a="http://schemas.openxmlformats.org/drawingml/2006/main" xmlns:r="http://schemas.openxmlformats.org/officeDocument/2006/relationships" xmlns:p="http://schemas.openxmlformats.org/presentationml/2006/main">
+<p:sld xmlns:a="http://schemas.openxmlformats.org/drawingml/2006/main" xmlns:r="http://schemas.openxmlformats.org/officeDocument/2006/relationships" xmlns:mc="http://schemas.openxmlformats.org/markup-compatibility/2006" xmlns:mv="urn:schemas-microsoft-com:mac:vml" xmlns:p="http://schemas.openxmlformats.org/presentationml/2006/main" mc:Ignorable="mv" mc:PreserveAttributes="mv:*">
   <p:cSld>
     <p:spTree>
       <p:nvGrpSpPr>
@@ -5706,16 +6082,28 @@
           <a:lstStyle/>
           <a:p>
             <a:r>
-              <a:rPr kumimoji="1" lang="ja-JP" altLang="en-US" dirty="0" smtClean="0"/>
-              <a:t>プログラム試行</a:t>
-            </a:r>
-            <a:endParaRPr kumimoji="1" lang="ja-JP" altLang="en-US" dirty="0"/>
-          </a:p>
-        </p:txBody>
-      </p:sp>
-      <p:sp>
-        <p:nvSpPr>
-          <p:cNvPr id="3" name="コンテンツ プレースホルダー 2"/>
+              <a:rPr lang="ja-JP" altLang="en-US" dirty="0" smtClean="0"/>
+              <a:t>プログラム概要</a:t>
+            </a:r>
+            <a:r>
+              <a:rPr lang="ja-JP" altLang="en-US" dirty="0" smtClean="0"/>
+              <a:t>（</a:t>
+            </a:r>
+            <a:r>
+              <a:rPr lang="en-US" altLang="ja-JP" dirty="0" smtClean="0"/>
+              <a:t>2</a:t>
+            </a:r>
+            <a:r>
+              <a:rPr lang="ja-JP" altLang="en-US" dirty="0" smtClean="0"/>
+              <a:t>）</a:t>
+            </a:r>
+            <a:endParaRPr lang="ja-JP" altLang="en-US" dirty="0"/>
+          </a:p>
+        </p:txBody>
+      </p:sp>
+      <p:sp>
+        <p:nvSpPr>
+          <p:cNvPr id="3" name="コンテンツ プレースホルダ 2"/>
           <p:cNvSpPr>
             <a:spLocks noGrp="1"/>
           </p:cNvSpPr>
@@ -5725,35 +6113,93 @@
         </p:nvSpPr>
         <p:spPr/>
         <p:txBody>
-          <a:bodyPr/>
-          <a:lstStyle/>
-          <a:p>
-            <a:endParaRPr kumimoji="1" lang="ja-JP" altLang="en-US" dirty="0"/>
+          <a:bodyPr>
+            <a:normAutofit lnSpcReduction="10000"/>
+          </a:bodyPr>
+          <a:lstStyle/>
+          <a:p>
+            <a:r>
+              <a:rPr lang="ja-JP" altLang="en-US" dirty="0" smtClean="0"/>
+              <a:t>クライアント側</a:t>
+            </a:r>
+            <a:endParaRPr lang="en-US" altLang="ja-JP" dirty="0" smtClean="0"/>
+          </a:p>
+          <a:p>
+            <a:pPr lvl="1"/>
+            <a:r>
+              <a:rPr lang="ja-JP" altLang="en-US" dirty="0" smtClean="0"/>
+              <a:t>サーバーへの接続を開始する</a:t>
+            </a:r>
+            <a:endParaRPr lang="en-US" altLang="ja-JP" dirty="0" smtClean="0"/>
+          </a:p>
+          <a:p>
+            <a:pPr lvl="1"/>
+            <a:r>
+              <a:rPr lang="ja-JP" altLang="en-US" dirty="0" smtClean="0"/>
+              <a:t>サーバー側からのデータを待ち受ける</a:t>
+            </a:r>
+            <a:endParaRPr lang="en-US" altLang="ja-JP" dirty="0" smtClean="0"/>
+          </a:p>
+          <a:p>
+            <a:pPr lvl="1"/>
+            <a:r>
+              <a:rPr lang="ja-JP" altLang="en-US" dirty="0" smtClean="0"/>
+              <a:t>データ（問題，選択肢，プレイヤーのステータス，</a:t>
+            </a:r>
+            <a:r>
+              <a:rPr lang="en-US" altLang="ja-JP" dirty="0" smtClean="0"/>
+              <a:t>HP</a:t>
+            </a:r>
+            <a:r>
+              <a:rPr lang="ja-JP" altLang="en-US" dirty="0" smtClean="0"/>
+              <a:t>）を</a:t>
+            </a:r>
+            <a:r>
+              <a:rPr lang="en-US" altLang="ja-JP" dirty="0" smtClean="0"/>
+              <a:t>GUI</a:t>
+            </a:r>
+            <a:r>
+              <a:rPr lang="ja-JP" altLang="en-US" dirty="0" smtClean="0"/>
+              <a:t>に流しこむ</a:t>
+            </a:r>
+            <a:endParaRPr lang="en-US" altLang="ja-JP" dirty="0" smtClean="0"/>
+          </a:p>
+          <a:p>
+            <a:pPr lvl="1"/>
+            <a:r>
+              <a:rPr lang="ja-JP" altLang="en-US" dirty="0" smtClean="0"/>
+              <a:t>プレイヤーからの入力を待ち受ける</a:t>
+            </a:r>
+            <a:endParaRPr lang="en-US" altLang="ja-JP" dirty="0" smtClean="0"/>
+          </a:p>
+          <a:p>
+            <a:pPr lvl="1"/>
+            <a:r>
+              <a:rPr lang="ja-JP" altLang="en-US" dirty="0" smtClean="0"/>
+              <a:t>プレイヤーが選択した選択肢と解答時間をサーバーに送る</a:t>
+            </a:r>
+            <a:endParaRPr lang="en-US" altLang="ja-JP" dirty="0" smtClean="0"/>
+          </a:p>
+          <a:p>
+            <a:pPr lvl="1"/>
+            <a:r>
+              <a:rPr lang="ja-JP" altLang="en-US" dirty="0" smtClean="0"/>
+              <a:t>以上をサーバー側からの終了フラグが来るまで繰り返す</a:t>
+            </a:r>
+            <a:endParaRPr lang="ja-JP" altLang="en-US" dirty="0"/>
           </a:p>
         </p:txBody>
       </p:sp>
     </p:spTree>
-    <p:extLst>
-      <p:ext uri="{BB962C8B-B14F-4D97-AF65-F5344CB8AC3E}">
-        <p14:creationId xmlns:p14="http://schemas.microsoft.com/office/powerpoint/2010/main" val="3421576189"/>
-      </p:ext>
-    </p:extLst>
   </p:cSld>
   <p:clrMapOvr>
     <a:masterClrMapping/>
   </p:clrMapOvr>
-  <p:timing>
-    <p:tnLst>
-      <p:par>
-        <p:cTn id="1" dur="indefinite" restart="never" nodeType="tmRoot"/>
-      </p:par>
-    </p:tnLst>
-  </p:timing>
 </p:sld>
 </file>
 
 <file path=ppt/slides/slide8.xml><?xml version="1.0" encoding="utf-8"?>
-<p:sld xmlns:a="http://schemas.openxmlformats.org/drawingml/2006/main" xmlns:r="http://schemas.openxmlformats.org/officeDocument/2006/relationships" xmlns:p="http://schemas.openxmlformats.org/presentationml/2006/main">
+<p:sld xmlns:a="http://schemas.openxmlformats.org/drawingml/2006/main" xmlns:r="http://schemas.openxmlformats.org/officeDocument/2006/relationships" xmlns:mc="http://schemas.openxmlformats.org/markup-compatibility/2006" xmlns:mv="urn:schemas-microsoft-com:mac:vml" xmlns:p="http://schemas.openxmlformats.org/presentationml/2006/main" mc:Ignorable="mv" mc:PreserveAttributes="mv:*">
   <p:cSld>
     <p:spTree>
       <p:nvGrpSpPr>
@@ -5786,7 +6232,7 @@
           <a:p>
             <a:r>
               <a:rPr kumimoji="1" lang="ja-JP" altLang="en-US" dirty="0" smtClean="0"/>
-              <a:t>補足</a:t>
+              <a:t>プログラム試行</a:t>
             </a:r>
             <a:endParaRPr kumimoji="1" lang="ja-JP" altLang="en-US" dirty="0"/>
           </a:p>
@@ -5794,7 +6240,7 @@
       </p:sp>
       <p:sp>
         <p:nvSpPr>
-          <p:cNvPr id="3" name="コンテンツ プレースホルダー 2"/>
+          <p:cNvPr id="5" name="コンテンツ プレースホルダ 4"/>
           <p:cNvSpPr>
             <a:spLocks noGrp="1"/>
           </p:cNvSpPr>
@@ -5807,31 +6253,355 @@
           <a:bodyPr/>
           <a:lstStyle/>
           <a:p>
-            <a:endParaRPr kumimoji="1" lang="en-US" altLang="ja-JP" dirty="0" smtClean="0"/>
-          </a:p>
-          <a:p>
-            <a:r>
-              <a:rPr kumimoji="1" lang="ja-JP" altLang="en-US" dirty="0" smtClean="0"/>
-              <a:t>問題点</a:t>
-            </a:r>
-            <a:endParaRPr kumimoji="1" lang="en-US" altLang="ja-JP" dirty="0" smtClean="0"/>
-          </a:p>
-          <a:p>
-            <a:endParaRPr lang="en-US" altLang="ja-JP" dirty="0"/>
-          </a:p>
-          <a:p>
-            <a:r>
-              <a:rPr kumimoji="1" lang="ja-JP" altLang="en-US" dirty="0" smtClean="0"/>
-              <a:t>拡張内容</a:t>
-            </a:r>
-            <a:endParaRPr kumimoji="1" lang="ja-JP" altLang="en-US" dirty="0"/>
+            <a:r>
+              <a:rPr lang="ja-JP" altLang="en-US" dirty="0" smtClean="0"/>
+              <a:t>プレイ画面</a:t>
+            </a:r>
+            <a:endParaRPr lang="ja-JP" altLang="en-US" dirty="0"/>
+          </a:p>
+        </p:txBody>
+      </p:sp>
+      <p:pic>
+        <p:nvPicPr>
+          <p:cNvPr id="6" name="コンテンツ プレースホルダ 3" descr="スクリーンショット 2013-07-04 11.00.23.png"/>
+          <p:cNvPicPr>
+            <a:picLocks noChangeAspect="1"/>
+          </p:cNvPicPr>
+          <p:nvPr/>
+        </p:nvPicPr>
+        <p:blipFill>
+          <a:blip r:embed="rId3"/>
+          <a:srcRect t="-2060" b="-2060"/>
+          <a:stretch>
+            <a:fillRect/>
+          </a:stretch>
+        </p:blipFill>
+        <p:spPr>
+          <a:xfrm>
+            <a:off x="914400" y="2209800"/>
+            <a:ext cx="7315200" cy="4433596"/>
+          </a:xfrm>
+          <a:prstGeom prst="rect">
+            <a:avLst/>
+          </a:prstGeom>
+        </p:spPr>
+      </p:pic>
+      <p:cxnSp>
+        <p:nvCxnSpPr>
+          <p:cNvPr id="8" name="直線矢印コネクタ 7"/>
+          <p:cNvCxnSpPr/>
+          <p:nvPr/>
+        </p:nvCxnSpPr>
+        <p:spPr>
+          <a:xfrm rot="5400000">
+            <a:off x="4762500" y="1866900"/>
+            <a:ext cx="1066800" cy="990600"/>
+          </a:xfrm>
+          <a:prstGeom prst="straightConnector1">
+            <a:avLst/>
+          </a:prstGeom>
+          <a:ln w="41275">
+            <a:solidFill>
+              <a:schemeClr val="accent2">
+                <a:lumMod val="60000"/>
+                <a:lumOff val="40000"/>
+              </a:schemeClr>
+            </a:solidFill>
+            <a:tailEnd type="arrow"/>
+          </a:ln>
+          <a:effectLst>
+            <a:glow>
+              <a:schemeClr val="accent1">
+                <a:tint val="30000"/>
+                <a:shade val="95000"/>
+                <a:satMod val="300000"/>
+              </a:schemeClr>
+            </a:glow>
+          </a:effectLst>
+        </p:spPr>
+        <p:style>
+          <a:lnRef idx="2">
+            <a:schemeClr val="accent1"/>
+          </a:lnRef>
+          <a:fillRef idx="0">
+            <a:schemeClr val="accent1"/>
+          </a:fillRef>
+          <a:effectRef idx="1">
+            <a:schemeClr val="accent1"/>
+          </a:effectRef>
+          <a:fontRef idx="minor">
+            <a:schemeClr val="tx1"/>
+          </a:fontRef>
+        </p:style>
+      </p:cxnSp>
+      <p:sp>
+        <p:nvSpPr>
+          <p:cNvPr id="9" name="テキスト ボックス 8"/>
+          <p:cNvSpPr txBox="1"/>
+          <p:nvPr/>
+        </p:nvSpPr>
+        <p:spPr>
+          <a:xfrm>
+            <a:off x="5410200" y="1367135"/>
+            <a:ext cx="1143000" cy="461665"/>
+          </a:xfrm>
+          <a:prstGeom prst="rect">
+            <a:avLst/>
+          </a:prstGeom>
+          <a:noFill/>
+        </p:spPr>
+        <p:txBody>
+          <a:bodyPr wrap="square" rtlCol="0">
+            <a:spAutoFit/>
+          </a:bodyPr>
+          <a:lstStyle/>
+          <a:p>
+            <a:r>
+              <a:rPr kumimoji="1" lang="ja-JP" altLang="en-US" sz="2400" dirty="0" smtClean="0"/>
+              <a:t>問題</a:t>
+            </a:r>
+            <a:endParaRPr kumimoji="1" lang="ja-JP" altLang="en-US" sz="2400" dirty="0"/>
+          </a:p>
+        </p:txBody>
+      </p:sp>
+      <p:cxnSp>
+        <p:nvCxnSpPr>
+          <p:cNvPr id="11" name="直線矢印コネクタ 10"/>
+          <p:cNvCxnSpPr/>
+          <p:nvPr/>
+        </p:nvCxnSpPr>
+        <p:spPr>
+          <a:xfrm rot="5400000">
+            <a:off x="4991100" y="2019300"/>
+            <a:ext cx="2362200" cy="2133600"/>
+          </a:xfrm>
+          <a:prstGeom prst="straightConnector1">
+            <a:avLst/>
+          </a:prstGeom>
+          <a:ln w="41275">
+            <a:solidFill>
+              <a:schemeClr val="accent2">
+                <a:lumMod val="60000"/>
+                <a:lumOff val="40000"/>
+              </a:schemeClr>
+            </a:solidFill>
+            <a:tailEnd type="arrow"/>
+          </a:ln>
+          <a:effectLst>
+            <a:glow>
+              <a:schemeClr val="accent1">
+                <a:tint val="30000"/>
+                <a:shade val="95000"/>
+                <a:satMod val="300000"/>
+              </a:schemeClr>
+            </a:glow>
+          </a:effectLst>
+        </p:spPr>
+        <p:style>
+          <a:lnRef idx="2">
+            <a:schemeClr val="accent1"/>
+          </a:lnRef>
+          <a:fillRef idx="0">
+            <a:schemeClr val="accent1"/>
+          </a:fillRef>
+          <a:effectRef idx="1">
+            <a:schemeClr val="accent1"/>
+          </a:effectRef>
+          <a:fontRef idx="minor">
+            <a:schemeClr val="tx1"/>
+          </a:fontRef>
+        </p:style>
+      </p:cxnSp>
+      <p:sp>
+        <p:nvSpPr>
+          <p:cNvPr id="13" name="テキスト ボックス 12"/>
+          <p:cNvSpPr txBox="1"/>
+          <p:nvPr/>
+        </p:nvSpPr>
+        <p:spPr>
+          <a:xfrm>
+            <a:off x="6858000" y="1447800"/>
+            <a:ext cx="1143000" cy="461665"/>
+          </a:xfrm>
+          <a:prstGeom prst="rect">
+            <a:avLst/>
+          </a:prstGeom>
+          <a:noFill/>
+        </p:spPr>
+        <p:txBody>
+          <a:bodyPr wrap="square" rtlCol="0">
+            <a:spAutoFit/>
+          </a:bodyPr>
+          <a:lstStyle/>
+          <a:p>
+            <a:r>
+              <a:rPr lang="ja-JP" altLang="en-US" sz="2400" dirty="0" smtClean="0"/>
+              <a:t>選択肢</a:t>
+            </a:r>
+            <a:endParaRPr kumimoji="1" lang="ja-JP" altLang="en-US" sz="2400" dirty="0"/>
+          </a:p>
+        </p:txBody>
+      </p:sp>
+      <p:cxnSp>
+        <p:nvCxnSpPr>
+          <p:cNvPr id="14" name="直線矢印コネクタ 13"/>
+          <p:cNvCxnSpPr/>
+          <p:nvPr/>
+        </p:nvCxnSpPr>
+        <p:spPr>
+          <a:xfrm rot="10800000" flipV="1">
+            <a:off x="1905000" y="1828800"/>
+            <a:ext cx="1981200" cy="1219200"/>
+          </a:xfrm>
+          <a:prstGeom prst="straightConnector1">
+            <a:avLst/>
+          </a:prstGeom>
+          <a:ln w="41275">
+            <a:solidFill>
+              <a:schemeClr val="accent2">
+                <a:lumMod val="60000"/>
+                <a:lumOff val="40000"/>
+              </a:schemeClr>
+            </a:solidFill>
+            <a:tailEnd type="arrow"/>
+          </a:ln>
+          <a:effectLst>
+            <a:glow>
+              <a:schemeClr val="accent1">
+                <a:tint val="30000"/>
+                <a:shade val="95000"/>
+                <a:satMod val="300000"/>
+              </a:schemeClr>
+            </a:glow>
+          </a:effectLst>
+        </p:spPr>
+        <p:style>
+          <a:lnRef idx="2">
+            <a:schemeClr val="accent1"/>
+          </a:lnRef>
+          <a:fillRef idx="0">
+            <a:schemeClr val="accent1"/>
+          </a:fillRef>
+          <a:effectRef idx="1">
+            <a:schemeClr val="accent1"/>
+          </a:effectRef>
+          <a:fontRef idx="minor">
+            <a:schemeClr val="tx1"/>
+          </a:fontRef>
+        </p:style>
+      </p:cxnSp>
+      <p:sp>
+        <p:nvSpPr>
+          <p:cNvPr id="17" name="テキスト ボックス 16"/>
+          <p:cNvSpPr txBox="1"/>
+          <p:nvPr/>
+        </p:nvSpPr>
+        <p:spPr>
+          <a:xfrm>
+            <a:off x="3276600" y="1447800"/>
+            <a:ext cx="1828800" cy="461665"/>
+          </a:xfrm>
+          <a:prstGeom prst="rect">
+            <a:avLst/>
+          </a:prstGeom>
+          <a:noFill/>
+        </p:spPr>
+        <p:txBody>
+          <a:bodyPr wrap="square" rtlCol="0">
+            <a:spAutoFit/>
+          </a:bodyPr>
+          <a:lstStyle/>
+          <a:p>
+            <a:r>
+              <a:rPr kumimoji="1" lang="ja-JP" altLang="en-US" sz="2400" dirty="0" smtClean="0"/>
+              <a:t>ステータス</a:t>
+            </a:r>
+            <a:endParaRPr kumimoji="1" lang="ja-JP" altLang="en-US" sz="2400" dirty="0"/>
+          </a:p>
+        </p:txBody>
+      </p:sp>
+      <p:cxnSp>
+        <p:nvCxnSpPr>
+          <p:cNvPr id="18" name="直線矢印コネクタ 17"/>
+          <p:cNvCxnSpPr/>
+          <p:nvPr/>
+        </p:nvCxnSpPr>
+        <p:spPr>
+          <a:xfrm>
+            <a:off x="685800" y="5334000"/>
+            <a:ext cx="990600" cy="838200"/>
+          </a:xfrm>
+          <a:prstGeom prst="straightConnector1">
+            <a:avLst/>
+          </a:prstGeom>
+          <a:ln w="41275">
+            <a:solidFill>
+              <a:schemeClr val="accent2">
+                <a:lumMod val="60000"/>
+                <a:lumOff val="40000"/>
+              </a:schemeClr>
+            </a:solidFill>
+            <a:tailEnd type="arrow"/>
+          </a:ln>
+          <a:effectLst>
+            <a:glow>
+              <a:schemeClr val="accent1">
+                <a:tint val="30000"/>
+                <a:shade val="95000"/>
+                <a:satMod val="300000"/>
+              </a:schemeClr>
+            </a:glow>
+          </a:effectLst>
+        </p:spPr>
+        <p:style>
+          <a:lnRef idx="2">
+            <a:schemeClr val="accent1"/>
+          </a:lnRef>
+          <a:fillRef idx="0">
+            <a:schemeClr val="accent1"/>
+          </a:fillRef>
+          <a:effectRef idx="1">
+            <a:schemeClr val="accent1"/>
+          </a:effectRef>
+          <a:fontRef idx="minor">
+            <a:schemeClr val="tx1"/>
+          </a:fontRef>
+        </p:style>
+      </p:cxnSp>
+      <p:sp>
+        <p:nvSpPr>
+          <p:cNvPr id="22" name="テキスト ボックス 21"/>
+          <p:cNvSpPr txBox="1"/>
+          <p:nvPr/>
+        </p:nvSpPr>
+        <p:spPr>
+          <a:xfrm>
+            <a:off x="228600" y="4800600"/>
+            <a:ext cx="1143000" cy="461665"/>
+          </a:xfrm>
+          <a:prstGeom prst="rect">
+            <a:avLst/>
+          </a:prstGeom>
+          <a:noFill/>
+        </p:spPr>
+        <p:txBody>
+          <a:bodyPr wrap="square" rtlCol="0">
+            <a:spAutoFit/>
+          </a:bodyPr>
+          <a:lstStyle/>
+          <a:p>
+            <a:r>
+              <a:rPr kumimoji="1" lang="en-US" altLang="ja-JP" sz="2400" dirty="0" smtClean="0"/>
+              <a:t>HP</a:t>
+            </a:r>
+            <a:endParaRPr kumimoji="1" lang="ja-JP" altLang="en-US" sz="2400" dirty="0"/>
           </a:p>
         </p:txBody>
       </p:sp>
     </p:spTree>
     <p:extLst>
       <p:ext uri="{BB962C8B-B14F-4D97-AF65-F5344CB8AC3E}">
-        <p14:creationId xmlns:p14="http://schemas.microsoft.com/office/powerpoint/2010/main" val="3720636938"/>
+        <p14:creationId xmlns:p14="http://schemas.microsoft.com/office/powerpoint/2010/main" xmlns:p="http://schemas.openxmlformats.org/presentationml/2006/main" xmlns:r="http://schemas.openxmlformats.org/officeDocument/2006/relationships" xmlns:a="http://schemas.openxmlformats.org/drawingml/2006/main" xmlns="" val="3421576189"/>
       </p:ext>
     </p:extLst>
   </p:cSld>
@@ -5849,7 +6619,7 @@
 </file>
 
 <file path=ppt/slides/slide9.xml><?xml version="1.0" encoding="utf-8"?>
-<p:sld xmlns:a="http://schemas.openxmlformats.org/drawingml/2006/main" xmlns:r="http://schemas.openxmlformats.org/officeDocument/2006/relationships" xmlns:p="http://schemas.openxmlformats.org/presentationml/2006/main">
+<p:sld xmlns:a="http://schemas.openxmlformats.org/drawingml/2006/main" xmlns:r="http://schemas.openxmlformats.org/officeDocument/2006/relationships" xmlns:mc="http://schemas.openxmlformats.org/markup-compatibility/2006" xmlns:mv="urn:schemas-microsoft-com:mac:vml" xmlns:p="http://schemas.openxmlformats.org/presentationml/2006/main" mc:Ignorable="mv" mc:PreserveAttributes="mv:*">
   <p:cSld>
     <p:spTree>
       <p:nvGrpSpPr>
@@ -5882,7 +6652,7 @@
           <a:p>
             <a:r>
               <a:rPr kumimoji="1" lang="ja-JP" altLang="en-US" dirty="0" smtClean="0"/>
-              <a:t>終わりに</a:t>
+              <a:t>補足</a:t>
             </a:r>
             <a:endParaRPr kumimoji="1" lang="ja-JP" altLang="en-US" dirty="0"/>
           </a:p>
@@ -5900,9 +6670,100 @@
         </p:nvSpPr>
         <p:spPr/>
         <p:txBody>
-          <a:bodyPr/>
-          <a:lstStyle/>
-          <a:p>
+          <a:bodyPr>
+            <a:normAutofit fontScale="92500" lnSpcReduction="20000"/>
+          </a:bodyPr>
+          <a:lstStyle/>
+          <a:p>
+            <a:endParaRPr kumimoji="1" lang="en-US" altLang="ja-JP" dirty="0" smtClean="0"/>
+          </a:p>
+          <a:p>
+            <a:r>
+              <a:rPr kumimoji="1" lang="ja-JP" altLang="en-US" dirty="0" smtClean="0"/>
+              <a:t>問題点</a:t>
+            </a:r>
+            <a:endParaRPr kumimoji="1" lang="en-US" altLang="ja-JP" dirty="0" smtClean="0"/>
+          </a:p>
+          <a:p>
+            <a:pPr lvl="1"/>
+            <a:r>
+              <a:rPr lang="ja-JP" altLang="en-US" dirty="0" smtClean="0"/>
+              <a:t>文字コードが統一されず文字化けしてしまうバグがあった</a:t>
+            </a:r>
+            <a:r>
+              <a:rPr lang="en-US" altLang="ja-JP" dirty="0" smtClean="0"/>
+              <a:t>→</a:t>
+            </a:r>
+            <a:r>
+              <a:rPr lang="ja-JP" altLang="en-US" dirty="0" smtClean="0"/>
+              <a:t>修正済み</a:t>
+            </a:r>
+            <a:endParaRPr kumimoji="1" lang="en-US" altLang="ja-JP" dirty="0" smtClean="0"/>
+          </a:p>
+          <a:p>
+            <a:endParaRPr lang="en-US" altLang="ja-JP" dirty="0"/>
+          </a:p>
+          <a:p>
+            <a:r>
+              <a:rPr kumimoji="1" lang="ja-JP" altLang="en-US" dirty="0" smtClean="0"/>
+              <a:t>拡張</a:t>
+            </a:r>
+            <a:r>
+              <a:rPr kumimoji="1" lang="ja-JP" altLang="en-US" dirty="0" smtClean="0"/>
+              <a:t>内容</a:t>
+            </a:r>
+            <a:endParaRPr kumimoji="1" lang="en-US" altLang="ja-JP" dirty="0" smtClean="0"/>
+          </a:p>
+          <a:p>
+            <a:pPr lvl="1"/>
+            <a:r>
+              <a:rPr lang="en-US" altLang="ja-JP" dirty="0" smtClean="0"/>
+              <a:t>2</a:t>
+            </a:r>
+            <a:r>
+              <a:rPr lang="ja-JP" altLang="en-US" dirty="0" smtClean="0"/>
+              <a:t>人以上でのプレイ</a:t>
+            </a:r>
+            <a:endParaRPr lang="en-US" altLang="ja-JP" dirty="0" smtClean="0"/>
+          </a:p>
+          <a:p>
+            <a:pPr lvl="1"/>
+            <a:r>
+              <a:rPr lang="ja-JP" altLang="en-US" dirty="0" smtClean="0"/>
+              <a:t>特殊な</a:t>
+            </a:r>
+            <a:r>
+              <a:rPr lang="en-US" altLang="ja-JP" dirty="0" smtClean="0"/>
+              <a:t>HP</a:t>
+            </a:r>
+            <a:r>
+              <a:rPr lang="ja-JP" altLang="en-US" dirty="0" smtClean="0"/>
+              <a:t>ダメージ</a:t>
+            </a:r>
+            <a:endParaRPr lang="en-US" altLang="ja-JP" dirty="0" smtClean="0"/>
+          </a:p>
+          <a:p>
+            <a:pPr lvl="1"/>
+            <a:r>
+              <a:rPr kumimoji="1" lang="ja-JP" altLang="en-US" dirty="0" smtClean="0"/>
+              <a:t>問題のジャンル選択</a:t>
+            </a:r>
+            <a:endParaRPr kumimoji="1" lang="en-US" altLang="ja-JP" dirty="0" smtClean="0"/>
+          </a:p>
+          <a:p>
+            <a:pPr lvl="1"/>
+            <a:r>
+              <a:rPr lang="ja-JP" altLang="en-US" dirty="0" smtClean="0"/>
+              <a:t>選択問題以外の問題</a:t>
+            </a:r>
+            <a:endParaRPr lang="en-US" altLang="ja-JP" dirty="0" smtClean="0"/>
+          </a:p>
+          <a:p>
+            <a:pPr lvl="1"/>
+            <a:r>
+              <a:rPr kumimoji="1" lang="ja-JP" altLang="en-US" dirty="0" smtClean="0"/>
+              <a:t>プレイ中のチャット機能</a:t>
+            </a:r>
             <a:endParaRPr kumimoji="1" lang="ja-JP" altLang="en-US" dirty="0"/>
           </a:p>
         </p:txBody>
@@ -5910,7 +6771,7 @@
     </p:spTree>
     <p:extLst>
       <p:ext uri="{BB962C8B-B14F-4D97-AF65-F5344CB8AC3E}">
-        <p14:creationId xmlns:p14="http://schemas.microsoft.com/office/powerpoint/2010/main" val="1922142013"/>
+        <p14:creationId xmlns:p14="http://schemas.microsoft.com/office/powerpoint/2010/main" xmlns:p="http://schemas.openxmlformats.org/presentationml/2006/main" xmlns:r="http://schemas.openxmlformats.org/officeDocument/2006/relationships" xmlns:a="http://schemas.openxmlformats.org/drawingml/2006/main" xmlns="" val="3720636938"/>
       </p:ext>
     </p:extLst>
   </p:cSld>

--- a/SoftwarePP.pptx
+++ b/SoftwarePP.pptx
@@ -1,23 +1,20 @@
 
 <file path=ppt/presentation.xml><?xml version="1.0" encoding="utf-8"?>
-<p:presentation xmlns:a="http://schemas.openxmlformats.org/drawingml/2006/main" xmlns:r="http://schemas.openxmlformats.org/officeDocument/2006/relationships" xmlns:mc="http://schemas.openxmlformats.org/markup-compatibility/2006" xmlns:mv="urn:schemas-microsoft-com:mac:vml" xmlns:p="http://schemas.openxmlformats.org/presentationml/2006/main" mc:Ignorable="mv" mc:PreserveAttributes="mv:*" saveSubsetFonts="1">
+<p:presentation xmlns:a="http://schemas.openxmlformats.org/drawingml/2006/main" xmlns:r="http://schemas.openxmlformats.org/officeDocument/2006/relationships" xmlns:p="http://schemas.openxmlformats.org/presentationml/2006/main" saveSubsetFonts="1">
   <p:sldMasterIdLst>
     <p:sldMasterId id="2147483948" r:id="rId1"/>
   </p:sldMasterIdLst>
   <p:notesMasterIdLst>
-    <p:notesMasterId r:id="rId12"/>
+    <p:notesMasterId r:id="rId9"/>
   </p:notesMasterIdLst>
   <p:sldIdLst>
     <p:sldId id="259" r:id="rId2"/>
     <p:sldId id="260" r:id="rId3"/>
     <p:sldId id="261" r:id="rId4"/>
-    <p:sldId id="262" r:id="rId5"/>
+    <p:sldId id="269" r:id="rId5"/>
     <p:sldId id="263" r:id="rId6"/>
-    <p:sldId id="264" r:id="rId7"/>
-    <p:sldId id="269" r:id="rId8"/>
-    <p:sldId id="265" r:id="rId9"/>
-    <p:sldId id="268" r:id="rId10"/>
-    <p:sldId id="267" r:id="rId11"/>
+    <p:sldId id="270" r:id="rId7"/>
+    <p:sldId id="268" r:id="rId8"/>
   </p:sldIdLst>
   <p:sldSz cx="9144000" cy="6858000" type="screen4x3"/>
   <p:notesSz cx="6858000" cy="9144000"/>
@@ -116,11 +113,27 @@
       </a:defRPr>
     </a:lvl9pPr>
   </p:defaultTextStyle>
+  <p:extLst>
+    <p:ext uri="{EFAFB233-063F-42B5-8137-9DF3F51BA10A}">
+      <p15:sldGuideLst xmlns:p15="http://schemas.microsoft.com/office/powerpoint/2012/main">
+        <p15:guide id="1" orient="horz" pos="2160">
+          <p15:clr>
+            <a:srgbClr val="A4A3A4"/>
+          </p15:clr>
+        </p15:guide>
+        <p15:guide id="2" pos="2880">
+          <p15:clr>
+            <a:srgbClr val="A4A3A4"/>
+          </p15:clr>
+        </p15:guide>
+      </p15:sldGuideLst>
+    </p:ext>
+  </p:extLst>
 </p:presentation>
 </file>
 
 <file path=ppt/notesMasters/notesMaster1.xml><?xml version="1.0" encoding="utf-8"?>
-<p:notesMaster xmlns:a="http://schemas.openxmlformats.org/drawingml/2006/main" xmlns:r="http://schemas.openxmlformats.org/officeDocument/2006/relationships" xmlns:mc="http://schemas.openxmlformats.org/markup-compatibility/2006" xmlns:mv="urn:schemas-microsoft-com:mac:vml" xmlns:p="http://schemas.openxmlformats.org/presentationml/2006/main" mc:Ignorable="mv" mc:PreserveAttributes="mv:*">
+<p:notesMaster xmlns:a="http://schemas.openxmlformats.org/drawingml/2006/main" xmlns:r="http://schemas.openxmlformats.org/officeDocument/2006/relationships" xmlns:p="http://schemas.openxmlformats.org/presentationml/2006/main">
   <p:cSld>
     <p:bg>
       <p:bgRef idx="1001">
@@ -202,7 +215,7 @@
             <a:fld id="{6805F63A-2BC8-42FC-94E0-0499EC944574}" type="datetimeFigureOut">
               <a:rPr kumimoji="1" lang="ja-JP" altLang="en-US" smtClean="0"/>
               <a:pPr/>
-              <a:t>13.7.4</a:t>
+              <a:t>2013/7/5</a:t>
             </a:fld>
             <a:endParaRPr kumimoji="1" lang="ja-JP" altLang="en-US"/>
           </a:p>
@@ -403,7 +416,7 @@
     </p:spTree>
     <p:extLst>
       <p:ext uri="{BB962C8B-B14F-4D97-AF65-F5344CB8AC3E}">
-        <p14:creationId xmlns:p14="http://schemas.microsoft.com/office/powerpoint/2010/main" xmlns:p="http://schemas.openxmlformats.org/presentationml/2006/main" xmlns:r="http://schemas.openxmlformats.org/officeDocument/2006/relationships" xmlns:a="http://schemas.openxmlformats.org/drawingml/2006/main" xmlns="" val="2643348307"/>
+        <p14:creationId xmlns:p14="http://schemas.microsoft.com/office/powerpoint/2010/main" val="2643348307"/>
       </p:ext>
     </p:extLst>
   </p:cSld>
@@ -504,7 +517,7 @@
 </file>
 
 <file path=ppt/notesSlides/notesSlide1.xml><?xml version="1.0" encoding="utf-8"?>
-<p:notes xmlns:a="http://schemas.openxmlformats.org/drawingml/2006/main" xmlns:r="http://schemas.openxmlformats.org/officeDocument/2006/relationships" xmlns:mc="http://schemas.openxmlformats.org/markup-compatibility/2006" xmlns:mv="urn:schemas-microsoft-com:mac:vml" xmlns:p="http://schemas.openxmlformats.org/presentationml/2006/main" mc:Ignorable="mv" mc:PreserveAttributes="mv:*">
+<p:notes xmlns:a="http://schemas.openxmlformats.org/drawingml/2006/main" xmlns:r="http://schemas.openxmlformats.org/officeDocument/2006/relationships" xmlns:p="http://schemas.openxmlformats.org/presentationml/2006/main">
   <p:cSld>
     <p:spTree>
       <p:nvGrpSpPr>
@@ -593,7 +606,7 @@
     </p:spTree>
     <p:extLst>
       <p:ext uri="{BB962C8B-B14F-4D97-AF65-F5344CB8AC3E}">
-        <p14:creationId xmlns:p14="http://schemas.microsoft.com/office/powerpoint/2010/main" xmlns:p="http://schemas.openxmlformats.org/presentationml/2006/main" xmlns:r="http://schemas.openxmlformats.org/officeDocument/2006/relationships" xmlns:a="http://schemas.openxmlformats.org/drawingml/2006/main" xmlns="" val="623824376"/>
+        <p14:creationId xmlns:p14="http://schemas.microsoft.com/office/powerpoint/2010/main" val="623824376"/>
       </p:ext>
     </p:extLst>
   </p:cSld>
@@ -604,7 +617,7 @@
 </file>
 
 <file path=ppt/notesSlides/notesSlide2.xml><?xml version="1.0" encoding="utf-8"?>
-<p:notes xmlns:a="http://schemas.openxmlformats.org/drawingml/2006/main" xmlns:r="http://schemas.openxmlformats.org/officeDocument/2006/relationships" xmlns:mc="http://schemas.openxmlformats.org/markup-compatibility/2006" xmlns:mv="urn:schemas-microsoft-com:mac:vml" xmlns:p="http://schemas.openxmlformats.org/presentationml/2006/main" mc:Ignorable="mv" mc:PreserveAttributes="mv:*">
+<p:notes xmlns:a="http://schemas.openxmlformats.org/drawingml/2006/main" xmlns:r="http://schemas.openxmlformats.org/officeDocument/2006/relationships" xmlns:p="http://schemas.openxmlformats.org/presentationml/2006/main">
   <p:cSld>
     <p:spTree>
       <p:nvGrpSpPr>
@@ -647,6 +660,33 @@
           <a:bodyPr/>
           <a:lstStyle/>
           <a:p>
+            <a:r>
+              <a:rPr kumimoji="1" lang="en-US" altLang="ja-JP" dirty="0" smtClean="0"/>
+              <a:t>//</a:t>
+            </a:r>
+            <a:r>
+              <a:rPr kumimoji="1" lang="ja-JP" altLang="en-US" dirty="0" smtClean="0"/>
+              <a:t>おもに</a:t>
+            </a:r>
+            <a:r>
+              <a:rPr kumimoji="1" lang="en-US" altLang="ja-JP" dirty="0" err="1" smtClean="0"/>
+              <a:t>github</a:t>
+            </a:r>
+            <a:r>
+              <a:rPr kumimoji="1" lang="ja-JP" altLang="en-US" dirty="0" smtClean="0"/>
+              <a:t>の説明</a:t>
+            </a:r>
+            <a:endParaRPr kumimoji="1" lang="en-US" altLang="ja-JP" dirty="0" smtClean="0"/>
+          </a:p>
+          <a:p>
+            <a:r>
+              <a:rPr kumimoji="1" lang="en-US" altLang="ja-JP" dirty="0" smtClean="0"/>
+              <a:t>//</a:t>
+            </a:r>
+            <a:r>
+              <a:rPr kumimoji="1" lang="ja-JP" altLang="en-US" dirty="0" smtClean="0"/>
+              <a:t>ソフトウェア工学の内容を盛り込むと高評化？との噂のため</a:t>
+            </a:r>
             <a:endParaRPr kumimoji="1" lang="ja-JP" altLang="en-US" dirty="0"/>
           </a:p>
         </p:txBody>
@@ -669,7 +709,7 @@
             <a:fld id="{1BB1F7E6-F5FD-470B-966E-8B22AC4CE3F8}" type="slidenum">
               <a:rPr kumimoji="1" lang="ja-JP" altLang="en-US" smtClean="0"/>
               <a:pPr/>
-              <a:t>4</a:t>
+              <a:t>5</a:t>
             </a:fld>
             <a:endParaRPr kumimoji="1" lang="ja-JP" altLang="en-US"/>
           </a:p>
@@ -678,7 +718,7 @@
     </p:spTree>
     <p:extLst>
       <p:ext uri="{BB962C8B-B14F-4D97-AF65-F5344CB8AC3E}">
-        <p14:creationId xmlns:p14="http://schemas.microsoft.com/office/powerpoint/2010/main" xmlns:p="http://schemas.openxmlformats.org/presentationml/2006/main" xmlns:r="http://schemas.openxmlformats.org/officeDocument/2006/relationships" xmlns:a="http://schemas.openxmlformats.org/drawingml/2006/main" xmlns="" val="957240415"/>
+        <p14:creationId xmlns:p14="http://schemas.microsoft.com/office/powerpoint/2010/main" val="2906374244"/>
       </p:ext>
     </p:extLst>
   </p:cSld>
@@ -689,7 +729,7 @@
 </file>
 
 <file path=ppt/notesSlides/notesSlide3.xml><?xml version="1.0" encoding="utf-8"?>
-<p:notes xmlns:a="http://schemas.openxmlformats.org/drawingml/2006/main" xmlns:r="http://schemas.openxmlformats.org/officeDocument/2006/relationships" xmlns:mc="http://schemas.openxmlformats.org/markup-compatibility/2006" xmlns:mv="urn:schemas-microsoft-com:mac:vml" xmlns:p="http://schemas.openxmlformats.org/presentationml/2006/main" mc:Ignorable="mv" mc:PreserveAttributes="mv:*">
+<p:notes xmlns:a="http://schemas.openxmlformats.org/drawingml/2006/main" xmlns:r="http://schemas.openxmlformats.org/officeDocument/2006/relationships" xmlns:p="http://schemas.openxmlformats.org/presentationml/2006/main">
   <p:cSld>
     <p:spTree>
       <p:nvGrpSpPr>
@@ -738,15 +778,7 @@
             </a:r>
             <a:r>
               <a:rPr kumimoji="1" lang="ja-JP" altLang="en-US" dirty="0" smtClean="0"/>
-              <a:t>おもに</a:t>
-            </a:r>
-            <a:r>
-              <a:rPr kumimoji="1" lang="en-US" altLang="ja-JP" dirty="0" err="1" smtClean="0"/>
-              <a:t>github</a:t>
-            </a:r>
-            <a:r>
-              <a:rPr kumimoji="1" lang="ja-JP" altLang="en-US" dirty="0" smtClean="0"/>
-              <a:t>の説明</a:t>
+              <a:t>問題点もしあれば。　文字コードによる文字化けとか？</a:t>
             </a:r>
             <a:endParaRPr kumimoji="1" lang="en-US" altLang="ja-JP" dirty="0" smtClean="0"/>
           </a:p>
@@ -757,8 +789,22 @@
             </a:r>
             <a:r>
               <a:rPr kumimoji="1" lang="ja-JP" altLang="en-US" dirty="0" smtClean="0"/>
-              <a:t>ソフトウェア工学の内容を盛り込むと高評化？との噂のため</a:t>
-            </a:r>
+              <a:t>拡張できそうな要素を書く。同時対戦人数、問題のバリエーション、細部のグラフィック（エフェクトをいれるとか？）あたりであろうか。</a:t>
+            </a:r>
+            <a:endParaRPr kumimoji="1" lang="en-US" altLang="ja-JP" dirty="0" smtClean="0"/>
+          </a:p>
+          <a:p>
+            <a:r>
+              <a:rPr kumimoji="1" lang="en-US" altLang="ja-JP" dirty="0" smtClean="0"/>
+              <a:t>//</a:t>
+            </a:r>
+            <a:r>
+              <a:rPr kumimoji="1" lang="ja-JP" altLang="en-US" dirty="0" smtClean="0"/>
+              <a:t>指導書にはプロポーザルで作成予定だったプログラムと実際に作成したプログラムの違いを説明せよと書いてあるが、もしそれによって評価が下がるなら馬鹿正直に書く必要はないと思う。</a:t>
+            </a:r>
+            <a:endParaRPr kumimoji="1" lang="en-US" altLang="ja-JP" dirty="0" smtClean="0"/>
+          </a:p>
+          <a:p>
             <a:endParaRPr kumimoji="1" lang="ja-JP" altLang="en-US" dirty="0"/>
           </a:p>
         </p:txBody>
@@ -781,7 +827,7 @@
             <a:fld id="{1BB1F7E6-F5FD-470B-966E-8B22AC4CE3F8}" type="slidenum">
               <a:rPr kumimoji="1" lang="ja-JP" altLang="en-US" smtClean="0"/>
               <a:pPr/>
-              <a:t>5</a:t>
+              <a:t>7</a:t>
             </a:fld>
             <a:endParaRPr kumimoji="1" lang="ja-JP" altLang="en-US"/>
           </a:p>
@@ -790,396 +836,7 @@
     </p:spTree>
     <p:extLst>
       <p:ext uri="{BB962C8B-B14F-4D97-AF65-F5344CB8AC3E}">
-        <p14:creationId xmlns:p14="http://schemas.microsoft.com/office/powerpoint/2010/main" xmlns:p="http://schemas.openxmlformats.org/presentationml/2006/main" xmlns:r="http://schemas.openxmlformats.org/officeDocument/2006/relationships" xmlns:a="http://schemas.openxmlformats.org/drawingml/2006/main" xmlns="" val="2906374244"/>
-      </p:ext>
-    </p:extLst>
-  </p:cSld>
-  <p:clrMapOvr>
-    <a:masterClrMapping/>
-  </p:clrMapOvr>
-</p:notes>
-</file>
-
-<file path=ppt/notesSlides/notesSlide4.xml><?xml version="1.0" encoding="utf-8"?>
-<p:notes xmlns:a="http://schemas.openxmlformats.org/drawingml/2006/main" xmlns:r="http://schemas.openxmlformats.org/officeDocument/2006/relationships" xmlns:mc="http://schemas.openxmlformats.org/markup-compatibility/2006" xmlns:mv="urn:schemas-microsoft-com:mac:vml" xmlns:p="http://schemas.openxmlformats.org/presentationml/2006/main" mc:Ignorable="mv" mc:PreserveAttributes="mv:*">
-  <p:cSld>
-    <p:spTree>
-      <p:nvGrpSpPr>
-        <p:cNvPr id="1" name=""/>
-        <p:cNvGrpSpPr/>
-        <p:nvPr/>
-      </p:nvGrpSpPr>
-      <p:grpSpPr>
-        <a:xfrm>
-          <a:off x="0" y="0"/>
-          <a:ext cx="0" cy="0"/>
-          <a:chOff x="0" y="0"/>
-          <a:chExt cx="0" cy="0"/>
-        </a:xfrm>
-      </p:grpSpPr>
-      <p:sp>
-        <p:nvSpPr>
-          <p:cNvPr id="2" name="スライド イメージ プレースホルダー 1"/>
-          <p:cNvSpPr>
-            <a:spLocks noGrp="1" noRot="1" noChangeAspect="1"/>
-          </p:cNvSpPr>
-          <p:nvPr>
-            <p:ph type="sldImg"/>
-          </p:nvPr>
-        </p:nvSpPr>
-        <p:spPr/>
-      </p:sp>
-      <p:sp>
-        <p:nvSpPr>
-          <p:cNvPr id="3" name="ノート プレースホルダー 2"/>
-          <p:cNvSpPr>
-            <a:spLocks noGrp="1"/>
-          </p:cNvSpPr>
-          <p:nvPr>
-            <p:ph type="body" idx="1"/>
-          </p:nvPr>
-        </p:nvSpPr>
-        <p:spPr/>
-        <p:txBody>
-          <a:bodyPr/>
-          <a:lstStyle/>
-          <a:p>
-            <a:endParaRPr kumimoji="1" lang="ja-JP" altLang="en-US" dirty="0"/>
-          </a:p>
-        </p:txBody>
-      </p:sp>
-      <p:sp>
-        <p:nvSpPr>
-          <p:cNvPr id="4" name="スライド番号プレースホルダー 3"/>
-          <p:cNvSpPr>
-            <a:spLocks noGrp="1"/>
-          </p:cNvSpPr>
-          <p:nvPr>
-            <p:ph type="sldNum" sz="quarter" idx="10"/>
-          </p:nvPr>
-        </p:nvSpPr>
-        <p:spPr/>
-        <p:txBody>
-          <a:bodyPr/>
-          <a:lstStyle/>
-          <a:p>
-            <a:fld id="{1BB1F7E6-F5FD-470B-966E-8B22AC4CE3F8}" type="slidenum">
-              <a:rPr kumimoji="1" lang="ja-JP" altLang="en-US" smtClean="0"/>
-              <a:pPr/>
-              <a:t>6</a:t>
-            </a:fld>
-            <a:endParaRPr kumimoji="1" lang="ja-JP" altLang="en-US"/>
-          </a:p>
-        </p:txBody>
-      </p:sp>
-    </p:spTree>
-    <p:extLst>
-      <p:ext uri="{BB962C8B-B14F-4D97-AF65-F5344CB8AC3E}">
-        <p14:creationId xmlns:p14="http://schemas.microsoft.com/office/powerpoint/2010/main" xmlns:p="http://schemas.openxmlformats.org/presentationml/2006/main" xmlns:r="http://schemas.openxmlformats.org/officeDocument/2006/relationships" xmlns:a="http://schemas.openxmlformats.org/drawingml/2006/main" xmlns="" val="3818340779"/>
-      </p:ext>
-    </p:extLst>
-  </p:cSld>
-  <p:clrMapOvr>
-    <a:masterClrMapping/>
-  </p:clrMapOvr>
-</p:notes>
-</file>
-
-<file path=ppt/notesSlides/notesSlide5.xml><?xml version="1.0" encoding="utf-8"?>
-<p:notes xmlns:a="http://schemas.openxmlformats.org/drawingml/2006/main" xmlns:r="http://schemas.openxmlformats.org/officeDocument/2006/relationships" xmlns:mc="http://schemas.openxmlformats.org/markup-compatibility/2006" xmlns:mv="urn:schemas-microsoft-com:mac:vml" xmlns:p="http://schemas.openxmlformats.org/presentationml/2006/main" mc:Ignorable="mv" mc:PreserveAttributes="mv:*">
-  <p:cSld>
-    <p:spTree>
-      <p:nvGrpSpPr>
-        <p:cNvPr id="1" name=""/>
-        <p:cNvGrpSpPr/>
-        <p:nvPr/>
-      </p:nvGrpSpPr>
-      <p:grpSpPr>
-        <a:xfrm>
-          <a:off x="0" y="0"/>
-          <a:ext cx="0" cy="0"/>
-          <a:chOff x="0" y="0"/>
-          <a:chExt cx="0" cy="0"/>
-        </a:xfrm>
-      </p:grpSpPr>
-      <p:sp>
-        <p:nvSpPr>
-          <p:cNvPr id="2" name="スライド イメージ プレースホルダー 1"/>
-          <p:cNvSpPr>
-            <a:spLocks noGrp="1" noRot="1" noChangeAspect="1"/>
-          </p:cNvSpPr>
-          <p:nvPr>
-            <p:ph type="sldImg"/>
-          </p:nvPr>
-        </p:nvSpPr>
-        <p:spPr/>
-      </p:sp>
-      <p:sp>
-        <p:nvSpPr>
-          <p:cNvPr id="3" name="ノート プレースホルダー 2"/>
-          <p:cNvSpPr>
-            <a:spLocks noGrp="1"/>
-          </p:cNvSpPr>
-          <p:nvPr>
-            <p:ph type="body" idx="1"/>
-          </p:nvPr>
-        </p:nvSpPr>
-        <p:spPr/>
-        <p:txBody>
-          <a:bodyPr/>
-          <a:lstStyle/>
-          <a:p>
-            <a:r>
-              <a:rPr kumimoji="1" lang="en-US" altLang="ja-JP" dirty="0" smtClean="0"/>
-              <a:t>//</a:t>
-            </a:r>
-            <a:r>
-              <a:rPr kumimoji="1" lang="ja-JP" altLang="en-US" dirty="0" smtClean="0"/>
-              <a:t>デモストレーション。</a:t>
-            </a:r>
-            <a:endParaRPr kumimoji="1" lang="en-US" altLang="ja-JP" dirty="0" smtClean="0"/>
-          </a:p>
-        </p:txBody>
-      </p:sp>
-      <p:sp>
-        <p:nvSpPr>
-          <p:cNvPr id="4" name="スライド番号プレースホルダー 3"/>
-          <p:cNvSpPr>
-            <a:spLocks noGrp="1"/>
-          </p:cNvSpPr>
-          <p:nvPr>
-            <p:ph type="sldNum" sz="quarter" idx="10"/>
-          </p:nvPr>
-        </p:nvSpPr>
-        <p:spPr/>
-        <p:txBody>
-          <a:bodyPr/>
-          <a:lstStyle/>
-          <a:p>
-            <a:fld id="{1BB1F7E6-F5FD-470B-966E-8B22AC4CE3F8}" type="slidenum">
-              <a:rPr kumimoji="1" lang="ja-JP" altLang="en-US" smtClean="0"/>
-              <a:pPr/>
-              <a:t>8</a:t>
-            </a:fld>
-            <a:endParaRPr kumimoji="1" lang="ja-JP" altLang="en-US"/>
-          </a:p>
-        </p:txBody>
-      </p:sp>
-    </p:spTree>
-    <p:extLst>
-      <p:ext uri="{BB962C8B-B14F-4D97-AF65-F5344CB8AC3E}">
-        <p14:creationId xmlns:p14="http://schemas.microsoft.com/office/powerpoint/2010/main" xmlns:p="http://schemas.openxmlformats.org/presentationml/2006/main" xmlns:r="http://schemas.openxmlformats.org/officeDocument/2006/relationships" xmlns:a="http://schemas.openxmlformats.org/drawingml/2006/main" xmlns="" val="1135668797"/>
-      </p:ext>
-    </p:extLst>
-  </p:cSld>
-  <p:clrMapOvr>
-    <a:masterClrMapping/>
-  </p:clrMapOvr>
-</p:notes>
-</file>
-
-<file path=ppt/notesSlides/notesSlide6.xml><?xml version="1.0" encoding="utf-8"?>
-<p:notes xmlns:a="http://schemas.openxmlformats.org/drawingml/2006/main" xmlns:r="http://schemas.openxmlformats.org/officeDocument/2006/relationships" xmlns:mc="http://schemas.openxmlformats.org/markup-compatibility/2006" xmlns:mv="urn:schemas-microsoft-com:mac:vml" xmlns:p="http://schemas.openxmlformats.org/presentationml/2006/main" mc:Ignorable="mv" mc:PreserveAttributes="mv:*">
-  <p:cSld>
-    <p:spTree>
-      <p:nvGrpSpPr>
-        <p:cNvPr id="1" name=""/>
-        <p:cNvGrpSpPr/>
-        <p:nvPr/>
-      </p:nvGrpSpPr>
-      <p:grpSpPr>
-        <a:xfrm>
-          <a:off x="0" y="0"/>
-          <a:ext cx="0" cy="0"/>
-          <a:chOff x="0" y="0"/>
-          <a:chExt cx="0" cy="0"/>
-        </a:xfrm>
-      </p:grpSpPr>
-      <p:sp>
-        <p:nvSpPr>
-          <p:cNvPr id="2" name="スライド イメージ プレースホルダー 1"/>
-          <p:cNvSpPr>
-            <a:spLocks noGrp="1" noRot="1" noChangeAspect="1"/>
-          </p:cNvSpPr>
-          <p:nvPr>
-            <p:ph type="sldImg"/>
-          </p:nvPr>
-        </p:nvSpPr>
-        <p:spPr/>
-      </p:sp>
-      <p:sp>
-        <p:nvSpPr>
-          <p:cNvPr id="3" name="ノート プレースホルダー 2"/>
-          <p:cNvSpPr>
-            <a:spLocks noGrp="1"/>
-          </p:cNvSpPr>
-          <p:nvPr>
-            <p:ph type="body" idx="1"/>
-          </p:nvPr>
-        </p:nvSpPr>
-        <p:spPr/>
-        <p:txBody>
-          <a:bodyPr/>
-          <a:lstStyle/>
-          <a:p>
-            <a:r>
-              <a:rPr kumimoji="1" lang="en-US" altLang="ja-JP" dirty="0" smtClean="0"/>
-              <a:t>//</a:t>
-            </a:r>
-            <a:r>
-              <a:rPr kumimoji="1" lang="ja-JP" altLang="en-US" dirty="0" smtClean="0"/>
-              <a:t>問題点もしあれば。　文字コードによる文字化けとか？</a:t>
-            </a:r>
-            <a:endParaRPr kumimoji="1" lang="en-US" altLang="ja-JP" dirty="0" smtClean="0"/>
-          </a:p>
-          <a:p>
-            <a:r>
-              <a:rPr kumimoji="1" lang="en-US" altLang="ja-JP" dirty="0" smtClean="0"/>
-              <a:t>//</a:t>
-            </a:r>
-            <a:r>
-              <a:rPr kumimoji="1" lang="ja-JP" altLang="en-US" dirty="0" smtClean="0"/>
-              <a:t>拡張できそうな要素を書く。同時対戦人数、問題のバリエーション、細部のグラフィック（エフェクトをいれるとか？）あたりであろうか。</a:t>
-            </a:r>
-            <a:endParaRPr kumimoji="1" lang="en-US" altLang="ja-JP" dirty="0" smtClean="0"/>
-          </a:p>
-          <a:p>
-            <a:r>
-              <a:rPr kumimoji="1" lang="en-US" altLang="ja-JP" dirty="0" smtClean="0"/>
-              <a:t>//</a:t>
-            </a:r>
-            <a:r>
-              <a:rPr kumimoji="1" lang="ja-JP" altLang="en-US" dirty="0" smtClean="0"/>
-              <a:t>指導書にはプロポーザルで作成予定だったプログラムと実際に作成したプログラムの違いを説明せよと書いてあるが、もしそれによって評価が下がるなら馬鹿正直に書く必要はないと思う。</a:t>
-            </a:r>
-            <a:endParaRPr kumimoji="1" lang="en-US" altLang="ja-JP" dirty="0" smtClean="0"/>
-          </a:p>
-          <a:p>
-            <a:endParaRPr kumimoji="1" lang="ja-JP" altLang="en-US" dirty="0"/>
-          </a:p>
-        </p:txBody>
-      </p:sp>
-      <p:sp>
-        <p:nvSpPr>
-          <p:cNvPr id="4" name="スライド番号プレースホルダー 3"/>
-          <p:cNvSpPr>
-            <a:spLocks noGrp="1"/>
-          </p:cNvSpPr>
-          <p:nvPr>
-            <p:ph type="sldNum" sz="quarter" idx="10"/>
-          </p:nvPr>
-        </p:nvSpPr>
-        <p:spPr/>
-        <p:txBody>
-          <a:bodyPr/>
-          <a:lstStyle/>
-          <a:p>
-            <a:fld id="{1BB1F7E6-F5FD-470B-966E-8B22AC4CE3F8}" type="slidenum">
-              <a:rPr kumimoji="1" lang="ja-JP" altLang="en-US" smtClean="0"/>
-              <a:pPr/>
-              <a:t>9</a:t>
-            </a:fld>
-            <a:endParaRPr kumimoji="1" lang="ja-JP" altLang="en-US"/>
-          </a:p>
-        </p:txBody>
-      </p:sp>
-    </p:spTree>
-    <p:extLst>
-      <p:ext uri="{BB962C8B-B14F-4D97-AF65-F5344CB8AC3E}">
-        <p14:creationId xmlns:p14="http://schemas.microsoft.com/office/powerpoint/2010/main" xmlns:p="http://schemas.openxmlformats.org/presentationml/2006/main" xmlns:r="http://schemas.openxmlformats.org/officeDocument/2006/relationships" xmlns:a="http://schemas.openxmlformats.org/drawingml/2006/main" xmlns="" val="46341869"/>
-      </p:ext>
-    </p:extLst>
-  </p:cSld>
-  <p:clrMapOvr>
-    <a:masterClrMapping/>
-  </p:clrMapOvr>
-</p:notes>
-</file>
-
-<file path=ppt/notesSlides/notesSlide7.xml><?xml version="1.0" encoding="utf-8"?>
-<p:notes xmlns:a="http://schemas.openxmlformats.org/drawingml/2006/main" xmlns:r="http://schemas.openxmlformats.org/officeDocument/2006/relationships" xmlns:mc="http://schemas.openxmlformats.org/markup-compatibility/2006" xmlns:mv="urn:schemas-microsoft-com:mac:vml" xmlns:p="http://schemas.openxmlformats.org/presentationml/2006/main" mc:Ignorable="mv" mc:PreserveAttributes="mv:*">
-  <p:cSld>
-    <p:spTree>
-      <p:nvGrpSpPr>
-        <p:cNvPr id="1" name=""/>
-        <p:cNvGrpSpPr/>
-        <p:nvPr/>
-      </p:nvGrpSpPr>
-      <p:grpSpPr>
-        <a:xfrm>
-          <a:off x="0" y="0"/>
-          <a:ext cx="0" cy="0"/>
-          <a:chOff x="0" y="0"/>
-          <a:chExt cx="0" cy="0"/>
-        </a:xfrm>
-      </p:grpSpPr>
-      <p:sp>
-        <p:nvSpPr>
-          <p:cNvPr id="2" name="スライド イメージ プレースホルダー 1"/>
-          <p:cNvSpPr>
-            <a:spLocks noGrp="1" noRot="1" noChangeAspect="1"/>
-          </p:cNvSpPr>
-          <p:nvPr>
-            <p:ph type="sldImg"/>
-          </p:nvPr>
-        </p:nvSpPr>
-        <p:spPr/>
-      </p:sp>
-      <p:sp>
-        <p:nvSpPr>
-          <p:cNvPr id="3" name="ノート プレースホルダー 2"/>
-          <p:cNvSpPr>
-            <a:spLocks noGrp="1"/>
-          </p:cNvSpPr>
-          <p:nvPr>
-            <p:ph type="body" idx="1"/>
-          </p:nvPr>
-        </p:nvSpPr>
-        <p:spPr/>
-        <p:txBody>
-          <a:bodyPr/>
-          <a:lstStyle/>
-          <a:p>
-            <a:r>
-              <a:rPr kumimoji="1" lang="en-US" altLang="ja-JP" dirty="0" smtClean="0"/>
-              <a:t>//</a:t>
-            </a:r>
-            <a:r>
-              <a:rPr kumimoji="1" lang="ja-JP" altLang="en-US" dirty="0" smtClean="0"/>
-              <a:t>もし必要なら。　補足とまとめていいかも</a:t>
-            </a:r>
-            <a:endParaRPr kumimoji="1" lang="ja-JP" altLang="en-US" dirty="0"/>
-          </a:p>
-        </p:txBody>
-      </p:sp>
-      <p:sp>
-        <p:nvSpPr>
-          <p:cNvPr id="4" name="スライド番号プレースホルダー 3"/>
-          <p:cNvSpPr>
-            <a:spLocks noGrp="1"/>
-          </p:cNvSpPr>
-          <p:nvPr>
-            <p:ph type="sldNum" sz="quarter" idx="10"/>
-          </p:nvPr>
-        </p:nvSpPr>
-        <p:spPr/>
-        <p:txBody>
-          <a:bodyPr/>
-          <a:lstStyle/>
-          <a:p>
-            <a:fld id="{1BB1F7E6-F5FD-470B-966E-8B22AC4CE3F8}" type="slidenum">
-              <a:rPr kumimoji="1" lang="ja-JP" altLang="en-US" smtClean="0"/>
-              <a:pPr/>
-              <a:t>10</a:t>
-            </a:fld>
-            <a:endParaRPr kumimoji="1" lang="ja-JP" altLang="en-US"/>
-          </a:p>
-        </p:txBody>
-      </p:sp>
-    </p:spTree>
-    <p:extLst>
-      <p:ext uri="{BB962C8B-B14F-4D97-AF65-F5344CB8AC3E}">
-        <p14:creationId xmlns:p14="http://schemas.microsoft.com/office/powerpoint/2010/main" xmlns:p="http://schemas.openxmlformats.org/presentationml/2006/main" xmlns:r="http://schemas.openxmlformats.org/officeDocument/2006/relationships" xmlns:a="http://schemas.openxmlformats.org/drawingml/2006/main" xmlns="" val="1752321282"/>
+        <p14:creationId xmlns:p14="http://schemas.microsoft.com/office/powerpoint/2010/main" val="46341869"/>
       </p:ext>
     </p:extLst>
   </p:cSld>
@@ -1190,7 +847,7 @@
 </file>
 
 <file path=ppt/slideLayouts/slideLayout1.xml><?xml version="1.0" encoding="utf-8"?>
-<p:sldLayout xmlns:a="http://schemas.openxmlformats.org/drawingml/2006/main" xmlns:r="http://schemas.openxmlformats.org/officeDocument/2006/relationships" xmlns:mc="http://schemas.openxmlformats.org/markup-compatibility/2006" xmlns:mv="urn:schemas-microsoft-com:mac:vml" xmlns:p="http://schemas.openxmlformats.org/presentationml/2006/main" mc:Ignorable="mv" mc:PreserveAttributes="mv:*" showMasterSp="0" type="title" preserve="1">
+<p:sldLayout xmlns:a="http://schemas.openxmlformats.org/drawingml/2006/main" xmlns:r="http://schemas.openxmlformats.org/officeDocument/2006/relationships" xmlns:p="http://schemas.openxmlformats.org/presentationml/2006/main" showMasterSp="0" type="title" preserve="1">
   <p:cSld name="タイトル スライド">
     <p:bg>
       <p:bgRef idx="1002">
@@ -1574,7 +1231,7 @@
             <a:fld id="{D6EB1B4E-27AF-46E3-AC1C-02E606E0D850}" type="datetimeFigureOut">
               <a:rPr kumimoji="1" lang="ja-JP" altLang="en-US" smtClean="0"/>
               <a:pPr/>
-              <a:t>13.7.4</a:t>
+              <a:t>2013/7/5</a:t>
             </a:fld>
             <a:endParaRPr kumimoji="1" lang="ja-JP" altLang="en-US"/>
           </a:p>
@@ -1632,7 +1289,7 @@
 </file>
 
 <file path=ppt/slideLayouts/slideLayout10.xml><?xml version="1.0" encoding="utf-8"?>
-<p:sldLayout xmlns:a="http://schemas.openxmlformats.org/drawingml/2006/main" xmlns:r="http://schemas.openxmlformats.org/officeDocument/2006/relationships" xmlns:mc="http://schemas.openxmlformats.org/markup-compatibility/2006" xmlns:mv="urn:schemas-microsoft-com:mac:vml" xmlns:p="http://schemas.openxmlformats.org/presentationml/2006/main" mc:Ignorable="mv" mc:PreserveAttributes="mv:*" type="vertTx" preserve="1">
+<p:sldLayout xmlns:a="http://schemas.openxmlformats.org/drawingml/2006/main" xmlns:r="http://schemas.openxmlformats.org/officeDocument/2006/relationships" xmlns:p="http://schemas.openxmlformats.org/presentationml/2006/main" type="vertTx" preserve="1">
   <p:cSld name="タイトルと&#10;縦書きテキスト">
     <p:spTree>
       <p:nvGrpSpPr>
@@ -1773,7 +1430,7 @@
             <a:fld id="{D6EB1B4E-27AF-46E3-AC1C-02E606E0D850}" type="datetimeFigureOut">
               <a:rPr kumimoji="1" lang="ja-JP" altLang="en-US" smtClean="0"/>
               <a:pPr/>
-              <a:t>13.7.4</a:t>
+              <a:t>2013/7/5</a:t>
             </a:fld>
             <a:endParaRPr kumimoji="1" lang="ja-JP" altLang="en-US"/>
           </a:p>
@@ -1831,7 +1488,7 @@
 </file>
 
 <file path=ppt/slideLayouts/slideLayout11.xml><?xml version="1.0" encoding="utf-8"?>
-<p:sldLayout xmlns:a="http://schemas.openxmlformats.org/drawingml/2006/main" xmlns:r="http://schemas.openxmlformats.org/officeDocument/2006/relationships" xmlns:mc="http://schemas.openxmlformats.org/markup-compatibility/2006" xmlns:mv="urn:schemas-microsoft-com:mac:vml" xmlns:p="http://schemas.openxmlformats.org/presentationml/2006/main" mc:Ignorable="mv" mc:PreserveAttributes="mv:*" type="vertTitleAndTx" preserve="1">
+<p:sldLayout xmlns:a="http://schemas.openxmlformats.org/drawingml/2006/main" xmlns:r="http://schemas.openxmlformats.org/officeDocument/2006/relationships" xmlns:p="http://schemas.openxmlformats.org/presentationml/2006/main" type="vertTitleAndTx" preserve="1">
   <p:cSld name="縦書きタイトルと&#10;縦書きテキスト">
     <p:spTree>
       <p:nvGrpSpPr>
@@ -1982,7 +1639,7 @@
             <a:fld id="{D6EB1B4E-27AF-46E3-AC1C-02E606E0D850}" type="datetimeFigureOut">
               <a:rPr kumimoji="1" lang="ja-JP" altLang="en-US" smtClean="0"/>
               <a:pPr/>
-              <a:t>13.7.4</a:t>
+              <a:t>2013/7/5</a:t>
             </a:fld>
             <a:endParaRPr kumimoji="1" lang="ja-JP" altLang="en-US"/>
           </a:p>
@@ -2040,7 +1697,7 @@
 </file>
 
 <file path=ppt/slideLayouts/slideLayout2.xml><?xml version="1.0" encoding="utf-8"?>
-<p:sldLayout xmlns:a="http://schemas.openxmlformats.org/drawingml/2006/main" xmlns:r="http://schemas.openxmlformats.org/officeDocument/2006/relationships" xmlns:mc="http://schemas.openxmlformats.org/markup-compatibility/2006" xmlns:mv="urn:schemas-microsoft-com:mac:vml" xmlns:p="http://schemas.openxmlformats.org/presentationml/2006/main" mc:Ignorable="mv" mc:PreserveAttributes="mv:*" type="obj" preserve="1">
+<p:sldLayout xmlns:a="http://schemas.openxmlformats.org/drawingml/2006/main" xmlns:r="http://schemas.openxmlformats.org/officeDocument/2006/relationships" xmlns:p="http://schemas.openxmlformats.org/presentationml/2006/main" type="obj" preserve="1">
   <p:cSld name="タイトルとコンテンツ">
     <p:spTree>
       <p:nvGrpSpPr>
@@ -2185,7 +1842,7 @@
             <a:fld id="{D6EB1B4E-27AF-46E3-AC1C-02E606E0D850}" type="datetimeFigureOut">
               <a:rPr kumimoji="1" lang="ja-JP" altLang="en-US" smtClean="0"/>
               <a:pPr/>
-              <a:t>13.7.4</a:t>
+              <a:t>2013/7/5</a:t>
             </a:fld>
             <a:endParaRPr kumimoji="1" lang="ja-JP" altLang="en-US"/>
           </a:p>
@@ -2243,7 +1900,7 @@
 </file>
 
 <file path=ppt/slideLayouts/slideLayout3.xml><?xml version="1.0" encoding="utf-8"?>
-<p:sldLayout xmlns:a="http://schemas.openxmlformats.org/drawingml/2006/main" xmlns:r="http://schemas.openxmlformats.org/officeDocument/2006/relationships" xmlns:mc="http://schemas.openxmlformats.org/markup-compatibility/2006" xmlns:mv="urn:schemas-microsoft-com:mac:vml" xmlns:p="http://schemas.openxmlformats.org/presentationml/2006/main" mc:Ignorable="mv" mc:PreserveAttributes="mv:*" showMasterSp="0" type="secHead" preserve="1">
+<p:sldLayout xmlns:a="http://schemas.openxmlformats.org/drawingml/2006/main" xmlns:r="http://schemas.openxmlformats.org/officeDocument/2006/relationships" xmlns:p="http://schemas.openxmlformats.org/presentationml/2006/main" showMasterSp="0" type="secHead" preserve="1">
   <p:cSld name="セクション見出し">
     <p:bg>
       <p:bgRef idx="1002">
@@ -2642,7 +2299,7 @@
             <a:fld id="{D6EB1B4E-27AF-46E3-AC1C-02E606E0D850}" type="datetimeFigureOut">
               <a:rPr kumimoji="1" lang="ja-JP" altLang="en-US" smtClean="0"/>
               <a:pPr/>
-              <a:t>13.7.4</a:t>
+              <a:t>2013/7/5</a:t>
             </a:fld>
             <a:endParaRPr kumimoji="1" lang="ja-JP" altLang="en-US"/>
           </a:p>
@@ -2700,7 +2357,7 @@
 </file>
 
 <file path=ppt/slideLayouts/slideLayout4.xml><?xml version="1.0" encoding="utf-8"?>
-<p:sldLayout xmlns:a="http://schemas.openxmlformats.org/drawingml/2006/main" xmlns:r="http://schemas.openxmlformats.org/officeDocument/2006/relationships" xmlns:mc="http://schemas.openxmlformats.org/markup-compatibility/2006" xmlns:mv="urn:schemas-microsoft-com:mac:vml" xmlns:p="http://schemas.openxmlformats.org/presentationml/2006/main" mc:Ignorable="mv" mc:PreserveAttributes="mv:*" type="twoObj" preserve="1">
+<p:sldLayout xmlns:a="http://schemas.openxmlformats.org/drawingml/2006/main" xmlns:r="http://schemas.openxmlformats.org/officeDocument/2006/relationships" xmlns:p="http://schemas.openxmlformats.org/presentationml/2006/main" type="twoObj" preserve="1">
   <p:cSld name="2 つのコンテンツ">
     <p:spTree>
       <p:nvGrpSpPr>
@@ -2972,7 +2629,7 @@
             <a:fld id="{D6EB1B4E-27AF-46E3-AC1C-02E606E0D850}" type="datetimeFigureOut">
               <a:rPr kumimoji="1" lang="ja-JP" altLang="en-US" smtClean="0"/>
               <a:pPr/>
-              <a:t>13.7.4</a:t>
+              <a:t>2013/7/5</a:t>
             </a:fld>
             <a:endParaRPr kumimoji="1" lang="ja-JP" altLang="en-US"/>
           </a:p>
@@ -3030,7 +2687,7 @@
 </file>
 
 <file path=ppt/slideLayouts/slideLayout5.xml><?xml version="1.0" encoding="utf-8"?>
-<p:sldLayout xmlns:a="http://schemas.openxmlformats.org/drawingml/2006/main" xmlns:r="http://schemas.openxmlformats.org/officeDocument/2006/relationships" xmlns:mc="http://schemas.openxmlformats.org/markup-compatibility/2006" xmlns:mv="urn:schemas-microsoft-com:mac:vml" xmlns:p="http://schemas.openxmlformats.org/presentationml/2006/main" mc:Ignorable="mv" mc:PreserveAttributes="mv:*" showMasterSp="0" type="twoTxTwoObj" preserve="1">
+<p:sldLayout xmlns:a="http://schemas.openxmlformats.org/drawingml/2006/main" xmlns:r="http://schemas.openxmlformats.org/officeDocument/2006/relationships" xmlns:p="http://schemas.openxmlformats.org/presentationml/2006/main" showMasterSp="0" type="twoTxTwoObj" preserve="1">
   <p:cSld name="比較">
     <p:spTree>
       <p:nvGrpSpPr>
@@ -3412,7 +3069,7 @@
             <a:fld id="{D6EB1B4E-27AF-46E3-AC1C-02E606E0D850}" type="datetimeFigureOut">
               <a:rPr kumimoji="1" lang="ja-JP" altLang="en-US" smtClean="0"/>
               <a:pPr/>
-              <a:t>13.7.4</a:t>
+              <a:t>2013/7/5</a:t>
             </a:fld>
             <a:endParaRPr kumimoji="1" lang="ja-JP" altLang="en-US"/>
           </a:p>
@@ -3470,7 +3127,7 @@
 </file>
 
 <file path=ppt/slideLayouts/slideLayout6.xml><?xml version="1.0" encoding="utf-8"?>
-<p:sldLayout xmlns:a="http://schemas.openxmlformats.org/drawingml/2006/main" xmlns:r="http://schemas.openxmlformats.org/officeDocument/2006/relationships" xmlns:mc="http://schemas.openxmlformats.org/markup-compatibility/2006" xmlns:mv="urn:schemas-microsoft-com:mac:vml" xmlns:p="http://schemas.openxmlformats.org/presentationml/2006/main" mc:Ignorable="mv" mc:PreserveAttributes="mv:*" type="titleOnly" preserve="1">
+<p:sldLayout xmlns:a="http://schemas.openxmlformats.org/drawingml/2006/main" xmlns:r="http://schemas.openxmlformats.org/officeDocument/2006/relationships" xmlns:p="http://schemas.openxmlformats.org/presentationml/2006/main" type="titleOnly" preserve="1">
   <p:cSld name="タイトルのみ">
     <p:spTree>
       <p:nvGrpSpPr>
@@ -3536,7 +3193,7 @@
             <a:fld id="{D6EB1B4E-27AF-46E3-AC1C-02E606E0D850}" type="datetimeFigureOut">
               <a:rPr kumimoji="1" lang="ja-JP" altLang="en-US" smtClean="0"/>
               <a:pPr/>
-              <a:t>13.7.4</a:t>
+              <a:t>2013/7/5</a:t>
             </a:fld>
             <a:endParaRPr kumimoji="1" lang="ja-JP" altLang="en-US"/>
           </a:p>
@@ -3594,7 +3251,7 @@
 </file>
 
 <file path=ppt/slideLayouts/slideLayout7.xml><?xml version="1.0" encoding="utf-8"?>
-<p:sldLayout xmlns:a="http://schemas.openxmlformats.org/drawingml/2006/main" xmlns:r="http://schemas.openxmlformats.org/officeDocument/2006/relationships" xmlns:mc="http://schemas.openxmlformats.org/markup-compatibility/2006" xmlns:mv="urn:schemas-microsoft-com:mac:vml" xmlns:p="http://schemas.openxmlformats.org/presentationml/2006/main" mc:Ignorable="mv" mc:PreserveAttributes="mv:*" type="blank" preserve="1">
+<p:sldLayout xmlns:a="http://schemas.openxmlformats.org/drawingml/2006/main" xmlns:r="http://schemas.openxmlformats.org/officeDocument/2006/relationships" xmlns:p="http://schemas.openxmlformats.org/presentationml/2006/main" type="blank" preserve="1">
   <p:cSld name="白紙">
     <p:spTree>
       <p:nvGrpSpPr>
@@ -3628,7 +3285,7 @@
             <a:fld id="{D6EB1B4E-27AF-46E3-AC1C-02E606E0D850}" type="datetimeFigureOut">
               <a:rPr kumimoji="1" lang="ja-JP" altLang="en-US" smtClean="0"/>
               <a:pPr/>
-              <a:t>13.7.4</a:t>
+              <a:t>2013/7/5</a:t>
             </a:fld>
             <a:endParaRPr kumimoji="1" lang="ja-JP" altLang="en-US"/>
           </a:p>
@@ -3686,7 +3343,7 @@
 </file>
 
 <file path=ppt/slideLayouts/slideLayout8.xml><?xml version="1.0" encoding="utf-8"?>
-<p:sldLayout xmlns:a="http://schemas.openxmlformats.org/drawingml/2006/main" xmlns:r="http://schemas.openxmlformats.org/officeDocument/2006/relationships" xmlns:mc="http://schemas.openxmlformats.org/markup-compatibility/2006" xmlns:mv="urn:schemas-microsoft-com:mac:vml" xmlns:p="http://schemas.openxmlformats.org/presentationml/2006/main" mc:Ignorable="mv" mc:PreserveAttributes="mv:*" type="objTx" preserve="1">
+<p:sldLayout xmlns:a="http://schemas.openxmlformats.org/drawingml/2006/main" xmlns:r="http://schemas.openxmlformats.org/officeDocument/2006/relationships" xmlns:p="http://schemas.openxmlformats.org/presentationml/2006/main" type="objTx" preserve="1">
   <p:cSld name="タイトル付きの&#10;コンテンツ">
     <p:spTree>
       <p:nvGrpSpPr>
@@ -3911,7 +3568,7 @@
             <a:fld id="{D6EB1B4E-27AF-46E3-AC1C-02E606E0D850}" type="datetimeFigureOut">
               <a:rPr kumimoji="1" lang="ja-JP" altLang="en-US" smtClean="0"/>
               <a:pPr/>
-              <a:t>13.7.4</a:t>
+              <a:t>2013/7/5</a:t>
             </a:fld>
             <a:endParaRPr kumimoji="1" lang="ja-JP" altLang="en-US"/>
           </a:p>
@@ -3974,7 +3631,7 @@
 </file>
 
 <file path=ppt/slideLayouts/slideLayout9.xml><?xml version="1.0" encoding="utf-8"?>
-<p:sldLayout xmlns:a="http://schemas.openxmlformats.org/drawingml/2006/main" xmlns:r="http://schemas.openxmlformats.org/officeDocument/2006/relationships" xmlns:mc="http://schemas.openxmlformats.org/markup-compatibility/2006" xmlns:mv="urn:schemas-microsoft-com:mac:vml" xmlns:p="http://schemas.openxmlformats.org/presentationml/2006/main" mc:Ignorable="mv" mc:PreserveAttributes="mv:*" showMasterSp="0" type="picTx" preserve="1">
+<p:sldLayout xmlns:a="http://schemas.openxmlformats.org/drawingml/2006/main" xmlns:r="http://schemas.openxmlformats.org/officeDocument/2006/relationships" xmlns:p="http://schemas.openxmlformats.org/presentationml/2006/main" showMasterSp="0" type="picTx" preserve="1">
   <p:cSld name="タイトル付きの図">
     <p:spTree>
       <p:nvGrpSpPr>
@@ -4172,7 +3829,7 @@
             <a:fld id="{D6EB1B4E-27AF-46E3-AC1C-02E606E0D850}" type="datetimeFigureOut">
               <a:rPr kumimoji="1" lang="ja-JP" altLang="en-US" smtClean="0"/>
               <a:pPr/>
-              <a:t>13.7.4</a:t>
+              <a:t>2013/7/5</a:t>
             </a:fld>
             <a:endParaRPr kumimoji="1" lang="ja-JP" altLang="en-US"/>
           </a:p>
@@ -4230,7 +3887,7 @@
 </file>
 
 <file path=ppt/slideMasters/slideMaster1.xml><?xml version="1.0" encoding="utf-8"?>
-<p:sldMaster xmlns:a="http://schemas.openxmlformats.org/drawingml/2006/main" xmlns:r="http://schemas.openxmlformats.org/officeDocument/2006/relationships" xmlns:mc="http://schemas.openxmlformats.org/markup-compatibility/2006" xmlns:mv="urn:schemas-microsoft-com:mac:vml" xmlns:p="http://schemas.openxmlformats.org/presentationml/2006/main" mc:Ignorable="mv" mc:PreserveAttributes="mv:*">
+<p:sldMaster xmlns:a="http://schemas.openxmlformats.org/drawingml/2006/main" xmlns:r="http://schemas.openxmlformats.org/officeDocument/2006/relationships" xmlns:p="http://schemas.openxmlformats.org/presentationml/2006/main">
   <p:cSld>
     <p:bg>
       <p:bgRef idx="1001">
@@ -4610,7 +4267,7 @@
             <a:fld id="{D6EB1B4E-27AF-46E3-AC1C-02E606E0D850}" type="datetimeFigureOut">
               <a:rPr kumimoji="1" lang="ja-JP" altLang="en-US" smtClean="0"/>
               <a:pPr/>
-              <a:t>13.7.4</a:t>
+              <a:t>2013/7/5</a:t>
             </a:fld>
             <a:endParaRPr kumimoji="1" lang="ja-JP" altLang="en-US"/>
           </a:p>
@@ -4995,7 +4652,7 @@
 </file>
 
 <file path=ppt/slides/slide1.xml><?xml version="1.0" encoding="utf-8"?>
-<p:sld xmlns:a="http://schemas.openxmlformats.org/drawingml/2006/main" xmlns:r="http://schemas.openxmlformats.org/officeDocument/2006/relationships" xmlns:mc="http://schemas.openxmlformats.org/markup-compatibility/2006" xmlns:mv="urn:schemas-microsoft-com:mac:vml" xmlns:p="http://schemas.openxmlformats.org/presentationml/2006/main" mc:Ignorable="mv" mc:PreserveAttributes="mv:*">
+<p:sld xmlns:a="http://schemas.openxmlformats.org/drawingml/2006/main" xmlns:r="http://schemas.openxmlformats.org/officeDocument/2006/relationships" xmlns:p="http://schemas.openxmlformats.org/presentationml/2006/main">
   <p:cSld>
     <p:spTree>
       <p:nvGrpSpPr>
@@ -5024,36 +4681,154 @@
         <p:spPr>
           <a:xfrm>
             <a:off x="1187624" y="1628800"/>
-            <a:ext cx="6480048" cy="1728192"/>
+            <a:ext cx="6912768" cy="1728192"/>
           </a:xfrm>
+          <a:scene3d>
+            <a:camera prst="orthographicFront"/>
+            <a:lightRig rig="flood" dir="t"/>
+          </a:scene3d>
+          <a:sp3d>
+            <a:bevelT/>
+          </a:sp3d>
         </p:spPr>
         <p:txBody>
           <a:bodyPr>
-            <a:normAutofit/>
+            <a:normAutofit fontScale="90000"/>
+            <a:sp3d extrusionH="57150" prstMaterial="softEdge">
+              <a:bevelT w="38100" h="38100"/>
+            </a:sp3d>
           </a:bodyPr>
           <a:lstStyle/>
           <a:p>
             <a:pPr algn="l"/>
             <a:r>
-              <a:rPr lang="ja-JP" altLang="en-US" sz="6000" dirty="0" smtClean="0"/>
+              <a:rPr lang="ja-JP" altLang="en-US" sz="7200" dirty="0" smtClean="0">
+                <a:ln w="5000" cmpd="sng">
+                  <a:solidFill>
+                    <a:schemeClr val="tx1">
+                      <a:lumMod val="50000"/>
+                    </a:schemeClr>
+                  </a:solidFill>
+                  <a:prstDash val="solid"/>
+                </a:ln>
+                <a:solidFill>
+                  <a:schemeClr val="tx1">
+                    <a:lumMod val="85000"/>
+                  </a:schemeClr>
+                </a:solidFill>
+                <a:effectLst>
+                  <a:outerShdw blurRad="50800" dist="38100" dir="5400000" algn="t" rotWithShape="0">
+                    <a:prstClr val="black">
+                      <a:alpha val="50000"/>
+                    </a:prstClr>
+                  </a:outerShdw>
+                  <a:reflection blurRad="12700" stA="45000" endPos="65000" dist="50800" dir="5400000" sy="-100000" algn="bl" rotWithShape="0"/>
+                </a:effectLst>
+                <a:latin typeface="メイリオ" panose="020B0604030504040204" pitchFamily="50" charset="-128"/>
+                <a:ea typeface="メイリオ" panose="020B0604030504040204" pitchFamily="50" charset="-128"/>
+              </a:rPr>
               <a:t>ソフトウェア制作</a:t>
             </a:r>
             <a:r>
-              <a:rPr lang="en-US" altLang="ja-JP" sz="5400" dirty="0" smtClean="0"/>
+              <a:rPr lang="en-US" altLang="ja-JP" sz="5400" dirty="0" smtClean="0">
+                <a:effectLst>
+                  <a:outerShdw blurRad="50800" dist="38100" dir="5400000" algn="t" rotWithShape="0">
+                    <a:prstClr val="black">
+                      <a:alpha val="50000"/>
+                    </a:prstClr>
+                  </a:outerShdw>
+                  <a:reflection blurRad="12700" stA="45000" endPos="65000" dist="50800" dir="5400000" sy="-100000" algn="bl" rotWithShape="0"/>
+                </a:effectLst>
+              </a:rPr>
               <a:t/>
             </a:r>
             <a:br>
-              <a:rPr lang="en-US" altLang="ja-JP" sz="5400" dirty="0" smtClean="0"/>
+              <a:rPr lang="en-US" altLang="ja-JP" sz="5400" dirty="0" smtClean="0">
+                <a:effectLst>
+                  <a:outerShdw blurRad="50800" dist="38100" dir="5400000" algn="t" rotWithShape="0">
+                    <a:prstClr val="black">
+                      <a:alpha val="50000"/>
+                    </a:prstClr>
+                  </a:outerShdw>
+                  <a:reflection blurRad="12700" stA="45000" endPos="65000" dist="50800" dir="5400000" sy="-100000" algn="bl" rotWithShape="0"/>
+                </a:effectLst>
+              </a:rPr>
             </a:br>
             <a:r>
-              <a:rPr lang="ja-JP" altLang="en-US" sz="2800" dirty="0" smtClean="0"/>
+              <a:rPr lang="ja-JP" altLang="en-US" sz="3600" dirty="0" smtClean="0">
+                <a:ln w="5000" cmpd="sng">
+                  <a:solidFill>
+                    <a:schemeClr val="tx1">
+                      <a:lumMod val="50000"/>
+                    </a:schemeClr>
+                  </a:solidFill>
+                  <a:prstDash val="solid"/>
+                </a:ln>
+                <a:solidFill>
+                  <a:schemeClr val="tx1">
+                    <a:lumMod val="85000"/>
+                  </a:schemeClr>
+                </a:solidFill>
+                <a:effectLst>
+                  <a:outerShdw blurRad="50800" dist="38100" dir="5400000" algn="t" rotWithShape="0">
+                    <a:prstClr val="black">
+                      <a:alpha val="50000"/>
+                    </a:prstClr>
+                  </a:outerShdw>
+                  <a:reflection blurRad="12700" stA="45000" endPos="65000" dist="50800" dir="5400000" sy="-100000" algn="bl" rotWithShape="0"/>
+                </a:effectLst>
+              </a:rPr>
               <a:t>情報理工学実験</a:t>
             </a:r>
             <a:r>
-              <a:rPr lang="en-US" altLang="ja-JP" sz="2800" dirty="0" smtClean="0"/>
+              <a:rPr lang="en-US" altLang="ja-JP" sz="3600" dirty="0" smtClean="0">
+                <a:ln w="5000" cmpd="sng">
+                  <a:solidFill>
+                    <a:schemeClr val="tx1">
+                      <a:lumMod val="50000"/>
+                    </a:schemeClr>
+                  </a:solidFill>
+                  <a:prstDash val="solid"/>
+                </a:ln>
+                <a:solidFill>
+                  <a:schemeClr val="tx1">
+                    <a:lumMod val="85000"/>
+                  </a:schemeClr>
+                </a:solidFill>
+                <a:effectLst>
+                  <a:outerShdw blurRad="50800" dist="38100" dir="5400000" algn="t" rotWithShape="0">
+                    <a:prstClr val="black">
+                      <a:alpha val="50000"/>
+                    </a:prstClr>
+                  </a:outerShdw>
+                  <a:reflection blurRad="12700" stA="45000" endPos="65000" dist="50800" dir="5400000" sy="-100000" algn="bl" rotWithShape="0"/>
+                </a:effectLst>
+              </a:rPr>
               <a:t>B</a:t>
             </a:r>
-            <a:endParaRPr kumimoji="1" lang="ja-JP" altLang="en-US" sz="2800" dirty="0"/>
+            <a:endParaRPr kumimoji="1" lang="ja-JP" altLang="en-US" sz="3600" dirty="0">
+              <a:ln w="5000" cmpd="sng">
+                <a:solidFill>
+                  <a:schemeClr val="tx1">
+                    <a:lumMod val="50000"/>
+                  </a:schemeClr>
+                </a:solidFill>
+                <a:prstDash val="solid"/>
+              </a:ln>
+              <a:solidFill>
+                <a:schemeClr val="tx1">
+                  <a:lumMod val="85000"/>
+                </a:schemeClr>
+              </a:solidFill>
+              <a:effectLst>
+                <a:outerShdw blurRad="50800" dist="38100" dir="5400000" algn="t" rotWithShape="0">
+                  <a:prstClr val="black">
+                    <a:alpha val="50000"/>
+                  </a:prstClr>
+                </a:outerShdw>
+                <a:reflection blurRad="12700" stA="45000" endPos="65000" dist="50800" dir="5400000" sy="-100000" algn="bl" rotWithShape="0"/>
+              </a:effectLst>
+            </a:endParaRPr>
           </a:p>
         </p:txBody>
       </p:sp>
@@ -5066,7 +4841,7 @@
         <p:spPr>
           <a:xfrm>
             <a:off x="4283968" y="4077072"/>
-            <a:ext cx="3384376" cy="1477328"/>
+            <a:ext cx="3384376" cy="1938992"/>
           </a:xfrm>
           <a:prstGeom prst="rect">
             <a:avLst/>
@@ -5080,14 +4855,22 @@
           <a:lstStyle/>
           <a:p>
             <a:r>
-              <a:rPr lang="ja-JP" altLang="en-US" dirty="0" smtClean="0">
+              <a:rPr lang="en-US" altLang="ja-JP" sz="2400" smtClean="0">
                 <a:solidFill>
                   <a:prstClr val="white"/>
                 </a:solidFill>
               </a:rPr>
-              <a:t>班員</a:t>
-            </a:r>
-            <a:endParaRPr lang="en-US" altLang="ja-JP" dirty="0" smtClean="0">
+              <a:t>B7-2</a:t>
+            </a:r>
+            <a:r>
+              <a:rPr lang="ja-JP" altLang="en-US" sz="2400" smtClean="0">
+                <a:solidFill>
+                  <a:prstClr val="white"/>
+                </a:solidFill>
+              </a:rPr>
+              <a:t>班</a:t>
+            </a:r>
+            <a:endParaRPr lang="en-US" altLang="ja-JP" sz="2400" dirty="0" smtClean="0">
               <a:solidFill>
                 <a:prstClr val="white"/>
               </a:solidFill>
@@ -5095,14 +4878,14 @@
           </a:p>
           <a:p>
             <a:r>
-              <a:rPr lang="ja-JP" altLang="en-US" dirty="0" smtClean="0">
+              <a:rPr lang="ja-JP" altLang="en-US" sz="2400" dirty="0" smtClean="0">
                 <a:solidFill>
                   <a:prstClr val="white"/>
                 </a:solidFill>
               </a:rPr>
               <a:t>・丸岡　晃</a:t>
             </a:r>
-            <a:endParaRPr lang="en-US" altLang="ja-JP" dirty="0" smtClean="0">
+            <a:endParaRPr lang="en-US" altLang="ja-JP" sz="2400" dirty="0" smtClean="0">
               <a:solidFill>
                 <a:prstClr val="white"/>
               </a:solidFill>
@@ -5110,14 +4893,14 @@
           </a:p>
           <a:p>
             <a:r>
-              <a:rPr lang="ja-JP" altLang="en-US" dirty="0" smtClean="0">
+              <a:rPr lang="ja-JP" altLang="en-US" sz="2400" dirty="0" smtClean="0">
                 <a:solidFill>
                   <a:prstClr val="white"/>
                 </a:solidFill>
               </a:rPr>
               <a:t>・室田　豊</a:t>
             </a:r>
-            <a:endParaRPr lang="en-US" altLang="ja-JP" dirty="0" smtClean="0">
+            <a:endParaRPr lang="en-US" altLang="ja-JP" sz="2400" dirty="0" smtClean="0">
               <a:solidFill>
                 <a:prstClr val="white"/>
               </a:solidFill>
@@ -5125,14 +4908,14 @@
           </a:p>
           <a:p>
             <a:r>
-              <a:rPr lang="ja-JP" altLang="en-US" dirty="0" smtClean="0">
+              <a:rPr lang="ja-JP" altLang="en-US" sz="2400" dirty="0" smtClean="0">
                 <a:solidFill>
                   <a:prstClr val="white"/>
                 </a:solidFill>
               </a:rPr>
               <a:t>・横倉　広夢</a:t>
             </a:r>
-            <a:endParaRPr lang="en-US" altLang="ja-JP" dirty="0" smtClean="0">
+            <a:endParaRPr lang="en-US" altLang="ja-JP" sz="2400" dirty="0" smtClean="0">
               <a:solidFill>
                 <a:prstClr val="white"/>
               </a:solidFill>
@@ -5140,14 +4923,14 @@
           </a:p>
           <a:p>
             <a:r>
-              <a:rPr lang="ja-JP" altLang="en-US" dirty="0" smtClean="0">
+              <a:rPr lang="ja-JP" altLang="en-US" sz="2400" dirty="0" smtClean="0">
                 <a:solidFill>
                   <a:prstClr val="white"/>
                 </a:solidFill>
               </a:rPr>
               <a:t>・渡辺　健人</a:t>
             </a:r>
-            <a:endParaRPr lang="en-US" altLang="ja-JP" dirty="0">
+            <a:endParaRPr lang="en-US" altLang="ja-JP" sz="2400" dirty="0">
               <a:solidFill>
                 <a:prstClr val="white"/>
               </a:solidFill>
@@ -5158,118 +4941,7 @@
     </p:spTree>
     <p:extLst>
       <p:ext uri="{BB962C8B-B14F-4D97-AF65-F5344CB8AC3E}">
-        <p14:creationId xmlns:p14="http://schemas.microsoft.com/office/powerpoint/2010/main" xmlns:p="http://schemas.openxmlformats.org/presentationml/2006/main" xmlns:r="http://schemas.openxmlformats.org/officeDocument/2006/relationships" xmlns:a="http://schemas.openxmlformats.org/drawingml/2006/main" xmlns="" val="1642438883"/>
-      </p:ext>
-    </p:extLst>
-  </p:cSld>
-  <p:clrMapOvr>
-    <a:masterClrMapping/>
-  </p:clrMapOvr>
-  <p:timing>
-    <p:tnLst>
-      <p:par>
-        <p:cTn id="1" dur="indefinite" restart="never" nodeType="tmRoot"/>
-      </p:par>
-    </p:tnLst>
-  </p:timing>
-</p:sld>
-</file>
-
-<file path=ppt/slides/slide10.xml><?xml version="1.0" encoding="utf-8"?>
-<p:sld xmlns:a="http://schemas.openxmlformats.org/drawingml/2006/main" xmlns:r="http://schemas.openxmlformats.org/officeDocument/2006/relationships" xmlns:mc="http://schemas.openxmlformats.org/markup-compatibility/2006" xmlns:mv="urn:schemas-microsoft-com:mac:vml" xmlns:p="http://schemas.openxmlformats.org/presentationml/2006/main" mc:Ignorable="mv" mc:PreserveAttributes="mv:*">
-  <p:cSld>
-    <p:spTree>
-      <p:nvGrpSpPr>
-        <p:cNvPr id="1" name=""/>
-        <p:cNvGrpSpPr/>
-        <p:nvPr/>
-      </p:nvGrpSpPr>
-      <p:grpSpPr>
-        <a:xfrm>
-          <a:off x="0" y="0"/>
-          <a:ext cx="0" cy="0"/>
-          <a:chOff x="0" y="0"/>
-          <a:chExt cx="0" cy="0"/>
-        </a:xfrm>
-      </p:grpSpPr>
-      <p:sp>
-        <p:nvSpPr>
-          <p:cNvPr id="2" name="タイトル 1"/>
-          <p:cNvSpPr>
-            <a:spLocks noGrp="1"/>
-          </p:cNvSpPr>
-          <p:nvPr>
-            <p:ph type="title"/>
-          </p:nvPr>
-        </p:nvSpPr>
-        <p:spPr/>
-        <p:txBody>
-          <a:bodyPr/>
-          <a:lstStyle/>
-          <a:p>
-            <a:r>
-              <a:rPr kumimoji="1" lang="ja-JP" altLang="en-US" dirty="0" smtClean="0"/>
-              <a:t>終わりに</a:t>
-            </a:r>
-            <a:endParaRPr kumimoji="1" lang="ja-JP" altLang="en-US" dirty="0"/>
-          </a:p>
-        </p:txBody>
-      </p:sp>
-      <p:sp>
-        <p:nvSpPr>
-          <p:cNvPr id="3" name="コンテンツ プレースホルダー 2"/>
-          <p:cNvSpPr>
-            <a:spLocks noGrp="1"/>
-          </p:cNvSpPr>
-          <p:nvPr>
-            <p:ph idx="1"/>
-          </p:nvPr>
-        </p:nvSpPr>
-        <p:spPr/>
-        <p:txBody>
-          <a:bodyPr/>
-          <a:lstStyle/>
-          <a:p>
-            <a:r>
-              <a:rPr lang="ja-JP" altLang="en-US" dirty="0" smtClean="0"/>
-              <a:t>プレイ画面中のキャラクター絵を応用数学科の釜野君に提供して頂きました。</a:t>
-            </a:r>
-            <a:r>
-              <a:rPr lang="en-US" altLang="ja-JP" dirty="0" smtClean="0"/>
-              <a:t>♪♪♪ </a:t>
-            </a:r>
-            <a:r>
-              <a:rPr lang="en-US" altLang="ja-JP" dirty="0" err="1" smtClean="0"/>
-              <a:t>d</a:t>
-            </a:r>
-            <a:r>
-              <a:rPr lang="en-US" altLang="ja-JP" dirty="0" smtClean="0"/>
-              <a:t>(</a:t>
-            </a:r>
-            <a:r>
-              <a:rPr lang="ja-JP" altLang="en-US" dirty="0" smtClean="0"/>
-              <a:t>｀</a:t>
-            </a:r>
-            <a:r>
-              <a:rPr lang="en-US" altLang="ja-JP" dirty="0" err="1" smtClean="0"/>
-              <a:t>Д´)b</a:t>
-            </a:r>
-            <a:r>
-              <a:rPr lang="en-US" altLang="ja-JP" dirty="0" smtClean="0"/>
-              <a:t>♪♪♪</a:t>
-            </a:r>
-            <a:r>
-              <a:rPr lang="ja-JP" altLang="en-US" dirty="0" smtClean="0"/>
-              <a:t>ｻﾝｷｭｰ</a:t>
-            </a:r>
-            <a:endParaRPr kumimoji="1" lang="ja-JP" altLang="en-US" dirty="0"/>
-          </a:p>
-        </p:txBody>
-      </p:sp>
-    </p:spTree>
-    <p:extLst>
-      <p:ext uri="{BB962C8B-B14F-4D97-AF65-F5344CB8AC3E}">
-        <p14:creationId xmlns:p14="http://schemas.microsoft.com/office/powerpoint/2010/main" xmlns:p="http://schemas.openxmlformats.org/presentationml/2006/main" xmlns:r="http://schemas.openxmlformats.org/officeDocument/2006/relationships" xmlns:a="http://schemas.openxmlformats.org/drawingml/2006/main" xmlns="" val="1922142013"/>
+        <p14:creationId xmlns:p14="http://schemas.microsoft.com/office/powerpoint/2010/main" val="1642438883"/>
       </p:ext>
     </p:extLst>
   </p:cSld>
@@ -5287,7 +4959,7 @@
 </file>
 
 <file path=ppt/slides/slide2.xml><?xml version="1.0" encoding="utf-8"?>
-<p:sld xmlns:a="http://schemas.openxmlformats.org/drawingml/2006/main" xmlns:r="http://schemas.openxmlformats.org/officeDocument/2006/relationships" xmlns:mc="http://schemas.openxmlformats.org/markup-compatibility/2006" xmlns:mv="urn:schemas-microsoft-com:mac:vml" xmlns:p="http://schemas.openxmlformats.org/presentationml/2006/main" mc:Ignorable="mv" mc:PreserveAttributes="mv:*">
+<p:sld xmlns:a="http://schemas.openxmlformats.org/drawingml/2006/main" xmlns:r="http://schemas.openxmlformats.org/officeDocument/2006/relationships" xmlns:p="http://schemas.openxmlformats.org/presentationml/2006/main">
   <p:cSld>
     <p:spTree>
       <p:nvGrpSpPr>
@@ -5342,61 +5014,36 @@
           <a:lstStyle/>
           <a:p>
             <a:r>
-              <a:rPr kumimoji="1" lang="ja-JP" altLang="en-US" dirty="0" smtClean="0"/>
-              <a:t>課題設定</a:t>
+              <a:rPr lang="ja-JP" altLang="en-US" dirty="0" smtClean="0"/>
+              <a:t>制作物</a:t>
             </a:r>
             <a:endParaRPr kumimoji="1" lang="en-US" altLang="ja-JP" dirty="0" smtClean="0"/>
           </a:p>
           <a:p>
             <a:r>
               <a:rPr lang="ja-JP" altLang="en-US" dirty="0"/>
-              <a:t>役割</a:t>
-            </a:r>
+              <a:t>ルール</a:t>
+            </a:r>
+            <a:endParaRPr lang="en-US" altLang="ja-JP" dirty="0" smtClean="0"/>
+          </a:p>
+          <a:p>
             <a:r>
               <a:rPr lang="ja-JP" altLang="en-US" dirty="0" smtClean="0"/>
-              <a:t>分担</a:t>
+              <a:t>役割分担</a:t>
+            </a:r>
+            <a:endParaRPr kumimoji="1" lang="en-US" altLang="ja-JP" dirty="0" smtClean="0"/>
+          </a:p>
+          <a:p>
+            <a:r>
+              <a:rPr lang="ja-JP" altLang="en-US" dirty="0" smtClean="0"/>
+              <a:t>デモ</a:t>
             </a:r>
             <a:endParaRPr lang="en-US" altLang="ja-JP" dirty="0" smtClean="0"/>
           </a:p>
           <a:p>
             <a:r>
-              <a:rPr kumimoji="1" lang="ja-JP" altLang="en-US" dirty="0" smtClean="0"/>
-              <a:t>開発環境</a:t>
-            </a:r>
-            <a:r>
-              <a:rPr kumimoji="1" lang="en-US" altLang="ja-JP" dirty="0" smtClean="0"/>
-              <a:t> </a:t>
-            </a:r>
-          </a:p>
-          <a:p>
-            <a:r>
               <a:rPr lang="ja-JP" altLang="en-US" dirty="0" smtClean="0"/>
-              <a:t>プログラム概要</a:t>
-            </a:r>
-            <a:endParaRPr lang="en-US" altLang="ja-JP" dirty="0" smtClean="0"/>
-          </a:p>
-          <a:p>
-            <a:r>
-              <a:rPr lang="ja-JP" altLang="en-US" dirty="0" smtClean="0"/>
-              <a:t>プログラム試行</a:t>
-            </a:r>
-            <a:endParaRPr lang="en-US" altLang="ja-JP" dirty="0" smtClean="0"/>
-          </a:p>
-          <a:p>
-            <a:r>
-              <a:rPr lang="ja-JP" altLang="en-US" dirty="0" smtClean="0"/>
-              <a:t>補足</a:t>
-            </a:r>
-            <a:endParaRPr lang="en-US" altLang="ja-JP" dirty="0" smtClean="0"/>
-          </a:p>
-          <a:p>
-            <a:r>
-              <a:rPr lang="ja-JP" altLang="en-US" dirty="0"/>
-              <a:t>終わり</a:t>
-            </a:r>
-            <a:r>
-              <a:rPr lang="ja-JP" altLang="en-US" dirty="0" smtClean="0"/>
-              <a:t>に</a:t>
+              <a:t>反省</a:t>
             </a:r>
             <a:endParaRPr lang="en-US" altLang="ja-JP" dirty="0" smtClean="0"/>
           </a:p>
@@ -5408,7 +5055,7 @@
     </p:spTree>
     <p:extLst>
       <p:ext uri="{BB962C8B-B14F-4D97-AF65-F5344CB8AC3E}">
-        <p14:creationId xmlns:p14="http://schemas.microsoft.com/office/powerpoint/2010/main" xmlns:p="http://schemas.openxmlformats.org/presentationml/2006/main" xmlns:r="http://schemas.openxmlformats.org/officeDocument/2006/relationships" xmlns:a="http://schemas.openxmlformats.org/drawingml/2006/main" xmlns="" val="1454503547"/>
+        <p14:creationId xmlns:p14="http://schemas.microsoft.com/office/powerpoint/2010/main" val="1454503547"/>
       </p:ext>
     </p:extLst>
   </p:cSld>
@@ -5426,7 +5073,7 @@
 </file>
 
 <file path=ppt/slides/slide3.xml><?xml version="1.0" encoding="utf-8"?>
-<p:sld xmlns:a="http://schemas.openxmlformats.org/drawingml/2006/main" xmlns:r="http://schemas.openxmlformats.org/officeDocument/2006/relationships" xmlns:mc="http://schemas.openxmlformats.org/markup-compatibility/2006" xmlns:mv="urn:schemas-microsoft-com:mac:vml" xmlns:p="http://schemas.openxmlformats.org/presentationml/2006/main" mc:Ignorable="mv" mc:PreserveAttributes="mv:*">
+<p:sld xmlns:a="http://schemas.openxmlformats.org/drawingml/2006/main" xmlns:r="http://schemas.openxmlformats.org/officeDocument/2006/relationships" xmlns:p="http://schemas.openxmlformats.org/presentationml/2006/main">
   <p:cSld>
     <p:spTree>
       <p:nvGrpSpPr>
@@ -5459,7 +5106,11 @@
           <a:p>
             <a:r>
               <a:rPr lang="ja-JP" altLang="en-US" dirty="0" smtClean="0"/>
-              <a:t>課題設定</a:t>
+              <a:t>制作</a:t>
+            </a:r>
+            <a:r>
+              <a:rPr lang="ja-JP" altLang="en-US" dirty="0"/>
+              <a:t>物</a:t>
             </a:r>
             <a:endParaRPr kumimoji="1" lang="ja-JP" altLang="en-US" dirty="0"/>
           </a:p>
@@ -5475,77 +5126,39 @@
             <p:ph idx="1"/>
           </p:nvPr>
         </p:nvSpPr>
-        <p:spPr/>
-        <p:txBody>
-          <a:bodyPr/>
-          <a:lstStyle/>
-          <a:p>
-            <a:endParaRPr lang="en-US" altLang="ja-JP" dirty="0" smtClean="0"/>
-          </a:p>
-          <a:p>
-            <a:r>
-              <a:rPr lang="ja-JP" altLang="en-US" dirty="0" smtClean="0"/>
-              <a:t>どの</a:t>
-            </a:r>
-            <a:r>
-              <a:rPr lang="ja-JP" altLang="en-US" dirty="0"/>
-              <a:t>よう</a:t>
-            </a:r>
-            <a:r>
-              <a:rPr lang="ja-JP" altLang="en-US" dirty="0" smtClean="0"/>
-              <a:t>に決定したか</a:t>
-            </a:r>
-            <a:r>
-              <a:rPr lang="ja-JP" altLang="en-US" dirty="0" smtClean="0"/>
-              <a:t>？</a:t>
-            </a:r>
-            <a:endParaRPr lang="en-US" altLang="ja-JP" dirty="0" smtClean="0"/>
-          </a:p>
-          <a:p>
-            <a:pPr lvl="1"/>
-            <a:r>
-              <a:rPr lang="ja-JP" altLang="en-US" dirty="0" smtClean="0"/>
-              <a:t>ソケット通信を利用した複数人で遊べるゲーム・・・</a:t>
-            </a:r>
-            <a:endParaRPr lang="en-US" altLang="ja-JP" dirty="0" smtClean="0"/>
-          </a:p>
-          <a:p>
-            <a:pPr lvl="1"/>
-            <a:r>
-              <a:rPr lang="ja-JP" altLang="en-US" dirty="0" smtClean="0"/>
-              <a:t>なるべく他と被らないように・・・</a:t>
-            </a:r>
-            <a:r>
-              <a:rPr lang="en-US" altLang="ja-JP" dirty="0" smtClean="0"/>
-              <a:t/>
-            </a:r>
-            <a:endParaRPr kumimoji="1" lang="en-US" altLang="ja-JP" dirty="0" smtClean="0"/>
-          </a:p>
-          <a:p>
-            <a:r>
-              <a:rPr lang="ja-JP" altLang="en-US" dirty="0" smtClean="0"/>
-              <a:t>設定した</a:t>
-            </a:r>
-            <a:r>
-              <a:rPr lang="ja-JP" altLang="en-US" dirty="0" smtClean="0"/>
-              <a:t>課題内容</a:t>
-            </a:r>
-            <a:endParaRPr lang="en-US" altLang="ja-JP" dirty="0" smtClean="0"/>
-          </a:p>
-          <a:p>
-            <a:pPr lvl="1"/>
-            <a:r>
-              <a:rPr lang="ja-JP" altLang="en-US" dirty="0" smtClean="0"/>
-              <a:t>「対戦型クイズゲーム」</a:t>
-            </a:r>
-            <a:endParaRPr lang="en-US" altLang="ja-JP" dirty="0" smtClean="0"/>
+        <p:spPr>
+          <a:xfrm>
+            <a:off x="457200" y="1600200"/>
+            <a:ext cx="7931224" cy="4525963"/>
+          </a:xfrm>
+        </p:spPr>
+        <p:txBody>
+          <a:bodyPr>
+            <a:normAutofit/>
+          </a:bodyPr>
+          <a:lstStyle/>
+          <a:p>
+            <a:pPr marL="36576" indent="0" algn="ctr">
+              <a:buNone/>
+            </a:pPr>
+            <a:endParaRPr lang="en-US" altLang="ja-JP" sz="6600" b="1" dirty="0" smtClean="0"/>
+          </a:p>
+          <a:p>
+            <a:pPr marL="36576" indent="0" algn="ctr">
+              <a:buNone/>
+            </a:pPr>
+            <a:r>
+              <a:rPr lang="ja-JP" altLang="en-US" sz="6600" b="1" dirty="0" smtClean="0"/>
+              <a:t>対戦型クイズゲーム</a:t>
+            </a:r>
+            <a:endParaRPr lang="en-US" altLang="ja-JP" sz="6600" b="1" dirty="0" smtClean="0"/>
           </a:p>
         </p:txBody>
       </p:sp>
     </p:spTree>
     <p:extLst>
       <p:ext uri="{BB962C8B-B14F-4D97-AF65-F5344CB8AC3E}">
-        <p14:creationId xmlns:p14="http://schemas.microsoft.com/office/powerpoint/2010/main" xmlns:p="http://schemas.openxmlformats.org/presentationml/2006/main" xmlns:r="http://schemas.openxmlformats.org/officeDocument/2006/relationships" xmlns:a="http://schemas.openxmlformats.org/drawingml/2006/main" xmlns="" val="1249865465"/>
+        <p14:creationId xmlns:p14="http://schemas.microsoft.com/office/powerpoint/2010/main" val="1249865465"/>
       </p:ext>
     </p:extLst>
   </p:cSld>
@@ -5555,7 +5168,91 @@
   <p:timing>
     <p:tnLst>
       <p:par>
-        <p:cTn id="1" dur="indefinite" restart="never" nodeType="tmRoot"/>
+        <p:cTn id="1" dur="indefinite" restart="never" nodeType="tmRoot">
+          <p:childTnLst>
+            <p:seq concurrent="1" nextAc="seek">
+              <p:cTn id="2" dur="indefinite" nodeType="mainSeq">
+                <p:childTnLst>
+                  <p:par>
+                    <p:cTn id="3" fill="hold">
+                      <p:stCondLst>
+                        <p:cond delay="indefinite"/>
+                      </p:stCondLst>
+                      <p:childTnLst>
+                        <p:par>
+                          <p:cTn id="4" fill="hold">
+                            <p:stCondLst>
+                              <p:cond delay="0"/>
+                            </p:stCondLst>
+                            <p:childTnLst>
+                              <p:par>
+                                <p:cTn id="5" presetID="10" presetClass="entr" presetSubtype="0" fill="hold" nodeType="clickEffect">
+                                  <p:stCondLst>
+                                    <p:cond delay="0"/>
+                                  </p:stCondLst>
+                                  <p:childTnLst>
+                                    <p:set>
+                                      <p:cBhvr>
+                                        <p:cTn id="6" dur="1" fill="hold">
+                                          <p:stCondLst>
+                                            <p:cond delay="0"/>
+                                          </p:stCondLst>
+                                        </p:cTn>
+                                        <p:tgtEl>
+                                          <p:spTgt spid="3">
+                                            <p:txEl>
+                                              <p:pRg st="1" end="1"/>
+                                            </p:txEl>
+                                          </p:spTgt>
+                                        </p:tgtEl>
+                                        <p:attrNameLst>
+                                          <p:attrName>style.visibility</p:attrName>
+                                        </p:attrNameLst>
+                                      </p:cBhvr>
+                                      <p:to>
+                                        <p:strVal val="visible"/>
+                                      </p:to>
+                                    </p:set>
+                                    <p:animEffect transition="in" filter="fade">
+                                      <p:cBhvr>
+                                        <p:cTn id="7" dur="500"/>
+                                        <p:tgtEl>
+                                          <p:spTgt spid="3">
+                                            <p:txEl>
+                                              <p:pRg st="1" end="1"/>
+                                            </p:txEl>
+                                          </p:spTgt>
+                                        </p:tgtEl>
+                                      </p:cBhvr>
+                                    </p:animEffect>
+                                  </p:childTnLst>
+                                </p:cTn>
+                              </p:par>
+                            </p:childTnLst>
+                          </p:cTn>
+                        </p:par>
+                      </p:childTnLst>
+                    </p:cTn>
+                  </p:par>
+                </p:childTnLst>
+              </p:cTn>
+              <p:prevCondLst>
+                <p:cond evt="onPrev" delay="0">
+                  <p:tgtEl>
+                    <p:sldTgt/>
+                  </p:tgtEl>
+                </p:cond>
+              </p:prevCondLst>
+              <p:nextCondLst>
+                <p:cond evt="onNext" delay="0">
+                  <p:tgtEl>
+                    <p:sldTgt/>
+                  </p:tgtEl>
+                </p:cond>
+              </p:nextCondLst>
+            </p:seq>
+          </p:childTnLst>
+        </p:cTn>
       </p:par>
     </p:tnLst>
   </p:timing>
@@ -5563,7 +5260,7 @@
 </file>
 
 <file path=ppt/slides/slide4.xml><?xml version="1.0" encoding="utf-8"?>
-<p:sld xmlns:a="http://schemas.openxmlformats.org/drawingml/2006/main" xmlns:r="http://schemas.openxmlformats.org/officeDocument/2006/relationships" xmlns:mc="http://schemas.openxmlformats.org/markup-compatibility/2006" xmlns:mv="urn:schemas-microsoft-com:mac:vml" xmlns:p="http://schemas.openxmlformats.org/presentationml/2006/main" mc:Ignorable="mv" mc:PreserveAttributes="mv:*">
+<p:sld xmlns:a="http://schemas.openxmlformats.org/drawingml/2006/main" xmlns:r="http://schemas.openxmlformats.org/officeDocument/2006/relationships" xmlns:p="http://schemas.openxmlformats.org/presentationml/2006/main">
   <p:cSld>
     <p:spTree>
       <p:nvGrpSpPr>
@@ -5596,7 +5293,7 @@
           <a:p>
             <a:r>
               <a:rPr kumimoji="1" lang="ja-JP" altLang="en-US" dirty="0" smtClean="0"/>
-              <a:t>役割分担</a:t>
+              <a:t>ルール</a:t>
             </a:r>
             <a:endParaRPr kumimoji="1" lang="ja-JP" altLang="en-US" dirty="0"/>
           </a:p>
@@ -5618,46 +5315,135 @@
           <a:lstStyle/>
           <a:p>
             <a:r>
+              <a:rPr kumimoji="1" lang="en-US" altLang="ja-JP" dirty="0" smtClean="0"/>
+              <a:t>HP</a:t>
+            </a:r>
+            <a:r>
               <a:rPr kumimoji="1" lang="ja-JP" altLang="en-US" dirty="0" smtClean="0"/>
-              <a:t>サーバー側</a:t>
-            </a:r>
+              <a:t>制</a:t>
+            </a:r>
+            <a:r>
+              <a:rPr kumimoji="1" lang="en-US" altLang="ja-JP" dirty="0" smtClean="0"/>
+              <a:t>2</a:t>
+            </a:r>
+            <a:r>
+              <a:rPr kumimoji="1" lang="ja-JP" altLang="en-US" dirty="0" smtClean="0"/>
+              <a:t>人用クイズゲーム</a:t>
+            </a:r>
+            <a:endParaRPr kumimoji="1" lang="en-US" altLang="ja-JP" dirty="0" smtClean="0"/>
+          </a:p>
+          <a:p>
+            <a:pPr lvl="1"/>
             <a:r>
               <a:rPr lang="ja-JP" altLang="en-US" dirty="0" smtClean="0"/>
-              <a:t>・・・丸岡</a:t>
+              <a:t>制限</a:t>
+            </a:r>
+            <a:r>
+              <a:rPr lang="ja-JP" altLang="en-US" dirty="0"/>
+              <a:t>時間</a:t>
+            </a:r>
+            <a:r>
+              <a:rPr lang="ja-JP" altLang="en-US" dirty="0" smtClean="0"/>
+              <a:t>は</a:t>
+            </a:r>
+            <a:r>
+              <a:rPr lang="en-US" altLang="ja-JP" dirty="0" smtClean="0"/>
+              <a:t>1</a:t>
+            </a:r>
+            <a:r>
+              <a:rPr lang="ja-JP" altLang="en-US" dirty="0" smtClean="0"/>
+              <a:t>問当たり</a:t>
+            </a:r>
+            <a:r>
+              <a:rPr lang="en-US" altLang="ja-JP" dirty="0" smtClean="0"/>
+              <a:t>10</a:t>
+            </a:r>
+            <a:r>
+              <a:rPr lang="ja-JP" altLang="en-US" dirty="0" smtClean="0"/>
+              <a:t>秒</a:t>
+            </a:r>
+            <a:endParaRPr lang="en-US" altLang="ja-JP" dirty="0"/>
+          </a:p>
+          <a:p>
+            <a:pPr lvl="1"/>
+            <a:r>
+              <a:rPr kumimoji="1" lang="ja-JP" altLang="en-US" dirty="0" smtClean="0"/>
+              <a:t>解答は</a:t>
+            </a:r>
+            <a:r>
+              <a:rPr kumimoji="1" lang="en-US" altLang="ja-JP" dirty="0" smtClean="0"/>
+              <a:t>4</a:t>
+            </a:r>
+            <a:r>
+              <a:rPr kumimoji="1" lang="ja-JP" altLang="en-US" dirty="0" smtClean="0"/>
+              <a:t>択の選択形式</a:t>
             </a:r>
             <a:endParaRPr kumimoji="1" lang="en-US" altLang="ja-JP" dirty="0" smtClean="0"/>
           </a:p>
           <a:p>
+            <a:pPr lvl="1"/>
+            <a:r>
+              <a:rPr kumimoji="1" lang="ja-JP" altLang="en-US" dirty="0" smtClean="0"/>
+              <a:t>正解時に解答時間に応じて相手にダメージ</a:t>
+            </a:r>
+            <a:endParaRPr kumimoji="1" lang="en-US" altLang="ja-JP" dirty="0" smtClean="0"/>
+          </a:p>
+          <a:p>
+            <a:pPr lvl="1"/>
             <a:r>
               <a:rPr lang="ja-JP" altLang="en-US" dirty="0" smtClean="0"/>
-              <a:t>クライアント側・・・渡辺</a:t>
-            </a:r>
+              <a:t>先に相手の</a:t>
+            </a:r>
+            <a:r>
+              <a:rPr lang="en-US" altLang="ja-JP" dirty="0" smtClean="0"/>
+              <a:t>HP</a:t>
+            </a:r>
+            <a:r>
+              <a:rPr lang="ja-JP" altLang="en-US" dirty="0" smtClean="0"/>
+              <a:t>を</a:t>
+            </a:r>
+            <a:r>
+              <a:rPr lang="en-US" altLang="ja-JP" dirty="0" smtClean="0"/>
+              <a:t>0</a:t>
+            </a:r>
+            <a:r>
+              <a:rPr lang="ja-JP" altLang="en-US" dirty="0" smtClean="0"/>
+              <a:t>にした方の</a:t>
+            </a:r>
+            <a:r>
+              <a:rPr lang="ja-JP" altLang="en-US" dirty="0" smtClean="0"/>
+              <a:t>勝ち</a:t>
+            </a:r>
+            <a:r>
+              <a:rPr lang="en-US" altLang="ja-JP" dirty="0" smtClean="0"/>
+              <a:t/>
+            </a:r>
+            <a:br>
+              <a:rPr lang="en-US" altLang="ja-JP" dirty="0" smtClean="0"/>
+            </a:br>
             <a:endParaRPr lang="en-US" altLang="ja-JP" dirty="0" smtClean="0"/>
           </a:p>
           <a:p>
             <a:r>
-              <a:rPr kumimoji="1" lang="en-US" altLang="ja-JP" dirty="0" smtClean="0"/>
-              <a:t>GUI</a:t>
-            </a:r>
-            <a:r>
-              <a:rPr kumimoji="1" lang="ja-JP" altLang="en-US" dirty="0" smtClean="0"/>
-              <a:t>・・・横倉</a:t>
-            </a:r>
-            <a:endParaRPr kumimoji="1" lang="en-US" altLang="ja-JP" dirty="0" smtClean="0"/>
-          </a:p>
-          <a:p>
-            <a:r>
               <a:rPr lang="ja-JP" altLang="en-US" dirty="0" smtClean="0"/>
-              <a:t>データ形式・・・室田</a:t>
-            </a:r>
-            <a:endParaRPr kumimoji="1" lang="ja-JP" altLang="en-US" dirty="0"/>
+              <a:t>情報工学の分野から出題</a:t>
+            </a:r>
+            <a:endParaRPr lang="en-US" altLang="ja-JP" dirty="0" smtClean="0"/>
+          </a:p>
+          <a:p>
+            <a:pPr lvl="1"/>
+            <a:r>
+              <a:rPr lang="ja-JP" altLang="en-US" dirty="0" smtClean="0"/>
+              <a:t>遊びながら勉強ができる！！</a:t>
+            </a:r>
+            <a:endParaRPr lang="en-US" altLang="ja-JP" dirty="0" smtClean="0"/>
           </a:p>
         </p:txBody>
       </p:sp>
     </p:spTree>
     <p:extLst>
       <p:ext uri="{BB962C8B-B14F-4D97-AF65-F5344CB8AC3E}">
-        <p14:creationId xmlns:p14="http://schemas.microsoft.com/office/powerpoint/2010/main" xmlns:p="http://schemas.openxmlformats.org/presentationml/2006/main" xmlns:r="http://schemas.openxmlformats.org/officeDocument/2006/relationships" xmlns:a="http://schemas.openxmlformats.org/drawingml/2006/main" xmlns="" val="4170371339"/>
+        <p14:creationId xmlns:p14="http://schemas.microsoft.com/office/powerpoint/2010/main" val="490788910"/>
       </p:ext>
     </p:extLst>
   </p:cSld>
@@ -5675,7 +5461,7 @@
 </file>
 
 <file path=ppt/slides/slide5.xml><?xml version="1.0" encoding="utf-8"?>
-<p:sld xmlns:a="http://schemas.openxmlformats.org/drawingml/2006/main" xmlns:r="http://schemas.openxmlformats.org/officeDocument/2006/relationships" xmlns:mc="http://schemas.openxmlformats.org/markup-compatibility/2006" xmlns:mv="urn:schemas-microsoft-com:mac:vml" xmlns:p="http://schemas.openxmlformats.org/presentationml/2006/main" mc:Ignorable="mv" mc:PreserveAttributes="mv:*">
+<p:sld xmlns:a="http://schemas.openxmlformats.org/drawingml/2006/main" xmlns:r="http://schemas.openxmlformats.org/officeDocument/2006/relationships" xmlns:p="http://schemas.openxmlformats.org/presentationml/2006/main">
   <p:cSld>
     <p:spTree>
       <p:nvGrpSpPr>
@@ -5707,8 +5493,8 @@
           <a:lstStyle/>
           <a:p>
             <a:r>
-              <a:rPr kumimoji="1" lang="ja-JP" altLang="en-US" dirty="0" smtClean="0"/>
-              <a:t>開発環境</a:t>
+              <a:rPr lang="ja-JP" altLang="en-US" dirty="0" smtClean="0"/>
+              <a:t>役割分担</a:t>
             </a:r>
             <a:endParaRPr kumimoji="1" lang="ja-JP" altLang="en-US" dirty="0"/>
           </a:p>
@@ -5724,13 +5510,197 @@
             <p:ph idx="1"/>
           </p:nvPr>
         </p:nvSpPr>
-        <p:spPr/>
+        <p:spPr>
+          <a:xfrm>
+            <a:off x="457200" y="1417638"/>
+            <a:ext cx="7467600" cy="4963690"/>
+          </a:xfrm>
+        </p:spPr>
         <p:txBody>
           <a:bodyPr>
             <a:normAutofit fontScale="92500" lnSpcReduction="10000"/>
           </a:bodyPr>
           <a:lstStyle/>
           <a:p>
+            <a:r>
+              <a:rPr kumimoji="1" lang="ja-JP" altLang="en-US" dirty="0" smtClean="0"/>
+              <a:t>サーバー</a:t>
+            </a:r>
+            <a:r>
+              <a:rPr kumimoji="1" lang="en-US" altLang="ja-JP" dirty="0" smtClean="0"/>
+              <a:t>:</a:t>
+            </a:r>
+            <a:r>
+              <a:rPr kumimoji="1" lang="ja-JP" altLang="en-US" dirty="0" smtClean="0"/>
+              <a:t>丸岡</a:t>
+            </a:r>
+            <a:endParaRPr kumimoji="1" lang="en-US" altLang="ja-JP" dirty="0" smtClean="0"/>
+          </a:p>
+          <a:p>
+            <a:pPr lvl="1"/>
+            <a:r>
+              <a:rPr kumimoji="1" lang="ja-JP" altLang="en-US" dirty="0" smtClean="0"/>
+              <a:t>ゲームシステム</a:t>
+            </a:r>
+            <a:r>
+              <a:rPr kumimoji="1" lang="en-US" altLang="ja-JP" dirty="0" smtClean="0"/>
+              <a:t>(</a:t>
+            </a:r>
+            <a:r>
+              <a:rPr kumimoji="1" lang="ja-JP" altLang="en-US" dirty="0" smtClean="0"/>
+              <a:t>出題</a:t>
+            </a:r>
+            <a:r>
+              <a:rPr kumimoji="1" lang="en-US" altLang="ja-JP" dirty="0" smtClean="0"/>
+              <a:t>,</a:t>
+            </a:r>
+            <a:r>
+              <a:rPr kumimoji="1" lang="ja-JP" altLang="en-US" dirty="0" smtClean="0"/>
+              <a:t>正誤判定</a:t>
+            </a:r>
+            <a:r>
+              <a:rPr kumimoji="1" lang="en-US" altLang="ja-JP" dirty="0" smtClean="0"/>
+              <a:t>,</a:t>
+            </a:r>
+            <a:r>
+              <a:rPr kumimoji="1" lang="ja-JP" altLang="en-US" dirty="0" smtClean="0"/>
+              <a:t>ダメージ計算</a:t>
+            </a:r>
+            <a:r>
+              <a:rPr kumimoji="1" lang="en-US" altLang="ja-JP" dirty="0" smtClean="0"/>
+              <a:t>)</a:t>
+            </a:r>
+          </a:p>
+          <a:p>
+            <a:pPr lvl="1"/>
+            <a:r>
+              <a:rPr lang="ja-JP" altLang="en-US" dirty="0"/>
+              <a:t>クライアント</a:t>
+            </a:r>
+            <a:r>
+              <a:rPr lang="ja-JP" altLang="en-US" dirty="0" smtClean="0"/>
+              <a:t>との通信部</a:t>
+            </a:r>
+            <a:endParaRPr lang="en-US" altLang="ja-JP" dirty="0" smtClean="0"/>
+          </a:p>
+          <a:p>
+            <a:r>
+              <a:rPr kumimoji="1" lang="ja-JP" altLang="en-US" dirty="0" smtClean="0"/>
+              <a:t>クライアント</a:t>
+            </a:r>
+            <a:r>
+              <a:rPr kumimoji="1" lang="en-US" altLang="ja-JP" dirty="0" smtClean="0"/>
+              <a:t>,</a:t>
+            </a:r>
+            <a:r>
+              <a:rPr kumimoji="1" lang="ja-JP" altLang="en-US" dirty="0" smtClean="0"/>
+              <a:t>問題作成</a:t>
+            </a:r>
+            <a:r>
+              <a:rPr kumimoji="1" lang="en-US" altLang="ja-JP" dirty="0" smtClean="0"/>
+              <a:t>:</a:t>
+            </a:r>
+            <a:r>
+              <a:rPr kumimoji="1" lang="ja-JP" altLang="en-US" dirty="0" smtClean="0"/>
+              <a:t>渡辺</a:t>
+            </a:r>
+            <a:endParaRPr kumimoji="1" lang="en-US" altLang="ja-JP" dirty="0" smtClean="0"/>
+          </a:p>
+          <a:p>
+            <a:pPr lvl="1"/>
+            <a:r>
+              <a:rPr kumimoji="1" lang="ja-JP" altLang="en-US" dirty="0" smtClean="0"/>
+              <a:t>サーバーとの通信部</a:t>
+            </a:r>
+            <a:endParaRPr kumimoji="1" lang="en-US" altLang="ja-JP" dirty="0" smtClean="0"/>
+          </a:p>
+          <a:p>
+            <a:r>
+              <a:rPr kumimoji="1" lang="en-US" altLang="ja-JP" dirty="0" smtClean="0"/>
+              <a:t>GUI:</a:t>
+            </a:r>
+            <a:r>
+              <a:rPr kumimoji="1" lang="ja-JP" altLang="en-US" dirty="0" smtClean="0"/>
+              <a:t>横倉</a:t>
+            </a:r>
+            <a:endParaRPr kumimoji="1" lang="en-US" altLang="ja-JP" dirty="0" smtClean="0"/>
+          </a:p>
+          <a:p>
+            <a:pPr lvl="1"/>
+            <a:r>
+              <a:rPr kumimoji="1" lang="ja-JP" altLang="en-US" dirty="0" smtClean="0"/>
+              <a:t>解答</a:t>
+            </a:r>
+            <a:r>
+              <a:rPr kumimoji="1" lang="ja-JP" altLang="en-US" dirty="0" smtClean="0"/>
+              <a:t>受付処理</a:t>
+            </a:r>
+            <a:r>
+              <a:rPr kumimoji="1" lang="en-US" altLang="ja-JP" dirty="0" smtClean="0"/>
+              <a:t>,</a:t>
+            </a:r>
+            <a:r>
+              <a:rPr kumimoji="1" lang="ja-JP" altLang="en-US" dirty="0" smtClean="0"/>
+              <a:t>その他</a:t>
+            </a:r>
+            <a:r>
+              <a:rPr kumimoji="1" lang="en-US" altLang="ja-JP" dirty="0" smtClean="0"/>
+              <a:t>GUI</a:t>
+            </a:r>
+            <a:r>
+              <a:rPr kumimoji="1" lang="ja-JP" altLang="en-US" dirty="0" smtClean="0"/>
+              <a:t>・</a:t>
+            </a:r>
+            <a:r>
+              <a:rPr kumimoji="1" lang="en-US" altLang="ja-JP" dirty="0" smtClean="0"/>
+              <a:t>SE</a:t>
+            </a:r>
+            <a:r>
+              <a:rPr kumimoji="1" lang="ja-JP" altLang="en-US" dirty="0" smtClean="0"/>
+              <a:t>関連全般</a:t>
+            </a:r>
+            <a:endParaRPr kumimoji="1" lang="en-US" altLang="ja-JP" dirty="0" smtClean="0"/>
+          </a:p>
+          <a:p>
+            <a:r>
+              <a:rPr lang="ja-JP" altLang="en-US" dirty="0" smtClean="0"/>
+              <a:t>データ関連</a:t>
+            </a:r>
+            <a:r>
+              <a:rPr lang="en-US" altLang="ja-JP" dirty="0" smtClean="0"/>
+              <a:t>:</a:t>
+            </a:r>
+            <a:r>
+              <a:rPr lang="ja-JP" altLang="en-US" dirty="0" smtClean="0"/>
+              <a:t>室田</a:t>
+            </a:r>
+            <a:endParaRPr lang="en-US" altLang="ja-JP" dirty="0" smtClean="0"/>
+          </a:p>
+          <a:p>
+            <a:pPr lvl="1"/>
+            <a:r>
+              <a:rPr kumimoji="1" lang="ja-JP" altLang="en-US" dirty="0" smtClean="0"/>
+              <a:t>扱うデータの定義</a:t>
+            </a:r>
+            <a:r>
+              <a:rPr kumimoji="1" lang="en-US" altLang="ja-JP" dirty="0" smtClean="0"/>
+              <a:t>,</a:t>
+            </a:r>
+            <a:r>
+              <a:rPr kumimoji="1" lang="ja-JP" altLang="en-US" dirty="0" smtClean="0"/>
+              <a:t>データ</a:t>
+            </a:r>
+            <a:r>
+              <a:rPr lang="ja-JP" altLang="en-US" dirty="0" smtClean="0"/>
+              <a:t>送受信部</a:t>
+            </a:r>
+            <a:r>
+              <a:rPr lang="en-US" altLang="ja-JP" dirty="0" smtClean="0"/>
+              <a:t/>
+            </a:r>
+            <a:br>
+              <a:rPr lang="en-US" altLang="ja-JP" dirty="0" smtClean="0"/>
+            </a:br>
             <a:endParaRPr kumimoji="1" lang="en-US" altLang="ja-JP" dirty="0" smtClean="0"/>
           </a:p>
           <a:p>
@@ -5754,64 +5724,11 @@
           </a:p>
           <a:p>
             <a:endParaRPr lang="en-US" altLang="ja-JP" dirty="0" smtClean="0"/>
-          </a:p>
-          <a:p>
-            <a:r>
-              <a:rPr lang="en-US" altLang="ja-JP" dirty="0" err="1" smtClean="0"/>
-              <a:t>Github</a:t>
-            </a:r>
-            <a:r>
-              <a:rPr lang="ja-JP" altLang="en-US" dirty="0" smtClean="0"/>
-              <a:t>とは</a:t>
-            </a:r>
-            <a:r>
-              <a:rPr lang="ja-JP" altLang="en-US" dirty="0" smtClean="0"/>
-              <a:t>？</a:t>
-            </a:r>
-            <a:endParaRPr lang="en-US" altLang="ja-JP" dirty="0" smtClean="0"/>
-          </a:p>
-          <a:p>
-            <a:pPr lvl="1"/>
-            <a:r>
-              <a:rPr kumimoji="1" lang="ja-JP" altLang="en-US" dirty="0" smtClean="0"/>
-              <a:t>ソフトウェア開発プロジェクトのための共有ウェブサービス</a:t>
-            </a:r>
-            <a:endParaRPr kumimoji="1" lang="en-US" altLang="ja-JP" dirty="0" smtClean="0"/>
-          </a:p>
-          <a:p>
-            <a:pPr lvl="1"/>
-            <a:r>
-              <a:rPr lang="en-US" altLang="ja-JP" dirty="0" err="1" smtClean="0"/>
-              <a:t>Git</a:t>
-            </a:r>
-            <a:r>
-              <a:rPr lang="ja-JP" altLang="en-US" dirty="0" smtClean="0"/>
-              <a:t>を使用してバージョン管理</a:t>
-            </a:r>
-            <a:endParaRPr lang="en-US" altLang="ja-JP" dirty="0" smtClean="0"/>
-          </a:p>
-          <a:p>
-            <a:pPr lvl="1"/>
-            <a:r>
-              <a:rPr kumimoji="1" lang="ja-JP" altLang="en-US" dirty="0" smtClean="0"/>
-              <a:t>複数人でソースコードを共有して開発可能</a:t>
-            </a:r>
-            <a:endParaRPr kumimoji="1" lang="en-US" altLang="ja-JP" dirty="0" smtClean="0"/>
           </a:p>
           <a:p>
             <a:pPr marL="36576" indent="0">
               <a:buNone/>
             </a:pPr>
-            <a:endParaRPr kumimoji="1" lang="en-US" altLang="ja-JP" dirty="0" smtClean="0"/>
-          </a:p>
-          <a:p>
-            <a:pPr marL="36576" indent="0">
-              <a:buNone/>
-            </a:pPr>
-            <a:r>
-              <a:rPr lang="ja-JP" altLang="en-US" dirty="0" smtClean="0"/>
-              <a:t>　</a:t>
-            </a:r>
             <a:endParaRPr kumimoji="1" lang="ja-JP" altLang="en-US" dirty="0"/>
           </a:p>
         </p:txBody>
@@ -5819,7 +5736,7 @@
     </p:spTree>
     <p:extLst>
       <p:ext uri="{BB962C8B-B14F-4D97-AF65-F5344CB8AC3E}">
-        <p14:creationId xmlns:p14="http://schemas.microsoft.com/office/powerpoint/2010/main" xmlns:p="http://schemas.openxmlformats.org/presentationml/2006/main" xmlns:r="http://schemas.openxmlformats.org/officeDocument/2006/relationships" xmlns:a="http://schemas.openxmlformats.org/drawingml/2006/main" xmlns="" val="34401730"/>
+        <p14:creationId xmlns:p14="http://schemas.microsoft.com/office/powerpoint/2010/main" val="34401730"/>
       </p:ext>
     </p:extLst>
   </p:cSld>
@@ -5837,7 +5754,7 @@
 </file>
 
 <file path=ppt/slides/slide6.xml><?xml version="1.0" encoding="utf-8"?>
-<p:sld xmlns:a="http://schemas.openxmlformats.org/drawingml/2006/main" xmlns:r="http://schemas.openxmlformats.org/officeDocument/2006/relationships" xmlns:mc="http://schemas.openxmlformats.org/markup-compatibility/2006" xmlns:mv="urn:schemas-microsoft-com:mac:vml" xmlns:p="http://schemas.openxmlformats.org/presentationml/2006/main" mc:Ignorable="mv" mc:PreserveAttributes="mv:*">
+<p:sld xmlns:a="http://schemas.openxmlformats.org/drawingml/2006/main" xmlns:r="http://schemas.openxmlformats.org/officeDocument/2006/relationships" xmlns:p="http://schemas.openxmlformats.org/presentationml/2006/main">
   <p:cSld>
     <p:spTree>
       <p:nvGrpSpPr>
@@ -5870,169 +5787,49 @@
           <a:p>
             <a:r>
               <a:rPr kumimoji="1" lang="ja-JP" altLang="en-US" dirty="0" smtClean="0"/>
-              <a:t>プログラム</a:t>
-            </a:r>
+              <a:t>デモ</a:t>
+            </a:r>
+            <a:endParaRPr kumimoji="1" lang="ja-JP" altLang="en-US" dirty="0"/>
+          </a:p>
+        </p:txBody>
+      </p:sp>
+      <p:sp>
+        <p:nvSpPr>
+          <p:cNvPr id="3" name="コンテンツ プレースホルダー 2"/>
+          <p:cNvSpPr>
+            <a:spLocks noGrp="1"/>
+          </p:cNvSpPr>
+          <p:nvPr>
+            <p:ph idx="1"/>
+          </p:nvPr>
+        </p:nvSpPr>
+        <p:spPr/>
+        <p:txBody>
+          <a:bodyPr/>
+          <a:lstStyle/>
+          <a:p>
+            <a:r>
+              <a:rPr lang="ja-JP" altLang="en-US" dirty="0" smtClean="0"/>
+              <a:t>では実際にやってみましょう！</a:t>
+            </a:r>
+            <a:endParaRPr lang="en-US" altLang="ja-JP" dirty="0" smtClean="0"/>
+          </a:p>
+          <a:p>
+            <a:endParaRPr kumimoji="1" lang="en-US" altLang="ja-JP" dirty="0"/>
+          </a:p>
+          <a:p>
             <a:r>
               <a:rPr kumimoji="1" lang="ja-JP" altLang="en-US" dirty="0" smtClean="0"/>
-              <a:t>概要</a:t>
-            </a:r>
-            <a:r>
-              <a:rPr kumimoji="1" lang="ja-JP" altLang="en-US" dirty="0" smtClean="0"/>
-              <a:t>（</a:t>
-            </a:r>
-            <a:r>
-              <a:rPr kumimoji="1" lang="en-US" altLang="ja-JP" dirty="0" smtClean="0"/>
-              <a:t>1</a:t>
-            </a:r>
-            <a:r>
-              <a:rPr kumimoji="1" lang="ja-JP" altLang="en-US" dirty="0" smtClean="0"/>
-              <a:t>）</a:t>
+              <a:t>オーディエンスからプレイヤー募集！</a:t>
             </a:r>
             <a:endParaRPr kumimoji="1" lang="ja-JP" altLang="en-US" dirty="0"/>
-          </a:p>
-        </p:txBody>
-      </p:sp>
-      <p:sp>
-        <p:nvSpPr>
-          <p:cNvPr id="3" name="コンテンツ プレースホルダー 2"/>
-          <p:cNvSpPr>
-            <a:spLocks noGrp="1"/>
-          </p:cNvSpPr>
-          <p:nvPr>
-            <p:ph idx="1"/>
-          </p:nvPr>
-        </p:nvSpPr>
-        <p:spPr/>
-        <p:txBody>
-          <a:bodyPr>
-            <a:normAutofit fontScale="92500" lnSpcReduction="10000"/>
-          </a:bodyPr>
-          <a:lstStyle/>
-          <a:p>
-            <a:r>
-              <a:rPr kumimoji="1" lang="ja-JP" altLang="en-US" dirty="0" smtClean="0"/>
-              <a:t>サーバー側</a:t>
-            </a:r>
-            <a:endParaRPr kumimoji="1" lang="en-US" altLang="ja-JP" dirty="0" smtClean="0"/>
-          </a:p>
-          <a:p>
-            <a:pPr lvl="1"/>
-            <a:r>
-              <a:rPr lang="ja-JP" altLang="en-US" dirty="0" smtClean="0"/>
-              <a:t>クライアントからの通信を待ち受ける</a:t>
-            </a:r>
-            <a:endParaRPr lang="en-US" altLang="ja-JP" dirty="0" smtClean="0"/>
-          </a:p>
-          <a:p>
-            <a:pPr lvl="1"/>
-            <a:r>
-              <a:rPr kumimoji="1" lang="ja-JP" altLang="en-US" dirty="0" smtClean="0"/>
-              <a:t>ゲームを開始する</a:t>
-            </a:r>
-            <a:endParaRPr kumimoji="1" lang="en-US" altLang="ja-JP" dirty="0" smtClean="0"/>
-          </a:p>
-          <a:p>
-            <a:pPr lvl="2"/>
-            <a:r>
-              <a:rPr lang="ja-JP" altLang="en-US" dirty="0" smtClean="0"/>
-              <a:t>問題を選択する</a:t>
-            </a:r>
-            <a:endParaRPr lang="en-US" altLang="ja-JP" dirty="0" smtClean="0"/>
-          </a:p>
-          <a:p>
-            <a:pPr lvl="2"/>
-            <a:r>
-              <a:rPr kumimoji="1" lang="ja-JP" altLang="en-US" dirty="0" smtClean="0"/>
-              <a:t>問題，選択肢，プレイヤーのステータス，</a:t>
-            </a:r>
-            <a:r>
-              <a:rPr kumimoji="1" lang="en-US" altLang="ja-JP" dirty="0" smtClean="0"/>
-              <a:t>HP</a:t>
-            </a:r>
-            <a:r>
-              <a:rPr lang="ja-JP" altLang="en-US" dirty="0" smtClean="0"/>
-              <a:t>のデータをクライアントに送信</a:t>
-            </a:r>
-            <a:endParaRPr lang="en-US" altLang="ja-JP" dirty="0" smtClean="0"/>
-          </a:p>
-          <a:p>
-            <a:pPr lvl="2"/>
-            <a:r>
-              <a:rPr kumimoji="1" lang="ja-JP" altLang="en-US" dirty="0" smtClean="0"/>
-              <a:t>クライアントの解答</a:t>
-            </a:r>
-            <a:r>
-              <a:rPr lang="ja-JP" altLang="en-US" dirty="0" smtClean="0"/>
-              <a:t>を待ち受ける</a:t>
-            </a:r>
-            <a:endParaRPr lang="en-US" altLang="ja-JP" dirty="0" smtClean="0"/>
-          </a:p>
-          <a:p>
-            <a:pPr lvl="2"/>
-            <a:r>
-              <a:rPr lang="ja-JP" altLang="en-US" dirty="0" smtClean="0"/>
-              <a:t>解答の正誤判定をする</a:t>
-            </a:r>
-            <a:endParaRPr lang="en-US" altLang="ja-JP" dirty="0" smtClean="0"/>
-          </a:p>
-          <a:p>
-            <a:pPr lvl="2"/>
-            <a:r>
-              <a:rPr lang="ja-JP" altLang="en-US" dirty="0" smtClean="0"/>
-              <a:t>プレイヤーの</a:t>
-            </a:r>
-            <a:r>
-              <a:rPr lang="en-US" altLang="ja-JP" dirty="0" smtClean="0"/>
-              <a:t>HP</a:t>
-            </a:r>
-            <a:r>
-              <a:rPr lang="ja-JP" altLang="en-US" dirty="0" smtClean="0"/>
-              <a:t>を計算する</a:t>
-            </a:r>
-            <a:endParaRPr lang="en-US" altLang="ja-JP" dirty="0" smtClean="0"/>
-          </a:p>
-          <a:p>
-            <a:pPr lvl="2"/>
-            <a:r>
-              <a:rPr kumimoji="1" lang="ja-JP" altLang="en-US" dirty="0" smtClean="0"/>
-              <a:t>以上とプレイヤーの</a:t>
-            </a:r>
-            <a:r>
-              <a:rPr kumimoji="1" lang="en-US" altLang="ja-JP" dirty="0" smtClean="0"/>
-              <a:t>HP</a:t>
-            </a:r>
-            <a:r>
-              <a:rPr kumimoji="1" lang="ja-JP" altLang="en-US" dirty="0" smtClean="0"/>
-              <a:t>が</a:t>
-            </a:r>
-            <a:r>
-              <a:rPr kumimoji="1" lang="en-US" altLang="ja-JP" dirty="0" smtClean="0"/>
-              <a:t>0</a:t>
-            </a:r>
-            <a:r>
-              <a:rPr kumimoji="1" lang="ja-JP" altLang="en-US" dirty="0" smtClean="0"/>
-              <a:t>になるまで繰り返す</a:t>
-            </a:r>
-            <a:endParaRPr kumimoji="1" lang="en-US" altLang="ja-JP" dirty="0" smtClean="0"/>
-          </a:p>
-          <a:p>
-            <a:pPr lvl="1"/>
-            <a:r>
-              <a:rPr lang="ja-JP" altLang="en-US" dirty="0" smtClean="0"/>
-              <a:t>ゲームを終了する</a:t>
-            </a:r>
-            <a:endParaRPr kumimoji="1" lang="en-US" altLang="ja-JP" dirty="0" smtClean="0"/>
-          </a:p>
-          <a:p>
-            <a:pPr lvl="2"/>
-            <a:endParaRPr kumimoji="1" lang="en-US" altLang="ja-JP" dirty="0" smtClean="0"/>
           </a:p>
         </p:txBody>
       </p:sp>
     </p:spTree>
     <p:extLst>
       <p:ext uri="{BB962C8B-B14F-4D97-AF65-F5344CB8AC3E}">
-        <p14:creationId xmlns:p14="http://schemas.microsoft.com/office/powerpoint/2010/main" xmlns:p="http://schemas.openxmlformats.org/presentationml/2006/main" xmlns:r="http://schemas.openxmlformats.org/officeDocument/2006/relationships" xmlns:a="http://schemas.openxmlformats.org/drawingml/2006/main" xmlns="" val="1506247886"/>
+        <p14:creationId xmlns:p14="http://schemas.microsoft.com/office/powerpoint/2010/main" val="3034422718"/>
       </p:ext>
     </p:extLst>
   </p:cSld>
@@ -6050,7 +5847,7 @@
 </file>
 
 <file path=ppt/slides/slide7.xml><?xml version="1.0" encoding="utf-8"?>
-<p:sld xmlns:a="http://schemas.openxmlformats.org/drawingml/2006/main" xmlns:r="http://schemas.openxmlformats.org/officeDocument/2006/relationships" xmlns:mc="http://schemas.openxmlformats.org/markup-compatibility/2006" xmlns:mv="urn:schemas-microsoft-com:mac:vml" xmlns:p="http://schemas.openxmlformats.org/presentationml/2006/main" mc:Ignorable="mv" mc:PreserveAttributes="mv:*">
+<p:sld xmlns:a="http://schemas.openxmlformats.org/drawingml/2006/main" xmlns:r="http://schemas.openxmlformats.org/officeDocument/2006/relationships" xmlns:p="http://schemas.openxmlformats.org/presentationml/2006/main">
   <p:cSld>
     <p:spTree>
       <p:nvGrpSpPr>
@@ -6082,69 +5879,113 @@
           <a:lstStyle/>
           <a:p>
             <a:r>
+              <a:rPr lang="ja-JP" altLang="en-US" dirty="0"/>
+              <a:t>反省</a:t>
+            </a:r>
+            <a:endParaRPr kumimoji="1" lang="ja-JP" altLang="en-US" dirty="0"/>
+          </a:p>
+        </p:txBody>
+      </p:sp>
+      <p:sp>
+        <p:nvSpPr>
+          <p:cNvPr id="3" name="コンテンツ プレースホルダー 2"/>
+          <p:cNvSpPr>
+            <a:spLocks noGrp="1"/>
+          </p:cNvSpPr>
+          <p:nvPr>
+            <p:ph idx="1"/>
+          </p:nvPr>
+        </p:nvSpPr>
+        <p:spPr>
+          <a:xfrm>
+            <a:off x="457200" y="1268760"/>
+            <a:ext cx="7467600" cy="5256584"/>
+          </a:xfrm>
+        </p:spPr>
+        <p:txBody>
+          <a:bodyPr>
+            <a:normAutofit fontScale="92500" lnSpcReduction="20000"/>
+          </a:bodyPr>
+          <a:lstStyle/>
+          <a:p>
+            <a:r>
+              <a:rPr kumimoji="1" lang="ja-JP" altLang="en-US" dirty="0" smtClean="0"/>
+              <a:t>開発中に起きた問題点</a:t>
+            </a:r>
+            <a:endParaRPr kumimoji="1" lang="en-US" altLang="ja-JP" dirty="0" smtClean="0"/>
+          </a:p>
+          <a:p>
+            <a:pPr lvl="1"/>
+            <a:r>
               <a:rPr lang="ja-JP" altLang="en-US" dirty="0" smtClean="0"/>
-              <a:t>プログラム概要</a:t>
+              <a:t>問題や選択肢の文字化け</a:t>
+            </a:r>
+            <a:endParaRPr lang="en-US" altLang="ja-JP" dirty="0"/>
+          </a:p>
+          <a:p>
+            <a:pPr lvl="2"/>
+            <a:r>
+              <a:rPr kumimoji="1" lang="ja-JP" altLang="en-US" dirty="0" smtClean="0"/>
+              <a:t>最初に文字コードを統一するべき</a:t>
+            </a:r>
+            <a:endParaRPr kumimoji="1" lang="en-US" altLang="ja-JP" dirty="0" smtClean="0"/>
+          </a:p>
+          <a:p>
+            <a:pPr lvl="1"/>
+            <a:r>
+              <a:rPr kumimoji="1" lang="ja-JP" altLang="en-US" dirty="0" smtClean="0"/>
+              <a:t>テスタブルでなかった</a:t>
+            </a:r>
+            <a:endParaRPr kumimoji="1" lang="en-US" altLang="ja-JP" dirty="0" smtClean="0"/>
+          </a:p>
+          <a:p>
+            <a:pPr lvl="2"/>
+            <a:r>
+              <a:rPr kumimoji="1" lang="ja-JP" altLang="en-US" dirty="0" smtClean="0"/>
+              <a:t>通信を除いての動作確認</a:t>
+            </a:r>
+            <a:endParaRPr kumimoji="1" lang="en-US" altLang="ja-JP" dirty="0" smtClean="0"/>
+          </a:p>
+          <a:p>
+            <a:pPr lvl="2"/>
+            <a:r>
+              <a:rPr kumimoji="1" lang="en-US" altLang="ja-JP" dirty="0" smtClean="0"/>
+              <a:t>GUI</a:t>
+            </a:r>
+            <a:r>
+              <a:rPr kumimoji="1" lang="ja-JP" altLang="en-US" dirty="0" smtClean="0"/>
+              <a:t>を除いての動作確認</a:t>
+            </a:r>
+            <a:endParaRPr lang="en-US" altLang="ja-JP" dirty="0"/>
+          </a:p>
+          <a:p>
+            <a:r>
+              <a:rPr kumimoji="1" lang="ja-JP" altLang="en-US" dirty="0" smtClean="0"/>
+              <a:t>拡張案</a:t>
+            </a:r>
+            <a:endParaRPr kumimoji="1" lang="en-US" altLang="ja-JP" dirty="0" smtClean="0"/>
+          </a:p>
+          <a:p>
+            <a:pPr lvl="1"/>
+            <a:r>
+              <a:rPr lang="en-US" altLang="ja-JP" dirty="0"/>
+              <a:t>3</a:t>
             </a:r>
             <a:r>
               <a:rPr lang="ja-JP" altLang="en-US" dirty="0" smtClean="0"/>
-              <a:t>（</a:t>
-            </a:r>
-            <a:r>
-              <a:rPr lang="en-US" altLang="ja-JP" dirty="0" smtClean="0"/>
-              <a:t>2</a:t>
+              <a:t>人</a:t>
             </a:r>
             <a:r>
               <a:rPr lang="ja-JP" altLang="en-US" dirty="0" smtClean="0"/>
-              <a:t>）</a:t>
-            </a:r>
-            <a:endParaRPr lang="ja-JP" altLang="en-US" dirty="0"/>
-          </a:p>
-        </p:txBody>
-      </p:sp>
-      <p:sp>
-        <p:nvSpPr>
-          <p:cNvPr id="3" name="コンテンツ プレースホルダ 2"/>
-          <p:cNvSpPr>
-            <a:spLocks noGrp="1"/>
-          </p:cNvSpPr>
-          <p:nvPr>
-            <p:ph idx="1"/>
-          </p:nvPr>
-        </p:nvSpPr>
-        <p:spPr/>
-        <p:txBody>
-          <a:bodyPr>
-            <a:normAutofit lnSpcReduction="10000"/>
-          </a:bodyPr>
-          <a:lstStyle/>
-          <a:p>
+              <a:t>以上でのプレイ</a:t>
+            </a:r>
+            <a:endParaRPr lang="en-US" altLang="ja-JP" dirty="0" smtClean="0"/>
+          </a:p>
+          <a:p>
+            <a:pPr lvl="1"/>
             <a:r>
               <a:rPr lang="ja-JP" altLang="en-US" dirty="0" smtClean="0"/>
-              <a:t>クライアント側</a:t>
-            </a:r>
-            <a:endParaRPr lang="en-US" altLang="ja-JP" dirty="0" smtClean="0"/>
-          </a:p>
-          <a:p>
-            <a:pPr lvl="1"/>
-            <a:r>
-              <a:rPr lang="ja-JP" altLang="en-US" dirty="0" smtClean="0"/>
-              <a:t>サーバーへの接続を開始する</a:t>
-            </a:r>
-            <a:endParaRPr lang="en-US" altLang="ja-JP" dirty="0" smtClean="0"/>
-          </a:p>
-          <a:p>
-            <a:pPr lvl="1"/>
-            <a:r>
-              <a:rPr lang="ja-JP" altLang="en-US" dirty="0" smtClean="0"/>
-              <a:t>サーバー側からのデータを待ち受ける</a:t>
-            </a:r>
-            <a:endParaRPr lang="en-US" altLang="ja-JP" dirty="0" smtClean="0"/>
-          </a:p>
-          <a:p>
-            <a:pPr lvl="1"/>
-            <a:r>
-              <a:rPr lang="ja-JP" altLang="en-US" dirty="0" smtClean="0"/>
-              <a:t>データ（問題，選択肢，プレイヤーのステータス，</a:t>
+              <a:t>特殊な</a:t>
             </a:r>
             <a:r>
               <a:rPr lang="en-US" altLang="ja-JP" dirty="0" smtClean="0"/>
@@ -6152,626 +5993,96 @@
             </a:r>
             <a:r>
               <a:rPr lang="ja-JP" altLang="en-US" dirty="0" smtClean="0"/>
-              <a:t>）を</a:t>
+              <a:t>ダメージ</a:t>
+            </a:r>
+            <a:endParaRPr lang="en-US" altLang="ja-JP" dirty="0" smtClean="0"/>
+          </a:p>
+          <a:p>
+            <a:pPr lvl="2"/>
+            <a:r>
+              <a:rPr lang="ja-JP" altLang="en-US" dirty="0"/>
+              <a:t>必殺</a:t>
+            </a:r>
+            <a:r>
+              <a:rPr lang="ja-JP" altLang="en-US" dirty="0" smtClean="0"/>
+              <a:t>技</a:t>
             </a:r>
             <a:r>
               <a:rPr lang="en-US" altLang="ja-JP" dirty="0" smtClean="0"/>
-              <a:t>GUI</a:t>
+              <a:t>,</a:t>
+            </a:r>
+            <a:r>
+              <a:rPr lang="ja-JP" altLang="en-US" dirty="0"/>
+              <a:t> </a:t>
             </a:r>
             <a:r>
               <a:rPr lang="ja-JP" altLang="en-US" dirty="0" smtClean="0"/>
-              <a:t>に流しこむ</a:t>
+              <a:t>クリティカルダメージなど</a:t>
             </a:r>
             <a:endParaRPr lang="en-US" altLang="ja-JP" dirty="0" smtClean="0"/>
           </a:p>
           <a:p>
             <a:pPr lvl="1"/>
             <a:r>
+              <a:rPr lang="ja-JP" altLang="en-US" dirty="0"/>
+              <a:t>出題</a:t>
+            </a:r>
+            <a:r>
+              <a:rPr kumimoji="1" lang="ja-JP" altLang="en-US" dirty="0" smtClean="0"/>
+              <a:t>の</a:t>
+            </a:r>
+            <a:r>
+              <a:rPr kumimoji="1" lang="ja-JP" altLang="en-US" dirty="0" smtClean="0"/>
+              <a:t>ジャンル</a:t>
+            </a:r>
+            <a:r>
+              <a:rPr kumimoji="1" lang="ja-JP" altLang="en-US" dirty="0" smtClean="0"/>
+              <a:t>選択</a:t>
+            </a:r>
+            <a:endParaRPr kumimoji="1" lang="en-US" altLang="ja-JP" dirty="0" smtClean="0"/>
+          </a:p>
+          <a:p>
+            <a:pPr lvl="1"/>
+            <a:r>
               <a:rPr lang="ja-JP" altLang="en-US" dirty="0" smtClean="0"/>
-              <a:t>プレイヤーからの入力を待ち受ける</a:t>
+              <a:t>選択以外の</a:t>
+            </a:r>
+            <a:r>
+              <a:rPr lang="ja-JP" altLang="en-US" dirty="0" smtClean="0"/>
+              <a:t>解答形式</a:t>
             </a:r>
             <a:endParaRPr lang="en-US" altLang="ja-JP" dirty="0" smtClean="0"/>
           </a:p>
           <a:p>
+            <a:pPr lvl="2"/>
+            <a:r>
+              <a:rPr lang="ja-JP" altLang="en-US" dirty="0" smtClean="0"/>
+              <a:t>文字入力での解答</a:t>
+            </a:r>
+            <a:r>
+              <a:rPr lang="en-US" altLang="ja-JP" dirty="0" smtClean="0"/>
+              <a:t>,</a:t>
+            </a:r>
+            <a:r>
+              <a:rPr lang="ja-JP" altLang="en-US" dirty="0" smtClean="0"/>
+              <a:t> 対応付け問題</a:t>
+            </a:r>
+            <a:endParaRPr lang="en-US" altLang="ja-JP" dirty="0" smtClean="0"/>
+          </a:p>
+          <a:p>
             <a:pPr lvl="1"/>
             <a:r>
-              <a:rPr lang="ja-JP" altLang="en-US" dirty="0" smtClean="0"/>
-              <a:t>プレイヤーが選択した選択肢と解答時間をサーバーに送る</a:t>
-            </a:r>
-            <a:endParaRPr lang="en-US" altLang="ja-JP" dirty="0" smtClean="0"/>
-          </a:p>
-          <a:p>
-            <a:pPr lvl="1"/>
-            <a:r>
-              <a:rPr lang="ja-JP" altLang="en-US" dirty="0" smtClean="0"/>
-              <a:t>以上をサーバー側からの終了フラグが来るまで繰り返す</a:t>
-            </a:r>
-            <a:endParaRPr lang="ja-JP" altLang="en-US" dirty="0"/>
-          </a:p>
-        </p:txBody>
-      </p:sp>
-    </p:spTree>
-  </p:cSld>
-  <p:clrMapOvr>
-    <a:masterClrMapping/>
-  </p:clrMapOvr>
-</p:sld>
-</file>
-
-<file path=ppt/slides/slide8.xml><?xml version="1.0" encoding="utf-8"?>
-<p:sld xmlns:a="http://schemas.openxmlformats.org/drawingml/2006/main" xmlns:r="http://schemas.openxmlformats.org/officeDocument/2006/relationships" xmlns:mc="http://schemas.openxmlformats.org/markup-compatibility/2006" xmlns:mv="urn:schemas-microsoft-com:mac:vml" xmlns:p="http://schemas.openxmlformats.org/presentationml/2006/main" mc:Ignorable="mv" mc:PreserveAttributes="mv:*">
-  <p:cSld>
-    <p:spTree>
-      <p:nvGrpSpPr>
-        <p:cNvPr id="1" name=""/>
-        <p:cNvGrpSpPr/>
-        <p:nvPr/>
-      </p:nvGrpSpPr>
-      <p:grpSpPr>
-        <a:xfrm>
-          <a:off x="0" y="0"/>
-          <a:ext cx="0" cy="0"/>
-          <a:chOff x="0" y="0"/>
-          <a:chExt cx="0" cy="0"/>
-        </a:xfrm>
-      </p:grpSpPr>
-      <p:sp>
-        <p:nvSpPr>
-          <p:cNvPr id="2" name="タイトル 1"/>
-          <p:cNvSpPr>
-            <a:spLocks noGrp="1"/>
-          </p:cNvSpPr>
-          <p:nvPr>
-            <p:ph type="title"/>
-          </p:nvPr>
-        </p:nvSpPr>
-        <p:spPr/>
-        <p:txBody>
-          <a:bodyPr/>
-          <a:lstStyle/>
-          <a:p>
-            <a:r>
               <a:rPr kumimoji="1" lang="ja-JP" altLang="en-US" dirty="0" smtClean="0"/>
-              <a:t>プログラム試行</a:t>
+              <a:t>プレイ中のチャット機能</a:t>
             </a:r>
             <a:endParaRPr kumimoji="1" lang="ja-JP" altLang="en-US" dirty="0"/>
-          </a:p>
-        </p:txBody>
-      </p:sp>
-      <p:sp>
-        <p:nvSpPr>
-          <p:cNvPr id="5" name="コンテンツ プレースホルダ 4"/>
-          <p:cNvSpPr>
-            <a:spLocks noGrp="1"/>
-          </p:cNvSpPr>
-          <p:nvPr>
-            <p:ph idx="1"/>
-          </p:nvPr>
-        </p:nvSpPr>
-        <p:spPr/>
-        <p:txBody>
-          <a:bodyPr/>
-          <a:lstStyle/>
-          <a:p>
-            <a:r>
-              <a:rPr lang="ja-JP" altLang="en-US" dirty="0" smtClean="0"/>
-              <a:t>プレイ画面</a:t>
-            </a:r>
-            <a:endParaRPr lang="ja-JP" altLang="en-US" dirty="0"/>
-          </a:p>
-        </p:txBody>
-      </p:sp>
-      <p:pic>
-        <p:nvPicPr>
-          <p:cNvPr id="6" name="コンテンツ プレースホルダ 3" descr="スクリーンショット 2013-07-04 11.00.23.png"/>
-          <p:cNvPicPr>
-            <a:picLocks noChangeAspect="1"/>
-          </p:cNvPicPr>
-          <p:nvPr/>
-        </p:nvPicPr>
-        <p:blipFill>
-          <a:blip r:embed="rId3"/>
-          <a:srcRect t="-2060" b="-2060"/>
-          <a:stretch>
-            <a:fillRect/>
-          </a:stretch>
-        </p:blipFill>
-        <p:spPr>
-          <a:xfrm>
-            <a:off x="914400" y="2209800"/>
-            <a:ext cx="7315200" cy="4433596"/>
-          </a:xfrm>
-          <a:prstGeom prst="rect">
-            <a:avLst/>
-          </a:prstGeom>
-        </p:spPr>
-      </p:pic>
-      <p:cxnSp>
-        <p:nvCxnSpPr>
-          <p:cNvPr id="8" name="直線矢印コネクタ 7"/>
-          <p:cNvCxnSpPr/>
-          <p:nvPr/>
-        </p:nvCxnSpPr>
-        <p:spPr>
-          <a:xfrm rot="5400000">
-            <a:off x="4762500" y="1866900"/>
-            <a:ext cx="1066800" cy="990600"/>
-          </a:xfrm>
-          <a:prstGeom prst="straightConnector1">
-            <a:avLst/>
-          </a:prstGeom>
-          <a:ln w="41275">
-            <a:solidFill>
-              <a:schemeClr val="accent2">
-                <a:lumMod val="60000"/>
-                <a:lumOff val="40000"/>
-              </a:schemeClr>
-            </a:solidFill>
-            <a:tailEnd type="arrow"/>
-          </a:ln>
-          <a:effectLst>
-            <a:glow>
-              <a:schemeClr val="accent1">
-                <a:tint val="30000"/>
-                <a:shade val="95000"/>
-                <a:satMod val="300000"/>
-              </a:schemeClr>
-            </a:glow>
-          </a:effectLst>
-        </p:spPr>
-        <p:style>
-          <a:lnRef idx="2">
-            <a:schemeClr val="accent1"/>
-          </a:lnRef>
-          <a:fillRef idx="0">
-            <a:schemeClr val="accent1"/>
-          </a:fillRef>
-          <a:effectRef idx="1">
-            <a:schemeClr val="accent1"/>
-          </a:effectRef>
-          <a:fontRef idx="minor">
-            <a:schemeClr val="tx1"/>
-          </a:fontRef>
-        </p:style>
-      </p:cxnSp>
-      <p:sp>
-        <p:nvSpPr>
-          <p:cNvPr id="9" name="テキスト ボックス 8"/>
-          <p:cNvSpPr txBox="1"/>
-          <p:nvPr/>
-        </p:nvSpPr>
-        <p:spPr>
-          <a:xfrm>
-            <a:off x="5410200" y="1367135"/>
-            <a:ext cx="1143000" cy="461665"/>
-          </a:xfrm>
-          <a:prstGeom prst="rect">
-            <a:avLst/>
-          </a:prstGeom>
-          <a:noFill/>
-        </p:spPr>
-        <p:txBody>
-          <a:bodyPr wrap="square" rtlCol="0">
-            <a:spAutoFit/>
-          </a:bodyPr>
-          <a:lstStyle/>
-          <a:p>
-            <a:r>
-              <a:rPr kumimoji="1" lang="ja-JP" altLang="en-US" sz="2400" dirty="0" smtClean="0"/>
-              <a:t>問題</a:t>
-            </a:r>
-            <a:endParaRPr kumimoji="1" lang="ja-JP" altLang="en-US" sz="2400" dirty="0"/>
-          </a:p>
-        </p:txBody>
-      </p:sp>
-      <p:cxnSp>
-        <p:nvCxnSpPr>
-          <p:cNvPr id="11" name="直線矢印コネクタ 10"/>
-          <p:cNvCxnSpPr/>
-          <p:nvPr/>
-        </p:nvCxnSpPr>
-        <p:spPr>
-          <a:xfrm rot="5400000">
-            <a:off x="4991100" y="2019300"/>
-            <a:ext cx="2362200" cy="2133600"/>
-          </a:xfrm>
-          <a:prstGeom prst="straightConnector1">
-            <a:avLst/>
-          </a:prstGeom>
-          <a:ln w="41275">
-            <a:solidFill>
-              <a:schemeClr val="accent2">
-                <a:lumMod val="60000"/>
-                <a:lumOff val="40000"/>
-              </a:schemeClr>
-            </a:solidFill>
-            <a:tailEnd type="arrow"/>
-          </a:ln>
-          <a:effectLst>
-            <a:glow>
-              <a:schemeClr val="accent1">
-                <a:tint val="30000"/>
-                <a:shade val="95000"/>
-                <a:satMod val="300000"/>
-              </a:schemeClr>
-            </a:glow>
-          </a:effectLst>
-        </p:spPr>
-        <p:style>
-          <a:lnRef idx="2">
-            <a:schemeClr val="accent1"/>
-          </a:lnRef>
-          <a:fillRef idx="0">
-            <a:schemeClr val="accent1"/>
-          </a:fillRef>
-          <a:effectRef idx="1">
-            <a:schemeClr val="accent1"/>
-          </a:effectRef>
-          <a:fontRef idx="minor">
-            <a:schemeClr val="tx1"/>
-          </a:fontRef>
-        </p:style>
-      </p:cxnSp>
-      <p:sp>
-        <p:nvSpPr>
-          <p:cNvPr id="13" name="テキスト ボックス 12"/>
-          <p:cNvSpPr txBox="1"/>
-          <p:nvPr/>
-        </p:nvSpPr>
-        <p:spPr>
-          <a:xfrm>
-            <a:off x="6858000" y="1447800"/>
-            <a:ext cx="1143000" cy="461665"/>
-          </a:xfrm>
-          <a:prstGeom prst="rect">
-            <a:avLst/>
-          </a:prstGeom>
-          <a:noFill/>
-        </p:spPr>
-        <p:txBody>
-          <a:bodyPr wrap="square" rtlCol="0">
-            <a:spAutoFit/>
-          </a:bodyPr>
-          <a:lstStyle/>
-          <a:p>
-            <a:r>
-              <a:rPr lang="ja-JP" altLang="en-US" sz="2400" dirty="0" smtClean="0"/>
-              <a:t>選択肢</a:t>
-            </a:r>
-            <a:endParaRPr kumimoji="1" lang="ja-JP" altLang="en-US" sz="2400" dirty="0"/>
-          </a:p>
-        </p:txBody>
-      </p:sp>
-      <p:cxnSp>
-        <p:nvCxnSpPr>
-          <p:cNvPr id="14" name="直線矢印コネクタ 13"/>
-          <p:cNvCxnSpPr/>
-          <p:nvPr/>
-        </p:nvCxnSpPr>
-        <p:spPr>
-          <a:xfrm rot="10800000" flipV="1">
-            <a:off x="1905000" y="1828800"/>
-            <a:ext cx="1981200" cy="1219200"/>
-          </a:xfrm>
-          <a:prstGeom prst="straightConnector1">
-            <a:avLst/>
-          </a:prstGeom>
-          <a:ln w="41275">
-            <a:solidFill>
-              <a:schemeClr val="accent2">
-                <a:lumMod val="60000"/>
-                <a:lumOff val="40000"/>
-              </a:schemeClr>
-            </a:solidFill>
-            <a:tailEnd type="arrow"/>
-          </a:ln>
-          <a:effectLst>
-            <a:glow>
-              <a:schemeClr val="accent1">
-                <a:tint val="30000"/>
-                <a:shade val="95000"/>
-                <a:satMod val="300000"/>
-              </a:schemeClr>
-            </a:glow>
-          </a:effectLst>
-        </p:spPr>
-        <p:style>
-          <a:lnRef idx="2">
-            <a:schemeClr val="accent1"/>
-          </a:lnRef>
-          <a:fillRef idx="0">
-            <a:schemeClr val="accent1"/>
-          </a:fillRef>
-          <a:effectRef idx="1">
-            <a:schemeClr val="accent1"/>
-          </a:effectRef>
-          <a:fontRef idx="minor">
-            <a:schemeClr val="tx1"/>
-          </a:fontRef>
-        </p:style>
-      </p:cxnSp>
-      <p:sp>
-        <p:nvSpPr>
-          <p:cNvPr id="17" name="テキスト ボックス 16"/>
-          <p:cNvSpPr txBox="1"/>
-          <p:nvPr/>
-        </p:nvSpPr>
-        <p:spPr>
-          <a:xfrm>
-            <a:off x="3276600" y="1447800"/>
-            <a:ext cx="1828800" cy="461665"/>
-          </a:xfrm>
-          <a:prstGeom prst="rect">
-            <a:avLst/>
-          </a:prstGeom>
-          <a:noFill/>
-        </p:spPr>
-        <p:txBody>
-          <a:bodyPr wrap="square" rtlCol="0">
-            <a:spAutoFit/>
-          </a:bodyPr>
-          <a:lstStyle/>
-          <a:p>
-            <a:r>
-              <a:rPr kumimoji="1" lang="ja-JP" altLang="en-US" sz="2400" dirty="0" smtClean="0"/>
-              <a:t>ステータス</a:t>
-            </a:r>
-            <a:endParaRPr kumimoji="1" lang="ja-JP" altLang="en-US" sz="2400" dirty="0"/>
-          </a:p>
-        </p:txBody>
-      </p:sp>
-      <p:cxnSp>
-        <p:nvCxnSpPr>
-          <p:cNvPr id="18" name="直線矢印コネクタ 17"/>
-          <p:cNvCxnSpPr/>
-          <p:nvPr/>
-        </p:nvCxnSpPr>
-        <p:spPr>
-          <a:xfrm>
-            <a:off x="685800" y="5334000"/>
-            <a:ext cx="990600" cy="838200"/>
-          </a:xfrm>
-          <a:prstGeom prst="straightConnector1">
-            <a:avLst/>
-          </a:prstGeom>
-          <a:ln w="41275">
-            <a:solidFill>
-              <a:schemeClr val="accent2">
-                <a:lumMod val="60000"/>
-                <a:lumOff val="40000"/>
-              </a:schemeClr>
-            </a:solidFill>
-            <a:tailEnd type="arrow"/>
-          </a:ln>
-          <a:effectLst>
-            <a:glow>
-              <a:schemeClr val="accent1">
-                <a:tint val="30000"/>
-                <a:shade val="95000"/>
-                <a:satMod val="300000"/>
-              </a:schemeClr>
-            </a:glow>
-          </a:effectLst>
-        </p:spPr>
-        <p:style>
-          <a:lnRef idx="2">
-            <a:schemeClr val="accent1"/>
-          </a:lnRef>
-          <a:fillRef idx="0">
-            <a:schemeClr val="accent1"/>
-          </a:fillRef>
-          <a:effectRef idx="1">
-            <a:schemeClr val="accent1"/>
-          </a:effectRef>
-          <a:fontRef idx="minor">
-            <a:schemeClr val="tx1"/>
-          </a:fontRef>
-        </p:style>
-      </p:cxnSp>
-      <p:sp>
-        <p:nvSpPr>
-          <p:cNvPr id="22" name="テキスト ボックス 21"/>
-          <p:cNvSpPr txBox="1"/>
-          <p:nvPr/>
-        </p:nvSpPr>
-        <p:spPr>
-          <a:xfrm>
-            <a:off x="228600" y="4800600"/>
-            <a:ext cx="1143000" cy="461665"/>
-          </a:xfrm>
-          <a:prstGeom prst="rect">
-            <a:avLst/>
-          </a:prstGeom>
-          <a:noFill/>
-        </p:spPr>
-        <p:txBody>
-          <a:bodyPr wrap="square" rtlCol="0">
-            <a:spAutoFit/>
-          </a:bodyPr>
-          <a:lstStyle/>
-          <a:p>
-            <a:r>
-              <a:rPr kumimoji="1" lang="en-US" altLang="ja-JP" sz="2400" dirty="0" smtClean="0"/>
-              <a:t>HP</a:t>
-            </a:r>
-            <a:endParaRPr kumimoji="1" lang="ja-JP" altLang="en-US" sz="2400" dirty="0"/>
           </a:p>
         </p:txBody>
       </p:sp>
     </p:spTree>
     <p:extLst>
       <p:ext uri="{BB962C8B-B14F-4D97-AF65-F5344CB8AC3E}">
-        <p14:creationId xmlns:p14="http://schemas.microsoft.com/office/powerpoint/2010/main" xmlns:p="http://schemas.openxmlformats.org/presentationml/2006/main" xmlns:r="http://schemas.openxmlformats.org/officeDocument/2006/relationships" xmlns:a="http://schemas.openxmlformats.org/drawingml/2006/main" xmlns="" val="3421576189"/>
-      </p:ext>
-    </p:extLst>
-  </p:cSld>
-  <p:clrMapOvr>
-    <a:masterClrMapping/>
-  </p:clrMapOvr>
-  <p:timing>
-    <p:tnLst>
-      <p:par>
-        <p:cTn id="1" dur="indefinite" restart="never" nodeType="tmRoot"/>
-      </p:par>
-    </p:tnLst>
-  </p:timing>
-</p:sld>
-</file>
-
-<file path=ppt/slides/slide9.xml><?xml version="1.0" encoding="utf-8"?>
-<p:sld xmlns:a="http://schemas.openxmlformats.org/drawingml/2006/main" xmlns:r="http://schemas.openxmlformats.org/officeDocument/2006/relationships" xmlns:mc="http://schemas.openxmlformats.org/markup-compatibility/2006" xmlns:mv="urn:schemas-microsoft-com:mac:vml" xmlns:p="http://schemas.openxmlformats.org/presentationml/2006/main" mc:Ignorable="mv" mc:PreserveAttributes="mv:*">
-  <p:cSld>
-    <p:spTree>
-      <p:nvGrpSpPr>
-        <p:cNvPr id="1" name=""/>
-        <p:cNvGrpSpPr/>
-        <p:nvPr/>
-      </p:nvGrpSpPr>
-      <p:grpSpPr>
-        <a:xfrm>
-          <a:off x="0" y="0"/>
-          <a:ext cx="0" cy="0"/>
-          <a:chOff x="0" y="0"/>
-          <a:chExt cx="0" cy="0"/>
-        </a:xfrm>
-      </p:grpSpPr>
-      <p:sp>
-        <p:nvSpPr>
-          <p:cNvPr id="2" name="タイトル 1"/>
-          <p:cNvSpPr>
-            <a:spLocks noGrp="1"/>
-          </p:cNvSpPr>
-          <p:nvPr>
-            <p:ph type="title"/>
-          </p:nvPr>
-        </p:nvSpPr>
-        <p:spPr/>
-        <p:txBody>
-          <a:bodyPr/>
-          <a:lstStyle/>
-          <a:p>
-            <a:r>
-              <a:rPr kumimoji="1" lang="ja-JP" altLang="en-US" dirty="0" smtClean="0"/>
-              <a:t>補足</a:t>
-            </a:r>
-            <a:endParaRPr kumimoji="1" lang="ja-JP" altLang="en-US" dirty="0"/>
-          </a:p>
-        </p:txBody>
-      </p:sp>
-      <p:sp>
-        <p:nvSpPr>
-          <p:cNvPr id="3" name="コンテンツ プレースホルダー 2"/>
-          <p:cNvSpPr>
-            <a:spLocks noGrp="1"/>
-          </p:cNvSpPr>
-          <p:nvPr>
-            <p:ph idx="1"/>
-          </p:nvPr>
-        </p:nvSpPr>
-        <p:spPr/>
-        <p:txBody>
-          <a:bodyPr>
-            <a:normAutofit fontScale="92500" lnSpcReduction="20000"/>
-          </a:bodyPr>
-          <a:lstStyle/>
-          <a:p>
-            <a:endParaRPr kumimoji="1" lang="en-US" altLang="ja-JP" dirty="0" smtClean="0"/>
-          </a:p>
-          <a:p>
-            <a:r>
-              <a:rPr kumimoji="1" lang="ja-JP" altLang="en-US" dirty="0" smtClean="0"/>
-              <a:t>問題点</a:t>
-            </a:r>
-            <a:endParaRPr kumimoji="1" lang="en-US" altLang="ja-JP" dirty="0" smtClean="0"/>
-          </a:p>
-          <a:p>
-            <a:pPr lvl="1"/>
-            <a:r>
-              <a:rPr lang="ja-JP" altLang="en-US" dirty="0" smtClean="0"/>
-              <a:t>文字コードが統一されず文字化けしてしまうバグがあった</a:t>
-            </a:r>
-            <a:r>
-              <a:rPr lang="en-US" altLang="ja-JP" dirty="0" smtClean="0"/>
-              <a:t>→</a:t>
-            </a:r>
-            <a:r>
-              <a:rPr lang="ja-JP" altLang="en-US" dirty="0" smtClean="0"/>
-              <a:t>修正済み</a:t>
-            </a:r>
-            <a:endParaRPr kumimoji="1" lang="en-US" altLang="ja-JP" dirty="0" smtClean="0"/>
-          </a:p>
-          <a:p>
-            <a:endParaRPr lang="en-US" altLang="ja-JP" dirty="0"/>
-          </a:p>
-          <a:p>
-            <a:r>
-              <a:rPr kumimoji="1" lang="ja-JP" altLang="en-US" dirty="0" smtClean="0"/>
-              <a:t>拡張</a:t>
-            </a:r>
-            <a:r>
-              <a:rPr kumimoji="1" lang="ja-JP" altLang="en-US" dirty="0" smtClean="0"/>
-              <a:t>内容</a:t>
-            </a:r>
-            <a:endParaRPr kumimoji="1" lang="en-US" altLang="ja-JP" dirty="0" smtClean="0"/>
-          </a:p>
-          <a:p>
-            <a:pPr lvl="1"/>
-            <a:r>
-              <a:rPr lang="en-US" altLang="ja-JP" dirty="0" smtClean="0"/>
-              <a:t>2</a:t>
-            </a:r>
-            <a:r>
-              <a:rPr lang="ja-JP" altLang="en-US" dirty="0" smtClean="0"/>
-              <a:t>人以上でのプレイ</a:t>
-            </a:r>
-            <a:endParaRPr lang="en-US" altLang="ja-JP" dirty="0" smtClean="0"/>
-          </a:p>
-          <a:p>
-            <a:pPr lvl="1"/>
-            <a:r>
-              <a:rPr lang="ja-JP" altLang="en-US" dirty="0" smtClean="0"/>
-              <a:t>特殊な</a:t>
-            </a:r>
-            <a:r>
-              <a:rPr lang="en-US" altLang="ja-JP" dirty="0" smtClean="0"/>
-              <a:t>HP</a:t>
-            </a:r>
-            <a:r>
-              <a:rPr lang="ja-JP" altLang="en-US" dirty="0" smtClean="0"/>
-              <a:t>ダメージ</a:t>
-            </a:r>
-            <a:endParaRPr lang="en-US" altLang="ja-JP" dirty="0" smtClean="0"/>
-          </a:p>
-          <a:p>
-            <a:pPr lvl="1"/>
-            <a:r>
-              <a:rPr kumimoji="1" lang="ja-JP" altLang="en-US" dirty="0" smtClean="0"/>
-              <a:t>問題のジャンル選択</a:t>
-            </a:r>
-            <a:endParaRPr kumimoji="1" lang="en-US" altLang="ja-JP" dirty="0" smtClean="0"/>
-          </a:p>
-          <a:p>
-            <a:pPr lvl="1"/>
-            <a:r>
-              <a:rPr lang="ja-JP" altLang="en-US" dirty="0" smtClean="0"/>
-              <a:t>選択問題以外の問題</a:t>
-            </a:r>
-            <a:endParaRPr lang="en-US" altLang="ja-JP" dirty="0" smtClean="0"/>
-          </a:p>
-          <a:p>
-            <a:pPr lvl="1"/>
-            <a:r>
-              <a:rPr kumimoji="1" lang="ja-JP" altLang="en-US" dirty="0" smtClean="0"/>
-              <a:t>プレイ中のチャット機能</a:t>
-            </a:r>
-            <a:endParaRPr kumimoji="1" lang="ja-JP" altLang="en-US" dirty="0"/>
-          </a:p>
-        </p:txBody>
-      </p:sp>
-    </p:spTree>
-    <p:extLst>
-      <p:ext uri="{BB962C8B-B14F-4D97-AF65-F5344CB8AC3E}">
-        <p14:creationId xmlns:p14="http://schemas.microsoft.com/office/powerpoint/2010/main" xmlns:p="http://schemas.openxmlformats.org/presentationml/2006/main" xmlns:r="http://schemas.openxmlformats.org/officeDocument/2006/relationships" xmlns:a="http://schemas.openxmlformats.org/drawingml/2006/main" xmlns="" val="3720636938"/>
+        <p14:creationId xmlns:p14="http://schemas.microsoft.com/office/powerpoint/2010/main" val="3720636938"/>
       </p:ext>
     </p:extLst>
   </p:cSld>
